--- a/docpac_mar18/Sammy Kipp/PowerPoint for Programming.pptx
+++ b/docpac_mar18/Sammy Kipp/PowerPoint for Programming.pptx
@@ -11,8 +11,15 @@
     <p:sldId id="259" r:id="rId8"/>
     <p:sldId id="260" r:id="rId9"/>
     <p:sldId id="261" r:id="rId10"/>
-    <p:sldId id="263" r:id="rId11"/>
-    <p:sldId id="262" r:id="rId12"/>
+    <p:sldId id="269" r:id="rId11"/>
+    <p:sldId id="265" r:id="rId12"/>
+    <p:sldId id="263" r:id="rId13"/>
+    <p:sldId id="262" r:id="rId14"/>
+    <p:sldId id="264" r:id="rId15"/>
+    <p:sldId id="267" r:id="rId16"/>
+    <p:sldId id="268" r:id="rId17"/>
+    <p:sldId id="270" r:id="rId18"/>
+    <p:sldId id="266" r:id="rId19"/>
   </p:sldIdLst>
   <p:sldSz cx="12192000" cy="6858000"/>
   <p:notesSz cx="6858000" cy="9144000"/>
@@ -273,6 +280,312 @@
       </pc:sldChg>
     </pc:docChg>
   </pc:docChgLst>
+  <pc:docChgLst>
+    <pc:chgData name="Kipp, Jessica" userId="9a674628-791e-40a8-b488-ce9d719fd0a5" providerId="ADAL" clId="{2E9606E9-7F34-40FF-B699-A442AEF79E98}"/>
+    <pc:docChg chg="undo custSel addSld modSld sldOrd">
+      <pc:chgData name="Kipp, Jessica" userId="9a674628-791e-40a8-b488-ce9d719fd0a5" providerId="ADAL" clId="{2E9606E9-7F34-40FF-B699-A442AEF79E98}" dt="2022-03-15T13:39:24.626" v="5354"/>
+      <pc:docMkLst>
+        <pc:docMk/>
+      </pc:docMkLst>
+      <pc:sldChg chg="modTransition modAnim">
+        <pc:chgData name="Kipp, Jessica" userId="9a674628-791e-40a8-b488-ce9d719fd0a5" providerId="ADAL" clId="{2E9606E9-7F34-40FF-B699-A442AEF79E98}" dt="2022-03-15T13:38:34.152" v="5340"/>
+        <pc:sldMkLst>
+          <pc:docMk/>
+          <pc:sldMk cId="3136550929" sldId="256"/>
+        </pc:sldMkLst>
+      </pc:sldChg>
+      <pc:sldChg chg="modSp modTransition modAnim">
+        <pc:chgData name="Kipp, Jessica" userId="9a674628-791e-40a8-b488-ce9d719fd0a5" providerId="ADAL" clId="{2E9606E9-7F34-40FF-B699-A442AEF79E98}" dt="2022-03-15T13:38:41.102" v="5341"/>
+        <pc:sldMkLst>
+          <pc:docMk/>
+          <pc:sldMk cId="1086212246" sldId="257"/>
+        </pc:sldMkLst>
+        <pc:spChg chg="mod">
+          <ac:chgData name="Kipp, Jessica" userId="9a674628-791e-40a8-b488-ce9d719fd0a5" providerId="ADAL" clId="{2E9606E9-7F34-40FF-B699-A442AEF79E98}" dt="2022-03-15T12:36:14.371" v="762" actId="20577"/>
+          <ac:spMkLst>
+            <pc:docMk/>
+            <pc:sldMk cId="1086212246" sldId="257"/>
+            <ac:spMk id="3" creationId="{E8108897-980C-4853-A863-DC76959D1867}"/>
+          </ac:spMkLst>
+        </pc:spChg>
+      </pc:sldChg>
+      <pc:sldChg chg="modSp modTransition modAnim">
+        <pc:chgData name="Kipp, Jessica" userId="9a674628-791e-40a8-b488-ce9d719fd0a5" providerId="ADAL" clId="{2E9606E9-7F34-40FF-B699-A442AEF79E98}" dt="2022-03-15T13:38:45.567" v="5342"/>
+        <pc:sldMkLst>
+          <pc:docMk/>
+          <pc:sldMk cId="1542959229" sldId="258"/>
+        </pc:sldMkLst>
+        <pc:spChg chg="mod">
+          <ac:chgData name="Kipp, Jessica" userId="9a674628-791e-40a8-b488-ce9d719fd0a5" providerId="ADAL" clId="{2E9606E9-7F34-40FF-B699-A442AEF79E98}" dt="2022-03-15T12:39:00.513" v="893" actId="20577"/>
+          <ac:spMkLst>
+            <pc:docMk/>
+            <pc:sldMk cId="1542959229" sldId="258"/>
+            <ac:spMk id="3" creationId="{BAFC9F8C-6A92-4268-AA12-8A1F6A70AEDD}"/>
+          </ac:spMkLst>
+        </pc:spChg>
+      </pc:sldChg>
+      <pc:sldChg chg="modSp modTransition modAnim">
+        <pc:chgData name="Kipp, Jessica" userId="9a674628-791e-40a8-b488-ce9d719fd0a5" providerId="ADAL" clId="{2E9606E9-7F34-40FF-B699-A442AEF79E98}" dt="2022-03-15T13:38:49.752" v="5343"/>
+        <pc:sldMkLst>
+          <pc:docMk/>
+          <pc:sldMk cId="3514065982" sldId="259"/>
+        </pc:sldMkLst>
+        <pc:spChg chg="mod">
+          <ac:chgData name="Kipp, Jessica" userId="9a674628-791e-40a8-b488-ce9d719fd0a5" providerId="ADAL" clId="{2E9606E9-7F34-40FF-B699-A442AEF79E98}" dt="2022-03-15T12:24:40.880" v="0" actId="20577"/>
+          <ac:spMkLst>
+            <pc:docMk/>
+            <pc:sldMk cId="3514065982" sldId="259"/>
+            <ac:spMk id="2" creationId="{38D13D91-B3A7-4894-881A-B54F02ABE3B1}"/>
+          </ac:spMkLst>
+        </pc:spChg>
+        <pc:spChg chg="mod">
+          <ac:chgData name="Kipp, Jessica" userId="9a674628-791e-40a8-b488-ce9d719fd0a5" providerId="ADAL" clId="{2E9606E9-7F34-40FF-B699-A442AEF79E98}" dt="2022-03-15T12:42:22.191" v="1299" actId="14100"/>
+          <ac:spMkLst>
+            <pc:docMk/>
+            <pc:sldMk cId="3514065982" sldId="259"/>
+            <ac:spMk id="3" creationId="{DB1C0F67-8FF0-44E4-8ECC-FAD1E0352BDB}"/>
+          </ac:spMkLst>
+        </pc:spChg>
+      </pc:sldChg>
+      <pc:sldChg chg="modSp modTransition modAnim">
+        <pc:chgData name="Kipp, Jessica" userId="9a674628-791e-40a8-b488-ce9d719fd0a5" providerId="ADAL" clId="{2E9606E9-7F34-40FF-B699-A442AEF79E98}" dt="2022-03-15T13:38:54.582" v="5344"/>
+        <pc:sldMkLst>
+          <pc:docMk/>
+          <pc:sldMk cId="116241794" sldId="260"/>
+        </pc:sldMkLst>
+        <pc:spChg chg="mod">
+          <ac:chgData name="Kipp, Jessica" userId="9a674628-791e-40a8-b488-ce9d719fd0a5" providerId="ADAL" clId="{2E9606E9-7F34-40FF-B699-A442AEF79E98}" dt="2022-03-15T12:44:18.943" v="1442" actId="20577"/>
+          <ac:spMkLst>
+            <pc:docMk/>
+            <pc:sldMk cId="116241794" sldId="260"/>
+            <ac:spMk id="2" creationId="{2D252E6D-2FEC-4E84-B638-F5913D4C300E}"/>
+          </ac:spMkLst>
+        </pc:spChg>
+        <pc:spChg chg="mod">
+          <ac:chgData name="Kipp, Jessica" userId="9a674628-791e-40a8-b488-ce9d719fd0a5" providerId="ADAL" clId="{2E9606E9-7F34-40FF-B699-A442AEF79E98}" dt="2022-03-15T12:45:07.583" v="1516" actId="20577"/>
+          <ac:spMkLst>
+            <pc:docMk/>
+            <pc:sldMk cId="116241794" sldId="260"/>
+            <ac:spMk id="3" creationId="{9E30EE8C-F2E8-4903-B66D-586059E6BBE6}"/>
+          </ac:spMkLst>
+        </pc:spChg>
+      </pc:sldChg>
+      <pc:sldChg chg="modSp modTransition modAnim">
+        <pc:chgData name="Kipp, Jessica" userId="9a674628-791e-40a8-b488-ce9d719fd0a5" providerId="ADAL" clId="{2E9606E9-7F34-40FF-B699-A442AEF79E98}" dt="2022-03-15T13:38:57.627" v="5345"/>
+        <pc:sldMkLst>
+          <pc:docMk/>
+          <pc:sldMk cId="111008240" sldId="261"/>
+        </pc:sldMkLst>
+        <pc:spChg chg="mod">
+          <ac:chgData name="Kipp, Jessica" userId="9a674628-791e-40a8-b488-ce9d719fd0a5" providerId="ADAL" clId="{2E9606E9-7F34-40FF-B699-A442AEF79E98}" dt="2022-03-15T12:44:24.722" v="1450" actId="20577"/>
+          <ac:spMkLst>
+            <pc:docMk/>
+            <pc:sldMk cId="111008240" sldId="261"/>
+            <ac:spMk id="2" creationId="{01A12C17-A6F7-4948-95E4-277CFCB8095A}"/>
+          </ac:spMkLst>
+        </pc:spChg>
+        <pc:spChg chg="mod">
+          <ac:chgData name="Kipp, Jessica" userId="9a674628-791e-40a8-b488-ce9d719fd0a5" providerId="ADAL" clId="{2E9606E9-7F34-40FF-B699-A442AEF79E98}" dt="2022-03-15T12:47:08.654" v="1716" actId="20577"/>
+          <ac:spMkLst>
+            <pc:docMk/>
+            <pc:sldMk cId="111008240" sldId="261"/>
+            <ac:spMk id="3" creationId="{853509F1-B028-4F89-9FD9-335DB864397D}"/>
+          </ac:spMkLst>
+        </pc:spChg>
+      </pc:sldChg>
+      <pc:sldChg chg="modSp modTransition modAnim">
+        <pc:chgData name="Kipp, Jessica" userId="9a674628-791e-40a8-b488-ce9d719fd0a5" providerId="ADAL" clId="{2E9606E9-7F34-40FF-B699-A442AEF79E98}" dt="2022-03-15T13:39:10.652" v="5349"/>
+        <pc:sldMkLst>
+          <pc:docMk/>
+          <pc:sldMk cId="427726979" sldId="262"/>
+        </pc:sldMkLst>
+        <pc:spChg chg="mod">
+          <ac:chgData name="Kipp, Jessica" userId="9a674628-791e-40a8-b488-ce9d719fd0a5" providerId="ADAL" clId="{2E9606E9-7F34-40FF-B699-A442AEF79E98}" dt="2022-03-15T13:03:12.274" v="3696" actId="313"/>
+          <ac:spMkLst>
+            <pc:docMk/>
+            <pc:sldMk cId="427726979" sldId="262"/>
+            <ac:spMk id="3" creationId="{B24F7A37-5666-47F0-8628-50053BC74D2D}"/>
+          </ac:spMkLst>
+        </pc:spChg>
+      </pc:sldChg>
+      <pc:sldChg chg="modSp modTransition modAnim">
+        <pc:chgData name="Kipp, Jessica" userId="9a674628-791e-40a8-b488-ce9d719fd0a5" providerId="ADAL" clId="{2E9606E9-7F34-40FF-B699-A442AEF79E98}" dt="2022-03-15T13:39:07.398" v="5348"/>
+        <pc:sldMkLst>
+          <pc:docMk/>
+          <pc:sldMk cId="4057950628" sldId="263"/>
+        </pc:sldMkLst>
+        <pc:spChg chg="mod">
+          <ac:chgData name="Kipp, Jessica" userId="9a674628-791e-40a8-b488-ce9d719fd0a5" providerId="ADAL" clId="{2E9606E9-7F34-40FF-B699-A442AEF79E98}" dt="2022-03-15T12:57:48.036" v="3177" actId="14100"/>
+          <ac:spMkLst>
+            <pc:docMk/>
+            <pc:sldMk cId="4057950628" sldId="263"/>
+            <ac:spMk id="3" creationId="{C97CD319-108F-4AE6-85F4-EA12A9EC5CB8}"/>
+          </ac:spMkLst>
+        </pc:spChg>
+      </pc:sldChg>
+      <pc:sldChg chg="modSp add modTransition modAnim">
+        <pc:chgData name="Kipp, Jessica" userId="9a674628-791e-40a8-b488-ce9d719fd0a5" providerId="ADAL" clId="{2E9606E9-7F34-40FF-B699-A442AEF79E98}" dt="2022-03-15T13:39:13.492" v="5350"/>
+        <pc:sldMkLst>
+          <pc:docMk/>
+          <pc:sldMk cId="2219493051" sldId="264"/>
+        </pc:sldMkLst>
+        <pc:spChg chg="mod">
+          <ac:chgData name="Kipp, Jessica" userId="9a674628-791e-40a8-b488-ce9d719fd0a5" providerId="ADAL" clId="{2E9606E9-7F34-40FF-B699-A442AEF79E98}" dt="2022-03-15T12:25:01.957" v="32" actId="20577"/>
+          <ac:spMkLst>
+            <pc:docMk/>
+            <pc:sldMk cId="2219493051" sldId="264"/>
+            <ac:spMk id="2" creationId="{B093D3B7-357B-4B69-A38F-B2BAEA053182}"/>
+          </ac:spMkLst>
+        </pc:spChg>
+        <pc:spChg chg="mod">
+          <ac:chgData name="Kipp, Jessica" userId="9a674628-791e-40a8-b488-ce9d719fd0a5" providerId="ADAL" clId="{2E9606E9-7F34-40FF-B699-A442AEF79E98}" dt="2022-03-15T13:11:40.138" v="5151" actId="113"/>
+          <ac:spMkLst>
+            <pc:docMk/>
+            <pc:sldMk cId="2219493051" sldId="264"/>
+            <ac:spMk id="3" creationId="{46B0D460-4153-4714-A254-DBB636C2BA1F}"/>
+          </ac:spMkLst>
+        </pc:spChg>
+      </pc:sldChg>
+      <pc:sldChg chg="modSp add ord modTransition modAnim">
+        <pc:chgData name="Kipp, Jessica" userId="9a674628-791e-40a8-b488-ce9d719fd0a5" providerId="ADAL" clId="{2E9606E9-7F34-40FF-B699-A442AEF79E98}" dt="2022-03-15T13:39:04.167" v="5347"/>
+        <pc:sldMkLst>
+          <pc:docMk/>
+          <pc:sldMk cId="4062873853" sldId="265"/>
+        </pc:sldMkLst>
+        <pc:spChg chg="mod">
+          <ac:chgData name="Kipp, Jessica" userId="9a674628-791e-40a8-b488-ce9d719fd0a5" providerId="ADAL" clId="{2E9606E9-7F34-40FF-B699-A442AEF79E98}" dt="2022-03-15T12:25:30.088" v="94" actId="20577"/>
+          <ac:spMkLst>
+            <pc:docMk/>
+            <pc:sldMk cId="4062873853" sldId="265"/>
+            <ac:spMk id="2" creationId="{83A94F9B-810E-4E97-8C4B-B9803E58FA89}"/>
+          </ac:spMkLst>
+        </pc:spChg>
+        <pc:spChg chg="mod">
+          <ac:chgData name="Kipp, Jessica" userId="9a674628-791e-40a8-b488-ce9d719fd0a5" providerId="ADAL" clId="{2E9606E9-7F34-40FF-B699-A442AEF79E98}" dt="2022-03-15T12:54:23.068" v="2743" actId="20577"/>
+          <ac:spMkLst>
+            <pc:docMk/>
+            <pc:sldMk cId="4062873853" sldId="265"/>
+            <ac:spMk id="3" creationId="{1A4834A0-A949-4BC5-B298-7B8AEF57B3AB}"/>
+          </ac:spMkLst>
+        </pc:spChg>
+      </pc:sldChg>
+      <pc:sldChg chg="modSp add modTransition modAnim">
+        <pc:chgData name="Kipp, Jessica" userId="9a674628-791e-40a8-b488-ce9d719fd0a5" providerId="ADAL" clId="{2E9606E9-7F34-40FF-B699-A442AEF79E98}" dt="2022-03-15T13:39:24.626" v="5354"/>
+        <pc:sldMkLst>
+          <pc:docMk/>
+          <pc:sldMk cId="766016573" sldId="266"/>
+        </pc:sldMkLst>
+        <pc:spChg chg="mod">
+          <ac:chgData name="Kipp, Jessica" userId="9a674628-791e-40a8-b488-ce9d719fd0a5" providerId="ADAL" clId="{2E9606E9-7F34-40FF-B699-A442AEF79E98}" dt="2022-03-15T12:26:49.420" v="129" actId="403"/>
+          <ac:spMkLst>
+            <pc:docMk/>
+            <pc:sldMk cId="766016573" sldId="266"/>
+            <ac:spMk id="2" creationId="{F85149AB-329D-4A69-AD2A-51273ACEE744}"/>
+          </ac:spMkLst>
+        </pc:spChg>
+        <pc:spChg chg="mod">
+          <ac:chgData name="Kipp, Jessica" userId="9a674628-791e-40a8-b488-ce9d719fd0a5" providerId="ADAL" clId="{2E9606E9-7F34-40FF-B699-A442AEF79E98}" dt="2022-03-15T12:26:56.114" v="145" actId="20577"/>
+          <ac:spMkLst>
+            <pc:docMk/>
+            <pc:sldMk cId="766016573" sldId="266"/>
+            <ac:spMk id="3" creationId="{8B45EE6C-B502-416E-8412-A6A1E86BFF29}"/>
+          </ac:spMkLst>
+        </pc:spChg>
+      </pc:sldChg>
+      <pc:sldChg chg="modSp add modTransition modAnim">
+        <pc:chgData name="Kipp, Jessica" userId="9a674628-791e-40a8-b488-ce9d719fd0a5" providerId="ADAL" clId="{2E9606E9-7F34-40FF-B699-A442AEF79E98}" dt="2022-03-15T13:39:16.148" v="5351"/>
+        <pc:sldMkLst>
+          <pc:docMk/>
+          <pc:sldMk cId="3386135386" sldId="267"/>
+        </pc:sldMkLst>
+        <pc:spChg chg="mod">
+          <ac:chgData name="Kipp, Jessica" userId="9a674628-791e-40a8-b488-ce9d719fd0a5" providerId="ADAL" clId="{2E9606E9-7F34-40FF-B699-A442AEF79E98}" dt="2022-03-15T12:31:52.752" v="230" actId="20577"/>
+          <ac:spMkLst>
+            <pc:docMk/>
+            <pc:sldMk cId="3386135386" sldId="267"/>
+            <ac:spMk id="2" creationId="{2C8CDC75-DEF4-42E2-A57E-5AA6E236B6F1}"/>
+          </ac:spMkLst>
+        </pc:spChg>
+        <pc:spChg chg="mod">
+          <ac:chgData name="Kipp, Jessica" userId="9a674628-791e-40a8-b488-ce9d719fd0a5" providerId="ADAL" clId="{2E9606E9-7F34-40FF-B699-A442AEF79E98}" dt="2022-03-15T13:07:07.975" v="4431" actId="20577"/>
+          <ac:spMkLst>
+            <pc:docMk/>
+            <pc:sldMk cId="3386135386" sldId="267"/>
+            <ac:spMk id="3" creationId="{D3D59987-5B0A-49C4-8AF7-59FD97FF707A}"/>
+          </ac:spMkLst>
+        </pc:spChg>
+      </pc:sldChg>
+      <pc:sldChg chg="modSp add modTransition modAnim">
+        <pc:chgData name="Kipp, Jessica" userId="9a674628-791e-40a8-b488-ce9d719fd0a5" providerId="ADAL" clId="{2E9606E9-7F34-40FF-B699-A442AEF79E98}" dt="2022-03-15T13:39:18.891" v="5352"/>
+        <pc:sldMkLst>
+          <pc:docMk/>
+          <pc:sldMk cId="356014933" sldId="268"/>
+        </pc:sldMkLst>
+        <pc:spChg chg="mod">
+          <ac:chgData name="Kipp, Jessica" userId="9a674628-791e-40a8-b488-ce9d719fd0a5" providerId="ADAL" clId="{2E9606E9-7F34-40FF-B699-A442AEF79E98}" dt="2022-03-15T12:32:21.463" v="285" actId="20577"/>
+          <ac:spMkLst>
+            <pc:docMk/>
+            <pc:sldMk cId="356014933" sldId="268"/>
+            <ac:spMk id="2" creationId="{AABADBE4-DFFE-4FD8-A40F-A9966D8641A3}"/>
+          </ac:spMkLst>
+        </pc:spChg>
+        <pc:spChg chg="mod">
+          <ac:chgData name="Kipp, Jessica" userId="9a674628-791e-40a8-b488-ce9d719fd0a5" providerId="ADAL" clId="{2E9606E9-7F34-40FF-B699-A442AEF79E98}" dt="2022-03-15T13:09:52.726" v="4927" actId="20577"/>
+          <ac:spMkLst>
+            <pc:docMk/>
+            <pc:sldMk cId="356014933" sldId="268"/>
+            <ac:spMk id="3" creationId="{CDA9412F-4576-4321-88FC-CC496D283109}"/>
+          </ac:spMkLst>
+        </pc:spChg>
+      </pc:sldChg>
+      <pc:sldChg chg="modSp add modTransition modAnim">
+        <pc:chgData name="Kipp, Jessica" userId="9a674628-791e-40a8-b488-ce9d719fd0a5" providerId="ADAL" clId="{2E9606E9-7F34-40FF-B699-A442AEF79E98}" dt="2022-03-15T13:39:01.230" v="5346"/>
+        <pc:sldMkLst>
+          <pc:docMk/>
+          <pc:sldMk cId="2699331783" sldId="269"/>
+        </pc:sldMkLst>
+        <pc:spChg chg="mod">
+          <ac:chgData name="Kipp, Jessica" userId="9a674628-791e-40a8-b488-ce9d719fd0a5" providerId="ADAL" clId="{2E9606E9-7F34-40FF-B699-A442AEF79E98}" dt="2022-03-15T12:41:52.304" v="1207" actId="20577"/>
+          <ac:spMkLst>
+            <pc:docMk/>
+            <pc:sldMk cId="2699331783" sldId="269"/>
+            <ac:spMk id="2" creationId="{EE84EB63-173F-45F7-930D-D8E6604DBB05}"/>
+          </ac:spMkLst>
+        </pc:spChg>
+        <pc:spChg chg="mod">
+          <ac:chgData name="Kipp, Jessica" userId="9a674628-791e-40a8-b488-ce9d719fd0a5" providerId="ADAL" clId="{2E9606E9-7F34-40FF-B699-A442AEF79E98}" dt="2022-03-15T12:50:02.416" v="2196" actId="20577"/>
+          <ac:spMkLst>
+            <pc:docMk/>
+            <pc:sldMk cId="2699331783" sldId="269"/>
+            <ac:spMk id="3" creationId="{5A245A75-0AE0-46C0-9E83-AD8EE0F8B917}"/>
+          </ac:spMkLst>
+        </pc:spChg>
+      </pc:sldChg>
+      <pc:sldChg chg="modSp add modTransition modAnim">
+        <pc:chgData name="Kipp, Jessica" userId="9a674628-791e-40a8-b488-ce9d719fd0a5" providerId="ADAL" clId="{2E9606E9-7F34-40FF-B699-A442AEF79E98}" dt="2022-03-15T13:39:22.002" v="5353"/>
+        <pc:sldMkLst>
+          <pc:docMk/>
+          <pc:sldMk cId="1282761605" sldId="270"/>
+        </pc:sldMkLst>
+        <pc:spChg chg="mod">
+          <ac:chgData name="Kipp, Jessica" userId="9a674628-791e-40a8-b488-ce9d719fd0a5" providerId="ADAL" clId="{2E9606E9-7F34-40FF-B699-A442AEF79E98}" dt="2022-03-15T13:10:19.320" v="4950" actId="20577"/>
+          <ac:spMkLst>
+            <pc:docMk/>
+            <pc:sldMk cId="1282761605" sldId="270"/>
+            <ac:spMk id="2" creationId="{AE24F3D6-AF53-4BDA-B974-99B554235FED}"/>
+          </ac:spMkLst>
+        </pc:spChg>
+        <pc:spChg chg="mod">
+          <ac:chgData name="Kipp, Jessica" userId="9a674628-791e-40a8-b488-ce9d719fd0a5" providerId="ADAL" clId="{2E9606E9-7F34-40FF-B699-A442AEF79E98}" dt="2022-03-15T13:11:18.022" v="5150" actId="20577"/>
+          <ac:spMkLst>
+            <pc:docMk/>
+            <pc:sldMk cId="1282761605" sldId="270"/>
+            <ac:spMk id="3" creationId="{AAC663B7-51C8-4FB2-8364-118369FBE6A6}"/>
+          </ac:spMkLst>
+        </pc:spChg>
+      </pc:sldChg>
+    </pc:docChg>
+  </pc:docChgLst>
 </pc:chgInfo>
 </file>
 
@@ -4558,7 +4871,7 @@
           <a:p>
             <a:fld id="{48A87A34-81AB-432B-8DAE-1953F412C126}" type="datetimeFigureOut">
               <a:rPr lang="en-US" dirty="0"/>
-              <a:t>3/14/2022</a:t>
+              <a:t>3/15/2022</a:t>
             </a:fld>
             <a:endParaRPr lang="en-US" dirty="0"/>
           </a:p>
@@ -4729,10 +5042,9 @@
               <a:buNone/>
             </a:pPr>
             <a:r>
-              <a:rPr lang="en-US"/>
+              <a:rPr lang="en-US" dirty="0"/>
               <a:t>Click icon to add picture</a:t>
             </a:r>
-            <a:endParaRPr lang="en-US" dirty="0"/>
           </a:p>
         </p:txBody>
       </p:sp>
@@ -4820,7 +5132,7 @@
           <a:p>
             <a:fld id="{48A87A34-81AB-432B-8DAE-1953F412C126}" type="datetimeFigureOut">
               <a:rPr lang="en-US" dirty="0"/>
-              <a:t>3/14/2022</a:t>
+              <a:t>3/15/2022</a:t>
             </a:fld>
             <a:endParaRPr lang="en-US" dirty="0"/>
           </a:p>
@@ -5011,7 +5323,7 @@
           <a:p>
             <a:fld id="{48A87A34-81AB-432B-8DAE-1953F412C126}" type="datetimeFigureOut">
               <a:rPr lang="en-US" dirty="0"/>
-              <a:t>3/14/2022</a:t>
+              <a:t>3/15/2022</a:t>
             </a:fld>
             <a:endParaRPr lang="en-US" dirty="0"/>
           </a:p>
@@ -5269,7 +5581,7 @@
           <a:p>
             <a:fld id="{48A87A34-81AB-432B-8DAE-1953F412C126}" type="datetimeFigureOut">
               <a:rPr lang="en-US" dirty="0"/>
-              <a:t>3/14/2022</a:t>
+              <a:t>3/15/2022</a:t>
             </a:fld>
             <a:endParaRPr lang="en-US" dirty="0"/>
           </a:p>
@@ -5698,7 +6010,7 @@
           <a:p>
             <a:fld id="{48A87A34-81AB-432B-8DAE-1953F412C126}" type="datetimeFigureOut">
               <a:rPr lang="en-US" dirty="0"/>
-              <a:t>3/14/2022</a:t>
+              <a:t>3/15/2022</a:t>
             </a:fld>
             <a:endParaRPr lang="en-US" dirty="0"/>
           </a:p>
@@ -6239,7 +6551,7 @@
           <a:p>
             <a:fld id="{48A87A34-81AB-432B-8DAE-1953F412C126}" type="datetimeFigureOut">
               <a:rPr lang="en-US" dirty="0"/>
-              <a:t>3/14/2022</a:t>
+              <a:t>3/15/2022</a:t>
             </a:fld>
             <a:endParaRPr lang="en-US" dirty="0"/>
           </a:p>
@@ -6465,10 +6777,9 @@
               <a:buNone/>
             </a:pPr>
             <a:r>
-              <a:rPr lang="en-US"/>
+              <a:rPr lang="en-US" dirty="0"/>
               <a:t>Click icon to add picture</a:t>
             </a:r>
-            <a:endParaRPr lang="en-US" dirty="0"/>
           </a:p>
         </p:txBody>
       </p:sp>
@@ -6664,10 +6975,9 @@
               <a:buNone/>
             </a:pPr>
             <a:r>
-              <a:rPr lang="en-US"/>
+              <a:rPr lang="en-US" dirty="0"/>
               <a:t>Click icon to add picture</a:t>
             </a:r>
-            <a:endParaRPr lang="en-US" dirty="0"/>
           </a:p>
         </p:txBody>
       </p:sp>
@@ -6863,10 +7173,9 @@
               <a:buNone/>
             </a:pPr>
             <a:r>
-              <a:rPr lang="en-US"/>
+              <a:rPr lang="en-US" dirty="0"/>
               <a:t>Click icon to add picture</a:t>
             </a:r>
-            <a:endParaRPr lang="en-US" dirty="0"/>
           </a:p>
         </p:txBody>
       </p:sp>
@@ -6954,7 +7263,7 @@
           <a:p>
             <a:fld id="{48A87A34-81AB-432B-8DAE-1953F412C126}" type="datetimeFigureOut">
               <a:rPr lang="en-US" dirty="0"/>
-              <a:t>3/14/2022</a:t>
+              <a:t>3/15/2022</a:t>
             </a:fld>
             <a:endParaRPr lang="en-US" dirty="0"/>
           </a:p>
@@ -7119,7 +7428,7 @@
           <a:p>
             <a:fld id="{48A87A34-81AB-432B-8DAE-1953F412C126}" type="datetimeFigureOut">
               <a:rPr lang="en-US" dirty="0"/>
-              <a:t>3/14/2022</a:t>
+              <a:t>3/15/2022</a:t>
             </a:fld>
             <a:endParaRPr lang="en-US" dirty="0"/>
           </a:p>
@@ -7294,7 +7603,7 @@
           <a:p>
             <a:fld id="{48A87A34-81AB-432B-8DAE-1953F412C126}" type="datetimeFigureOut">
               <a:rPr lang="en-US" dirty="0"/>
-              <a:t>3/14/2022</a:t>
+              <a:t>3/15/2022</a:t>
             </a:fld>
             <a:endParaRPr lang="en-US" dirty="0"/>
           </a:p>
@@ -7459,7 +7768,7 @@
           <a:p>
             <a:fld id="{48A87A34-81AB-432B-8DAE-1953F412C126}" type="datetimeFigureOut">
               <a:rPr lang="en-US" dirty="0"/>
-              <a:t>3/14/2022</a:t>
+              <a:t>3/15/2022</a:t>
             </a:fld>
             <a:endParaRPr lang="en-US" dirty="0"/>
           </a:p>
@@ -7704,7 +8013,7 @@
           <a:p>
             <a:fld id="{48A87A34-81AB-432B-8DAE-1953F412C126}" type="datetimeFigureOut">
               <a:rPr lang="en-US" dirty="0"/>
-              <a:t>3/14/2022</a:t>
+              <a:t>3/15/2022</a:t>
             </a:fld>
             <a:endParaRPr lang="en-US" dirty="0"/>
           </a:p>
@@ -7931,7 +8240,7 @@
           <a:p>
             <a:fld id="{48A87A34-81AB-432B-8DAE-1953F412C126}" type="datetimeFigureOut">
               <a:rPr lang="en-US" dirty="0"/>
-              <a:t>3/14/2022</a:t>
+              <a:t>3/15/2022</a:t>
             </a:fld>
             <a:endParaRPr lang="en-US" dirty="0"/>
           </a:p>
@@ -8307,7 +8616,7 @@
           <a:p>
             <a:fld id="{48A87A34-81AB-432B-8DAE-1953F412C126}" type="datetimeFigureOut">
               <a:rPr lang="en-US" dirty="0"/>
-              <a:t>3/14/2022</a:t>
+              <a:t>3/15/2022</a:t>
             </a:fld>
             <a:endParaRPr lang="en-US" dirty="0"/>
           </a:p>
@@ -8420,7 +8729,7 @@
           <a:p>
             <a:fld id="{48A87A34-81AB-432B-8DAE-1953F412C126}" type="datetimeFigureOut">
               <a:rPr lang="en-US" dirty="0"/>
-              <a:t>3/14/2022</a:t>
+              <a:t>3/15/2022</a:t>
             </a:fld>
             <a:endParaRPr lang="en-US" dirty="0"/>
           </a:p>
@@ -8510,7 +8819,7 @@
           <a:p>
             <a:fld id="{48A87A34-81AB-432B-8DAE-1953F412C126}" type="datetimeFigureOut">
               <a:rPr lang="en-US" dirty="0"/>
-              <a:t>3/14/2022</a:t>
+              <a:t>3/15/2022</a:t>
             </a:fld>
             <a:endParaRPr lang="en-US" dirty="0"/>
           </a:p>
@@ -8754,7 +9063,7 @@
           <a:p>
             <a:fld id="{48A87A34-81AB-432B-8DAE-1953F412C126}" type="datetimeFigureOut">
               <a:rPr lang="en-US" dirty="0"/>
-              <a:t>3/14/2022</a:t>
+              <a:t>3/15/2022</a:t>
             </a:fld>
             <a:endParaRPr lang="en-US" dirty="0"/>
           </a:p>
@@ -8940,10 +9249,9 @@
           </a:lstStyle>
           <a:p>
             <a:r>
-              <a:rPr lang="en-US"/>
+              <a:rPr lang="en-US" dirty="0"/>
               <a:t>Click icon to add picture</a:t>
             </a:r>
-            <a:endParaRPr lang="en-US" dirty="0"/>
           </a:p>
         </p:txBody>
       </p:sp>
@@ -9029,7 +9337,7 @@
           <a:p>
             <a:fld id="{48A87A34-81AB-432B-8DAE-1953F412C126}" type="datetimeFigureOut">
               <a:rPr lang="en-US" dirty="0"/>
-              <a:t>3/14/2022</a:t>
+              <a:t>3/15/2022</a:t>
             </a:fld>
             <a:endParaRPr lang="en-US" dirty="0"/>
           </a:p>
@@ -12092,7 +12400,7 @@
             <a:fld id="{48A87A34-81AB-432B-8DAE-1953F412C126}" type="datetimeFigureOut">
               <a:rPr lang="en-US" dirty="0"/>
               <a:pPr/>
-              <a:t>3/14/2022</a:t>
+              <a:t>3/15/2022</a:t>
             </a:fld>
             <a:endParaRPr lang="en-US" dirty="0"/>
           </a:p>
@@ -12597,6 +12905,3288 @@
   <p:clrMapOvr>
     <a:masterClrMapping/>
   </p:clrMapOvr>
+  <mc:AlternateContent xmlns:mc="http://schemas.openxmlformats.org/markup-compatibility/2006">
+    <mc:Choice xmlns:p14="http://schemas.microsoft.com/office/powerpoint/2010/main" Requires="p14">
+      <p:transition spd="slow" p14:dur="3400">
+        <p14:reveal/>
+      </p:transition>
+    </mc:Choice>
+    <mc:Fallback>
+      <p:transition spd="slow">
+        <p:fade/>
+      </p:transition>
+    </mc:Fallback>
+  </mc:AlternateContent>
+  <p:timing>
+    <p:tnLst>
+      <p:par>
+        <p:cTn id="1" dur="indefinite" restart="never" nodeType="tmRoot">
+          <p:childTnLst>
+            <p:seq concurrent="1" nextAc="seek">
+              <p:cTn id="2" dur="indefinite" nodeType="mainSeq">
+                <p:childTnLst>
+                  <p:par>
+                    <p:cTn id="3" fill="hold">
+                      <p:stCondLst>
+                        <p:cond delay="indefinite"/>
+                      </p:stCondLst>
+                      <p:childTnLst>
+                        <p:par>
+                          <p:cTn id="4" fill="hold">
+                            <p:stCondLst>
+                              <p:cond delay="0"/>
+                            </p:stCondLst>
+                            <p:childTnLst>
+                              <p:par>
+                                <p:cTn id="5" presetID="31" presetClass="entr" presetSubtype="0" fill="hold" grpId="0" nodeType="clickEffect">
+                                  <p:stCondLst>
+                                    <p:cond delay="250"/>
+                                  </p:stCondLst>
+                                  <p:childTnLst>
+                                    <p:set>
+                                      <p:cBhvr>
+                                        <p:cTn id="6" dur="1" fill="hold">
+                                          <p:stCondLst>
+                                            <p:cond delay="0"/>
+                                          </p:stCondLst>
+                                        </p:cTn>
+                                        <p:tgtEl>
+                                          <p:spTgt spid="2"/>
+                                        </p:tgtEl>
+                                        <p:attrNameLst>
+                                          <p:attrName>style.visibility</p:attrName>
+                                        </p:attrNameLst>
+                                      </p:cBhvr>
+                                      <p:to>
+                                        <p:strVal val="visible"/>
+                                      </p:to>
+                                    </p:set>
+                                    <p:anim calcmode="lin" valueType="num">
+                                      <p:cBhvr>
+                                        <p:cTn id="7" dur="3000" fill="hold"/>
+                                        <p:tgtEl>
+                                          <p:spTgt spid="2"/>
+                                        </p:tgtEl>
+                                        <p:attrNameLst>
+                                          <p:attrName>ppt_w</p:attrName>
+                                        </p:attrNameLst>
+                                      </p:cBhvr>
+                                      <p:tavLst>
+                                        <p:tav tm="0">
+                                          <p:val>
+                                            <p:fltVal val="0"/>
+                                          </p:val>
+                                        </p:tav>
+                                        <p:tav tm="100000">
+                                          <p:val>
+                                            <p:strVal val="#ppt_w"/>
+                                          </p:val>
+                                        </p:tav>
+                                      </p:tavLst>
+                                    </p:anim>
+                                    <p:anim calcmode="lin" valueType="num">
+                                      <p:cBhvr>
+                                        <p:cTn id="8" dur="3000" fill="hold"/>
+                                        <p:tgtEl>
+                                          <p:spTgt spid="2"/>
+                                        </p:tgtEl>
+                                        <p:attrNameLst>
+                                          <p:attrName>ppt_h</p:attrName>
+                                        </p:attrNameLst>
+                                      </p:cBhvr>
+                                      <p:tavLst>
+                                        <p:tav tm="0">
+                                          <p:val>
+                                            <p:fltVal val="0"/>
+                                          </p:val>
+                                        </p:tav>
+                                        <p:tav tm="100000">
+                                          <p:val>
+                                            <p:strVal val="#ppt_h"/>
+                                          </p:val>
+                                        </p:tav>
+                                      </p:tavLst>
+                                    </p:anim>
+                                    <p:anim calcmode="lin" valueType="num">
+                                      <p:cBhvr>
+                                        <p:cTn id="9" dur="3000" fill="hold"/>
+                                        <p:tgtEl>
+                                          <p:spTgt spid="2"/>
+                                        </p:tgtEl>
+                                        <p:attrNameLst>
+                                          <p:attrName>style.rotation</p:attrName>
+                                        </p:attrNameLst>
+                                      </p:cBhvr>
+                                      <p:tavLst>
+                                        <p:tav tm="0">
+                                          <p:val>
+                                            <p:fltVal val="90"/>
+                                          </p:val>
+                                        </p:tav>
+                                        <p:tav tm="100000">
+                                          <p:val>
+                                            <p:fltVal val="0"/>
+                                          </p:val>
+                                        </p:tav>
+                                      </p:tavLst>
+                                    </p:anim>
+                                    <p:animEffect transition="in" filter="fade">
+                                      <p:cBhvr>
+                                        <p:cTn id="10" dur="3000"/>
+                                        <p:tgtEl>
+                                          <p:spTgt spid="2"/>
+                                        </p:tgtEl>
+                                      </p:cBhvr>
+                                    </p:animEffect>
+                                  </p:childTnLst>
+                                </p:cTn>
+                              </p:par>
+                            </p:childTnLst>
+                          </p:cTn>
+                        </p:par>
+                      </p:childTnLst>
+                    </p:cTn>
+                  </p:par>
+                  <p:par>
+                    <p:cTn id="11" fill="hold">
+                      <p:stCondLst>
+                        <p:cond delay="indefinite"/>
+                      </p:stCondLst>
+                      <p:childTnLst>
+                        <p:par>
+                          <p:cTn id="12" fill="hold">
+                            <p:stCondLst>
+                              <p:cond delay="0"/>
+                            </p:stCondLst>
+                            <p:childTnLst>
+                              <p:par>
+                                <p:cTn id="13" presetID="45" presetClass="entr" presetSubtype="0" fill="hold" grpId="0" nodeType="clickEffect">
+                                  <p:stCondLst>
+                                    <p:cond delay="0"/>
+                                  </p:stCondLst>
+                                  <p:childTnLst>
+                                    <p:set>
+                                      <p:cBhvr>
+                                        <p:cTn id="14" dur="1" fill="hold">
+                                          <p:stCondLst>
+                                            <p:cond delay="0"/>
+                                          </p:stCondLst>
+                                        </p:cTn>
+                                        <p:tgtEl>
+                                          <p:spTgt spid="3">
+                                            <p:txEl>
+                                              <p:pRg st="0" end="0"/>
+                                            </p:txEl>
+                                          </p:spTgt>
+                                        </p:tgtEl>
+                                        <p:attrNameLst>
+                                          <p:attrName>style.visibility</p:attrName>
+                                        </p:attrNameLst>
+                                      </p:cBhvr>
+                                      <p:to>
+                                        <p:strVal val="visible"/>
+                                      </p:to>
+                                    </p:set>
+                                    <p:animEffect transition="in" filter="fade">
+                                      <p:cBhvr>
+                                        <p:cTn id="15" dur="2000"/>
+                                        <p:tgtEl>
+                                          <p:spTgt spid="3">
+                                            <p:txEl>
+                                              <p:pRg st="0" end="0"/>
+                                            </p:txEl>
+                                          </p:spTgt>
+                                        </p:tgtEl>
+                                      </p:cBhvr>
+                                    </p:animEffect>
+                                    <p:anim calcmode="lin" valueType="num">
+                                      <p:cBhvr>
+                                        <p:cTn id="16" dur="2000" fill="hold"/>
+                                        <p:tgtEl>
+                                          <p:spTgt spid="3">
+                                            <p:txEl>
+                                              <p:pRg st="0" end="0"/>
+                                            </p:txEl>
+                                          </p:spTgt>
+                                        </p:tgtEl>
+                                        <p:attrNameLst>
+                                          <p:attrName>ppt_w</p:attrName>
+                                        </p:attrNameLst>
+                                      </p:cBhvr>
+                                      <p:tavLst>
+                                        <p:tav tm="0" fmla="#ppt_w*sin(2.5*pi*$)">
+                                          <p:val>
+                                            <p:fltVal val="0"/>
+                                          </p:val>
+                                        </p:tav>
+                                        <p:tav tm="100000">
+                                          <p:val>
+                                            <p:fltVal val="1"/>
+                                          </p:val>
+                                        </p:tav>
+                                      </p:tavLst>
+                                    </p:anim>
+                                    <p:anim calcmode="lin" valueType="num">
+                                      <p:cBhvr>
+                                        <p:cTn id="17" dur="2000" fill="hold"/>
+                                        <p:tgtEl>
+                                          <p:spTgt spid="3">
+                                            <p:txEl>
+                                              <p:pRg st="0" end="0"/>
+                                            </p:txEl>
+                                          </p:spTgt>
+                                        </p:tgtEl>
+                                        <p:attrNameLst>
+                                          <p:attrName>ppt_h</p:attrName>
+                                        </p:attrNameLst>
+                                      </p:cBhvr>
+                                      <p:tavLst>
+                                        <p:tav tm="0">
+                                          <p:val>
+                                            <p:strVal val="#ppt_h"/>
+                                          </p:val>
+                                        </p:tav>
+                                        <p:tav tm="100000">
+                                          <p:val>
+                                            <p:strVal val="#ppt_h"/>
+                                          </p:val>
+                                        </p:tav>
+                                      </p:tavLst>
+                                    </p:anim>
+                                  </p:childTnLst>
+                                </p:cTn>
+                              </p:par>
+                            </p:childTnLst>
+                          </p:cTn>
+                        </p:par>
+                      </p:childTnLst>
+                    </p:cTn>
+                  </p:par>
+                </p:childTnLst>
+              </p:cTn>
+              <p:prevCondLst>
+                <p:cond evt="onPrev" delay="0">
+                  <p:tgtEl>
+                    <p:sldTgt/>
+                  </p:tgtEl>
+                </p:cond>
+              </p:prevCondLst>
+              <p:nextCondLst>
+                <p:cond evt="onNext" delay="0">
+                  <p:tgtEl>
+                    <p:sldTgt/>
+                  </p:tgtEl>
+                </p:cond>
+              </p:nextCondLst>
+            </p:seq>
+          </p:childTnLst>
+        </p:cTn>
+      </p:par>
+    </p:tnLst>
+    <p:bldLst>
+      <p:bldP spid="2" grpId="0"/>
+      <p:bldP spid="3" grpId="0" build="p"/>
+    </p:bldLst>
+  </p:timing>
+</p:sld>
+</file>
+
+<file path=ppt/slides/slide10.xml><?xml version="1.0" encoding="utf-8"?>
+<p:sld xmlns:a="http://schemas.openxmlformats.org/drawingml/2006/main" xmlns:r="http://schemas.openxmlformats.org/officeDocument/2006/relationships" xmlns:p="http://schemas.openxmlformats.org/presentationml/2006/main">
+  <p:cSld>
+    <p:spTree>
+      <p:nvGrpSpPr>
+        <p:cNvPr id="1" name=""/>
+        <p:cNvGrpSpPr/>
+        <p:nvPr/>
+      </p:nvGrpSpPr>
+      <p:grpSpPr>
+        <a:xfrm>
+          <a:off x="0" y="0"/>
+          <a:ext cx="0" cy="0"/>
+          <a:chOff x="0" y="0"/>
+          <a:chExt cx="0" cy="0"/>
+        </a:xfrm>
+      </p:grpSpPr>
+      <p:sp>
+        <p:nvSpPr>
+          <p:cNvPr id="2" name="Title 1">
+            <a:extLst>
+              <a:ext uri="{FF2B5EF4-FFF2-40B4-BE49-F238E27FC236}">
+                <a16:creationId xmlns:a16="http://schemas.microsoft.com/office/drawing/2014/main" id="{1EC37807-447A-4C33-9D2B-280C07F328ED}"/>
+              </a:ext>
+            </a:extLst>
+          </p:cNvPr>
+          <p:cNvSpPr>
+            <a:spLocks noGrp="1"/>
+          </p:cNvSpPr>
+          <p:nvPr>
+            <p:ph type="title"/>
+          </p:nvPr>
+        </p:nvSpPr>
+        <p:spPr/>
+        <p:txBody>
+          <a:bodyPr/>
+          <a:lstStyle/>
+          <a:p>
+            <a:r>
+              <a:rPr lang="en-US" dirty="0"/>
+              <a:t>Tasks outside the Routine</a:t>
+            </a:r>
+          </a:p>
+        </p:txBody>
+      </p:sp>
+      <p:sp>
+        <p:nvSpPr>
+          <p:cNvPr id="3" name="Content Placeholder 2">
+            <a:extLst>
+              <a:ext uri="{FF2B5EF4-FFF2-40B4-BE49-F238E27FC236}">
+                <a16:creationId xmlns:a16="http://schemas.microsoft.com/office/drawing/2014/main" id="{B24F7A37-5666-47F0-8628-50053BC74D2D}"/>
+              </a:ext>
+            </a:extLst>
+          </p:cNvPr>
+          <p:cNvSpPr>
+            <a:spLocks noGrp="1"/>
+          </p:cNvSpPr>
+          <p:nvPr>
+            <p:ph idx="1"/>
+          </p:nvPr>
+        </p:nvSpPr>
+        <p:spPr/>
+        <p:txBody>
+          <a:bodyPr/>
+          <a:lstStyle/>
+          <a:p>
+            <a:pPr marL="0" indent="0">
+              <a:buNone/>
+            </a:pPr>
+            <a:r>
+              <a:rPr lang="en-US" dirty="0"/>
+              <a:t>So you’ve set up your routine and made it a habit, but oh no you’ve got a doctor’s appointment next week which will throw off your evening routine. </a:t>
+            </a:r>
+          </a:p>
+          <a:p>
+            <a:pPr marL="0" indent="0">
+              <a:buNone/>
+            </a:pPr>
+            <a:endParaRPr lang="en-US" dirty="0"/>
+          </a:p>
+          <a:p>
+            <a:pPr marL="0" indent="0">
+              <a:buNone/>
+            </a:pPr>
+            <a:r>
+              <a:rPr lang="en-US" dirty="0"/>
+              <a:t>Not a problem. A routine is a schedule of your day. All you have to do is shift your schedule is accommodate this appointment. If your homework time is 4 to 7 in the evening, and the appointment is 3 to 5, You can try doing homework in the waiting room, or push back the rest of your schedule.</a:t>
+            </a:r>
+          </a:p>
+          <a:p>
+            <a:pPr marL="0" indent="0">
+              <a:buNone/>
+            </a:pPr>
+            <a:endParaRPr lang="en-US" dirty="0"/>
+          </a:p>
+          <a:p>
+            <a:pPr marL="0" indent="0">
+              <a:buNone/>
+            </a:pPr>
+            <a:endParaRPr lang="en-US" dirty="0"/>
+          </a:p>
+        </p:txBody>
+      </p:sp>
+    </p:spTree>
+    <p:extLst>
+      <p:ext uri="{BB962C8B-B14F-4D97-AF65-F5344CB8AC3E}">
+        <p14:creationId xmlns:p14="http://schemas.microsoft.com/office/powerpoint/2010/main" val="427726979"/>
+      </p:ext>
+    </p:extLst>
+  </p:cSld>
+  <p:clrMapOvr>
+    <a:masterClrMapping/>
+  </p:clrMapOvr>
+  <p:transition spd="slow">
+    <p:push dir="u"/>
+  </p:transition>
+  <p:timing>
+    <p:tnLst>
+      <p:par>
+        <p:cTn id="1" dur="indefinite" restart="never" nodeType="tmRoot">
+          <p:childTnLst>
+            <p:seq concurrent="1" nextAc="seek">
+              <p:cTn id="2" dur="indefinite" nodeType="mainSeq">
+                <p:childTnLst>
+                  <p:par>
+                    <p:cTn id="3" fill="hold">
+                      <p:stCondLst>
+                        <p:cond delay="indefinite"/>
+                      </p:stCondLst>
+                      <p:childTnLst>
+                        <p:par>
+                          <p:cTn id="4" fill="hold">
+                            <p:stCondLst>
+                              <p:cond delay="0"/>
+                            </p:stCondLst>
+                            <p:childTnLst>
+                              <p:par>
+                                <p:cTn id="5" presetID="53" presetClass="entr" presetSubtype="16" fill="hold" grpId="0" nodeType="clickEffect">
+                                  <p:stCondLst>
+                                    <p:cond delay="0"/>
+                                  </p:stCondLst>
+                                  <p:childTnLst>
+                                    <p:set>
+                                      <p:cBhvr>
+                                        <p:cTn id="6" dur="1" fill="hold">
+                                          <p:stCondLst>
+                                            <p:cond delay="0"/>
+                                          </p:stCondLst>
+                                        </p:cTn>
+                                        <p:tgtEl>
+                                          <p:spTgt spid="2"/>
+                                        </p:tgtEl>
+                                        <p:attrNameLst>
+                                          <p:attrName>style.visibility</p:attrName>
+                                        </p:attrNameLst>
+                                      </p:cBhvr>
+                                      <p:to>
+                                        <p:strVal val="visible"/>
+                                      </p:to>
+                                    </p:set>
+                                    <p:anim calcmode="lin" valueType="num">
+                                      <p:cBhvr>
+                                        <p:cTn id="7" dur="1000" fill="hold"/>
+                                        <p:tgtEl>
+                                          <p:spTgt spid="2"/>
+                                        </p:tgtEl>
+                                        <p:attrNameLst>
+                                          <p:attrName>ppt_w</p:attrName>
+                                        </p:attrNameLst>
+                                      </p:cBhvr>
+                                      <p:tavLst>
+                                        <p:tav tm="0">
+                                          <p:val>
+                                            <p:fltVal val="0"/>
+                                          </p:val>
+                                        </p:tav>
+                                        <p:tav tm="100000">
+                                          <p:val>
+                                            <p:strVal val="#ppt_w"/>
+                                          </p:val>
+                                        </p:tav>
+                                      </p:tavLst>
+                                    </p:anim>
+                                    <p:anim calcmode="lin" valueType="num">
+                                      <p:cBhvr>
+                                        <p:cTn id="8" dur="1000" fill="hold"/>
+                                        <p:tgtEl>
+                                          <p:spTgt spid="2"/>
+                                        </p:tgtEl>
+                                        <p:attrNameLst>
+                                          <p:attrName>ppt_h</p:attrName>
+                                        </p:attrNameLst>
+                                      </p:cBhvr>
+                                      <p:tavLst>
+                                        <p:tav tm="0">
+                                          <p:val>
+                                            <p:fltVal val="0"/>
+                                          </p:val>
+                                        </p:tav>
+                                        <p:tav tm="100000">
+                                          <p:val>
+                                            <p:strVal val="#ppt_h"/>
+                                          </p:val>
+                                        </p:tav>
+                                      </p:tavLst>
+                                    </p:anim>
+                                    <p:animEffect transition="in" filter="fade">
+                                      <p:cBhvr>
+                                        <p:cTn id="9" dur="1000"/>
+                                        <p:tgtEl>
+                                          <p:spTgt spid="2"/>
+                                        </p:tgtEl>
+                                      </p:cBhvr>
+                                    </p:animEffect>
+                                  </p:childTnLst>
+                                </p:cTn>
+                              </p:par>
+                            </p:childTnLst>
+                          </p:cTn>
+                        </p:par>
+                      </p:childTnLst>
+                    </p:cTn>
+                  </p:par>
+                  <p:par>
+                    <p:cTn id="10" fill="hold">
+                      <p:stCondLst>
+                        <p:cond delay="indefinite"/>
+                      </p:stCondLst>
+                      <p:childTnLst>
+                        <p:par>
+                          <p:cTn id="11" fill="hold">
+                            <p:stCondLst>
+                              <p:cond delay="0"/>
+                            </p:stCondLst>
+                            <p:childTnLst>
+                              <p:par>
+                                <p:cTn id="12" presetID="53" presetClass="entr" presetSubtype="16" fill="hold" grpId="0" nodeType="clickEffect">
+                                  <p:stCondLst>
+                                    <p:cond delay="0"/>
+                                  </p:stCondLst>
+                                  <p:childTnLst>
+                                    <p:set>
+                                      <p:cBhvr>
+                                        <p:cTn id="13" dur="1" fill="hold">
+                                          <p:stCondLst>
+                                            <p:cond delay="0"/>
+                                          </p:stCondLst>
+                                        </p:cTn>
+                                        <p:tgtEl>
+                                          <p:spTgt spid="3">
+                                            <p:txEl>
+                                              <p:pRg st="0" end="0"/>
+                                            </p:txEl>
+                                          </p:spTgt>
+                                        </p:tgtEl>
+                                        <p:attrNameLst>
+                                          <p:attrName>style.visibility</p:attrName>
+                                        </p:attrNameLst>
+                                      </p:cBhvr>
+                                      <p:to>
+                                        <p:strVal val="visible"/>
+                                      </p:to>
+                                    </p:set>
+                                    <p:anim calcmode="lin" valueType="num">
+                                      <p:cBhvr>
+                                        <p:cTn id="14" dur="1500" fill="hold"/>
+                                        <p:tgtEl>
+                                          <p:spTgt spid="3">
+                                            <p:txEl>
+                                              <p:pRg st="0" end="0"/>
+                                            </p:txEl>
+                                          </p:spTgt>
+                                        </p:tgtEl>
+                                        <p:attrNameLst>
+                                          <p:attrName>ppt_w</p:attrName>
+                                        </p:attrNameLst>
+                                      </p:cBhvr>
+                                      <p:tavLst>
+                                        <p:tav tm="0">
+                                          <p:val>
+                                            <p:fltVal val="0"/>
+                                          </p:val>
+                                        </p:tav>
+                                        <p:tav tm="100000">
+                                          <p:val>
+                                            <p:strVal val="#ppt_w"/>
+                                          </p:val>
+                                        </p:tav>
+                                      </p:tavLst>
+                                    </p:anim>
+                                    <p:anim calcmode="lin" valueType="num">
+                                      <p:cBhvr>
+                                        <p:cTn id="15" dur="1500" fill="hold"/>
+                                        <p:tgtEl>
+                                          <p:spTgt spid="3">
+                                            <p:txEl>
+                                              <p:pRg st="0" end="0"/>
+                                            </p:txEl>
+                                          </p:spTgt>
+                                        </p:tgtEl>
+                                        <p:attrNameLst>
+                                          <p:attrName>ppt_h</p:attrName>
+                                        </p:attrNameLst>
+                                      </p:cBhvr>
+                                      <p:tavLst>
+                                        <p:tav tm="0">
+                                          <p:val>
+                                            <p:fltVal val="0"/>
+                                          </p:val>
+                                        </p:tav>
+                                        <p:tav tm="100000">
+                                          <p:val>
+                                            <p:strVal val="#ppt_h"/>
+                                          </p:val>
+                                        </p:tav>
+                                      </p:tavLst>
+                                    </p:anim>
+                                    <p:animEffect transition="in" filter="fade">
+                                      <p:cBhvr>
+                                        <p:cTn id="16" dur="1500"/>
+                                        <p:tgtEl>
+                                          <p:spTgt spid="3">
+                                            <p:txEl>
+                                              <p:pRg st="0" end="0"/>
+                                            </p:txEl>
+                                          </p:spTgt>
+                                        </p:tgtEl>
+                                      </p:cBhvr>
+                                    </p:animEffect>
+                                  </p:childTnLst>
+                                </p:cTn>
+                              </p:par>
+                            </p:childTnLst>
+                          </p:cTn>
+                        </p:par>
+                      </p:childTnLst>
+                    </p:cTn>
+                  </p:par>
+                  <p:par>
+                    <p:cTn id="17" fill="hold">
+                      <p:stCondLst>
+                        <p:cond delay="indefinite"/>
+                      </p:stCondLst>
+                      <p:childTnLst>
+                        <p:par>
+                          <p:cTn id="18" fill="hold">
+                            <p:stCondLst>
+                              <p:cond delay="0"/>
+                            </p:stCondLst>
+                            <p:childTnLst>
+                              <p:par>
+                                <p:cTn id="19" presetID="53" presetClass="entr" presetSubtype="16" fill="hold" grpId="0" nodeType="clickEffect">
+                                  <p:stCondLst>
+                                    <p:cond delay="0"/>
+                                  </p:stCondLst>
+                                  <p:childTnLst>
+                                    <p:set>
+                                      <p:cBhvr>
+                                        <p:cTn id="20" dur="1" fill="hold">
+                                          <p:stCondLst>
+                                            <p:cond delay="0"/>
+                                          </p:stCondLst>
+                                        </p:cTn>
+                                        <p:tgtEl>
+                                          <p:spTgt spid="3">
+                                            <p:txEl>
+                                              <p:pRg st="2" end="2"/>
+                                            </p:txEl>
+                                          </p:spTgt>
+                                        </p:tgtEl>
+                                        <p:attrNameLst>
+                                          <p:attrName>style.visibility</p:attrName>
+                                        </p:attrNameLst>
+                                      </p:cBhvr>
+                                      <p:to>
+                                        <p:strVal val="visible"/>
+                                      </p:to>
+                                    </p:set>
+                                    <p:anim calcmode="lin" valueType="num">
+                                      <p:cBhvr>
+                                        <p:cTn id="21" dur="1500" fill="hold"/>
+                                        <p:tgtEl>
+                                          <p:spTgt spid="3">
+                                            <p:txEl>
+                                              <p:pRg st="2" end="2"/>
+                                            </p:txEl>
+                                          </p:spTgt>
+                                        </p:tgtEl>
+                                        <p:attrNameLst>
+                                          <p:attrName>ppt_w</p:attrName>
+                                        </p:attrNameLst>
+                                      </p:cBhvr>
+                                      <p:tavLst>
+                                        <p:tav tm="0">
+                                          <p:val>
+                                            <p:fltVal val="0"/>
+                                          </p:val>
+                                        </p:tav>
+                                        <p:tav tm="100000">
+                                          <p:val>
+                                            <p:strVal val="#ppt_w"/>
+                                          </p:val>
+                                        </p:tav>
+                                      </p:tavLst>
+                                    </p:anim>
+                                    <p:anim calcmode="lin" valueType="num">
+                                      <p:cBhvr>
+                                        <p:cTn id="22" dur="1500" fill="hold"/>
+                                        <p:tgtEl>
+                                          <p:spTgt spid="3">
+                                            <p:txEl>
+                                              <p:pRg st="2" end="2"/>
+                                            </p:txEl>
+                                          </p:spTgt>
+                                        </p:tgtEl>
+                                        <p:attrNameLst>
+                                          <p:attrName>ppt_h</p:attrName>
+                                        </p:attrNameLst>
+                                      </p:cBhvr>
+                                      <p:tavLst>
+                                        <p:tav tm="0">
+                                          <p:val>
+                                            <p:fltVal val="0"/>
+                                          </p:val>
+                                        </p:tav>
+                                        <p:tav tm="100000">
+                                          <p:val>
+                                            <p:strVal val="#ppt_h"/>
+                                          </p:val>
+                                        </p:tav>
+                                      </p:tavLst>
+                                    </p:anim>
+                                    <p:animEffect transition="in" filter="fade">
+                                      <p:cBhvr>
+                                        <p:cTn id="23" dur="1500"/>
+                                        <p:tgtEl>
+                                          <p:spTgt spid="3">
+                                            <p:txEl>
+                                              <p:pRg st="2" end="2"/>
+                                            </p:txEl>
+                                          </p:spTgt>
+                                        </p:tgtEl>
+                                      </p:cBhvr>
+                                    </p:animEffect>
+                                  </p:childTnLst>
+                                </p:cTn>
+                              </p:par>
+                            </p:childTnLst>
+                          </p:cTn>
+                        </p:par>
+                      </p:childTnLst>
+                    </p:cTn>
+                  </p:par>
+                </p:childTnLst>
+              </p:cTn>
+              <p:prevCondLst>
+                <p:cond evt="onPrev" delay="0">
+                  <p:tgtEl>
+                    <p:sldTgt/>
+                  </p:tgtEl>
+                </p:cond>
+              </p:prevCondLst>
+              <p:nextCondLst>
+                <p:cond evt="onNext" delay="0">
+                  <p:tgtEl>
+                    <p:sldTgt/>
+                  </p:tgtEl>
+                </p:cond>
+              </p:nextCondLst>
+            </p:seq>
+          </p:childTnLst>
+        </p:cTn>
+      </p:par>
+    </p:tnLst>
+    <p:bldLst>
+      <p:bldP spid="2" grpId="0"/>
+      <p:bldP spid="3" grpId="0" build="p"/>
+    </p:bldLst>
+  </p:timing>
+</p:sld>
+</file>
+
+<file path=ppt/slides/slide11.xml><?xml version="1.0" encoding="utf-8"?>
+<p:sld xmlns:a="http://schemas.openxmlformats.org/drawingml/2006/main" xmlns:r="http://schemas.openxmlformats.org/officeDocument/2006/relationships" xmlns:p="http://schemas.openxmlformats.org/presentationml/2006/main">
+  <p:cSld>
+    <p:spTree>
+      <p:nvGrpSpPr>
+        <p:cNvPr id="1" name=""/>
+        <p:cNvGrpSpPr/>
+        <p:nvPr/>
+      </p:nvGrpSpPr>
+      <p:grpSpPr>
+        <a:xfrm>
+          <a:off x="0" y="0"/>
+          <a:ext cx="0" cy="0"/>
+          <a:chOff x="0" y="0"/>
+          <a:chExt cx="0" cy="0"/>
+        </a:xfrm>
+      </p:grpSpPr>
+      <p:sp>
+        <p:nvSpPr>
+          <p:cNvPr id="2" name="Title 1">
+            <a:extLst>
+              <a:ext uri="{FF2B5EF4-FFF2-40B4-BE49-F238E27FC236}">
+                <a16:creationId xmlns:a16="http://schemas.microsoft.com/office/drawing/2014/main" id="{B093D3B7-357B-4B69-A38F-B2BAEA053182}"/>
+              </a:ext>
+            </a:extLst>
+          </p:cNvPr>
+          <p:cNvSpPr>
+            <a:spLocks noGrp="1"/>
+          </p:cNvSpPr>
+          <p:nvPr>
+            <p:ph type="title"/>
+          </p:nvPr>
+        </p:nvSpPr>
+        <p:spPr/>
+        <p:txBody>
+          <a:bodyPr/>
+          <a:lstStyle/>
+          <a:p>
+            <a:r>
+              <a:rPr lang="en-US" dirty="0"/>
+              <a:t>What to do if you break routine</a:t>
+            </a:r>
+          </a:p>
+        </p:txBody>
+      </p:sp>
+      <p:sp>
+        <p:nvSpPr>
+          <p:cNvPr id="3" name="Content Placeholder 2">
+            <a:extLst>
+              <a:ext uri="{FF2B5EF4-FFF2-40B4-BE49-F238E27FC236}">
+                <a16:creationId xmlns:a16="http://schemas.microsoft.com/office/drawing/2014/main" id="{46B0D460-4153-4714-A254-DBB636C2BA1F}"/>
+              </a:ext>
+            </a:extLst>
+          </p:cNvPr>
+          <p:cNvSpPr>
+            <a:spLocks noGrp="1"/>
+          </p:cNvSpPr>
+          <p:nvPr>
+            <p:ph idx="1"/>
+          </p:nvPr>
+        </p:nvSpPr>
+        <p:spPr/>
+        <p:txBody>
+          <a:bodyPr/>
+          <a:lstStyle/>
+          <a:p>
+            <a:pPr marL="0" indent="0" algn="ctr">
+              <a:buNone/>
+            </a:pPr>
+            <a:r>
+              <a:rPr lang="en-US" b="1" u="sng" dirty="0"/>
+              <a:t>DO NOT BREAK ROUTINE IF YOU CAN HELP IT!!!!</a:t>
+            </a:r>
+          </a:p>
+          <a:p>
+            <a:pPr marL="0" indent="0" algn="ctr">
+              <a:buNone/>
+            </a:pPr>
+            <a:endParaRPr lang="en-US" u="sng" dirty="0"/>
+          </a:p>
+          <a:p>
+            <a:pPr marL="0" indent="0">
+              <a:buNone/>
+            </a:pPr>
+            <a:r>
+              <a:rPr lang="en-US" dirty="0"/>
+              <a:t>But sometimes you can’t help it, like the doctor’s appointment. If you happen to break routine simply get yourself back on track tomorrow.</a:t>
+            </a:r>
+          </a:p>
+          <a:p>
+            <a:pPr marL="0" indent="0">
+              <a:buNone/>
+            </a:pPr>
+            <a:endParaRPr lang="en-US" dirty="0"/>
+          </a:p>
+          <a:p>
+            <a:pPr marL="0" indent="0">
+              <a:buNone/>
+            </a:pPr>
+            <a:r>
+              <a:rPr lang="en-US" dirty="0"/>
+              <a:t>Keep doing it everyday and you’ll be just fine.</a:t>
+            </a:r>
+          </a:p>
+        </p:txBody>
+      </p:sp>
+    </p:spTree>
+    <p:extLst>
+      <p:ext uri="{BB962C8B-B14F-4D97-AF65-F5344CB8AC3E}">
+        <p14:creationId xmlns:p14="http://schemas.microsoft.com/office/powerpoint/2010/main" val="2219493051"/>
+      </p:ext>
+    </p:extLst>
+  </p:cSld>
+  <p:clrMapOvr>
+    <a:masterClrMapping/>
+  </p:clrMapOvr>
+  <p:transition spd="slow">
+    <p:push dir="u"/>
+  </p:transition>
+  <p:timing>
+    <p:tnLst>
+      <p:par>
+        <p:cTn id="1" dur="indefinite" restart="never" nodeType="tmRoot">
+          <p:childTnLst>
+            <p:seq concurrent="1" nextAc="seek">
+              <p:cTn id="2" dur="indefinite" nodeType="mainSeq">
+                <p:childTnLst>
+                  <p:par>
+                    <p:cTn id="3" fill="hold">
+                      <p:stCondLst>
+                        <p:cond delay="indefinite"/>
+                      </p:stCondLst>
+                      <p:childTnLst>
+                        <p:par>
+                          <p:cTn id="4" fill="hold">
+                            <p:stCondLst>
+                              <p:cond delay="0"/>
+                            </p:stCondLst>
+                            <p:childTnLst>
+                              <p:par>
+                                <p:cTn id="5" presetID="53" presetClass="entr" presetSubtype="16" fill="hold" grpId="0" nodeType="clickEffect">
+                                  <p:stCondLst>
+                                    <p:cond delay="0"/>
+                                  </p:stCondLst>
+                                  <p:childTnLst>
+                                    <p:set>
+                                      <p:cBhvr>
+                                        <p:cTn id="6" dur="1" fill="hold">
+                                          <p:stCondLst>
+                                            <p:cond delay="0"/>
+                                          </p:stCondLst>
+                                        </p:cTn>
+                                        <p:tgtEl>
+                                          <p:spTgt spid="2"/>
+                                        </p:tgtEl>
+                                        <p:attrNameLst>
+                                          <p:attrName>style.visibility</p:attrName>
+                                        </p:attrNameLst>
+                                      </p:cBhvr>
+                                      <p:to>
+                                        <p:strVal val="visible"/>
+                                      </p:to>
+                                    </p:set>
+                                    <p:anim calcmode="lin" valueType="num">
+                                      <p:cBhvr>
+                                        <p:cTn id="7" dur="1000" fill="hold"/>
+                                        <p:tgtEl>
+                                          <p:spTgt spid="2"/>
+                                        </p:tgtEl>
+                                        <p:attrNameLst>
+                                          <p:attrName>ppt_w</p:attrName>
+                                        </p:attrNameLst>
+                                      </p:cBhvr>
+                                      <p:tavLst>
+                                        <p:tav tm="0">
+                                          <p:val>
+                                            <p:fltVal val="0"/>
+                                          </p:val>
+                                        </p:tav>
+                                        <p:tav tm="100000">
+                                          <p:val>
+                                            <p:strVal val="#ppt_w"/>
+                                          </p:val>
+                                        </p:tav>
+                                      </p:tavLst>
+                                    </p:anim>
+                                    <p:anim calcmode="lin" valueType="num">
+                                      <p:cBhvr>
+                                        <p:cTn id="8" dur="1000" fill="hold"/>
+                                        <p:tgtEl>
+                                          <p:spTgt spid="2"/>
+                                        </p:tgtEl>
+                                        <p:attrNameLst>
+                                          <p:attrName>ppt_h</p:attrName>
+                                        </p:attrNameLst>
+                                      </p:cBhvr>
+                                      <p:tavLst>
+                                        <p:tav tm="0">
+                                          <p:val>
+                                            <p:fltVal val="0"/>
+                                          </p:val>
+                                        </p:tav>
+                                        <p:tav tm="100000">
+                                          <p:val>
+                                            <p:strVal val="#ppt_h"/>
+                                          </p:val>
+                                        </p:tav>
+                                      </p:tavLst>
+                                    </p:anim>
+                                    <p:animEffect transition="in" filter="fade">
+                                      <p:cBhvr>
+                                        <p:cTn id="9" dur="1000"/>
+                                        <p:tgtEl>
+                                          <p:spTgt spid="2"/>
+                                        </p:tgtEl>
+                                      </p:cBhvr>
+                                    </p:animEffect>
+                                  </p:childTnLst>
+                                </p:cTn>
+                              </p:par>
+                            </p:childTnLst>
+                          </p:cTn>
+                        </p:par>
+                      </p:childTnLst>
+                    </p:cTn>
+                  </p:par>
+                  <p:par>
+                    <p:cTn id="10" fill="hold">
+                      <p:stCondLst>
+                        <p:cond delay="indefinite"/>
+                      </p:stCondLst>
+                      <p:childTnLst>
+                        <p:par>
+                          <p:cTn id="11" fill="hold">
+                            <p:stCondLst>
+                              <p:cond delay="0"/>
+                            </p:stCondLst>
+                            <p:childTnLst>
+                              <p:par>
+                                <p:cTn id="12" presetID="53" presetClass="entr" presetSubtype="16" fill="hold" grpId="0" nodeType="clickEffect">
+                                  <p:stCondLst>
+                                    <p:cond delay="0"/>
+                                  </p:stCondLst>
+                                  <p:childTnLst>
+                                    <p:set>
+                                      <p:cBhvr>
+                                        <p:cTn id="13" dur="1" fill="hold">
+                                          <p:stCondLst>
+                                            <p:cond delay="0"/>
+                                          </p:stCondLst>
+                                        </p:cTn>
+                                        <p:tgtEl>
+                                          <p:spTgt spid="3">
+                                            <p:txEl>
+                                              <p:pRg st="0" end="0"/>
+                                            </p:txEl>
+                                          </p:spTgt>
+                                        </p:tgtEl>
+                                        <p:attrNameLst>
+                                          <p:attrName>style.visibility</p:attrName>
+                                        </p:attrNameLst>
+                                      </p:cBhvr>
+                                      <p:to>
+                                        <p:strVal val="visible"/>
+                                      </p:to>
+                                    </p:set>
+                                    <p:anim calcmode="lin" valueType="num">
+                                      <p:cBhvr>
+                                        <p:cTn id="14" dur="2000" fill="hold"/>
+                                        <p:tgtEl>
+                                          <p:spTgt spid="3">
+                                            <p:txEl>
+                                              <p:pRg st="0" end="0"/>
+                                            </p:txEl>
+                                          </p:spTgt>
+                                        </p:tgtEl>
+                                        <p:attrNameLst>
+                                          <p:attrName>ppt_w</p:attrName>
+                                        </p:attrNameLst>
+                                      </p:cBhvr>
+                                      <p:tavLst>
+                                        <p:tav tm="0">
+                                          <p:val>
+                                            <p:fltVal val="0"/>
+                                          </p:val>
+                                        </p:tav>
+                                        <p:tav tm="100000">
+                                          <p:val>
+                                            <p:strVal val="#ppt_w"/>
+                                          </p:val>
+                                        </p:tav>
+                                      </p:tavLst>
+                                    </p:anim>
+                                    <p:anim calcmode="lin" valueType="num">
+                                      <p:cBhvr>
+                                        <p:cTn id="15" dur="2000" fill="hold"/>
+                                        <p:tgtEl>
+                                          <p:spTgt spid="3">
+                                            <p:txEl>
+                                              <p:pRg st="0" end="0"/>
+                                            </p:txEl>
+                                          </p:spTgt>
+                                        </p:tgtEl>
+                                        <p:attrNameLst>
+                                          <p:attrName>ppt_h</p:attrName>
+                                        </p:attrNameLst>
+                                      </p:cBhvr>
+                                      <p:tavLst>
+                                        <p:tav tm="0">
+                                          <p:val>
+                                            <p:fltVal val="0"/>
+                                          </p:val>
+                                        </p:tav>
+                                        <p:tav tm="100000">
+                                          <p:val>
+                                            <p:strVal val="#ppt_h"/>
+                                          </p:val>
+                                        </p:tav>
+                                      </p:tavLst>
+                                    </p:anim>
+                                    <p:animEffect transition="in" filter="fade">
+                                      <p:cBhvr>
+                                        <p:cTn id="16" dur="2000"/>
+                                        <p:tgtEl>
+                                          <p:spTgt spid="3">
+                                            <p:txEl>
+                                              <p:pRg st="0" end="0"/>
+                                            </p:txEl>
+                                          </p:spTgt>
+                                        </p:tgtEl>
+                                      </p:cBhvr>
+                                    </p:animEffect>
+                                  </p:childTnLst>
+                                </p:cTn>
+                              </p:par>
+                            </p:childTnLst>
+                          </p:cTn>
+                        </p:par>
+                      </p:childTnLst>
+                    </p:cTn>
+                  </p:par>
+                  <p:par>
+                    <p:cTn id="17" fill="hold">
+                      <p:stCondLst>
+                        <p:cond delay="indefinite"/>
+                      </p:stCondLst>
+                      <p:childTnLst>
+                        <p:par>
+                          <p:cTn id="18" fill="hold">
+                            <p:stCondLst>
+                              <p:cond delay="0"/>
+                            </p:stCondLst>
+                            <p:childTnLst>
+                              <p:par>
+                                <p:cTn id="19" presetID="53" presetClass="entr" presetSubtype="16" fill="hold" grpId="0" nodeType="clickEffect">
+                                  <p:stCondLst>
+                                    <p:cond delay="1500"/>
+                                  </p:stCondLst>
+                                  <p:childTnLst>
+                                    <p:set>
+                                      <p:cBhvr>
+                                        <p:cTn id="20" dur="1" fill="hold">
+                                          <p:stCondLst>
+                                            <p:cond delay="0"/>
+                                          </p:stCondLst>
+                                        </p:cTn>
+                                        <p:tgtEl>
+                                          <p:spTgt spid="3">
+                                            <p:txEl>
+                                              <p:pRg st="2" end="2"/>
+                                            </p:txEl>
+                                          </p:spTgt>
+                                        </p:tgtEl>
+                                        <p:attrNameLst>
+                                          <p:attrName>style.visibility</p:attrName>
+                                        </p:attrNameLst>
+                                      </p:cBhvr>
+                                      <p:to>
+                                        <p:strVal val="visible"/>
+                                      </p:to>
+                                    </p:set>
+                                    <p:anim calcmode="lin" valueType="num">
+                                      <p:cBhvr>
+                                        <p:cTn id="21" dur="1500" fill="hold"/>
+                                        <p:tgtEl>
+                                          <p:spTgt spid="3">
+                                            <p:txEl>
+                                              <p:pRg st="2" end="2"/>
+                                            </p:txEl>
+                                          </p:spTgt>
+                                        </p:tgtEl>
+                                        <p:attrNameLst>
+                                          <p:attrName>ppt_w</p:attrName>
+                                        </p:attrNameLst>
+                                      </p:cBhvr>
+                                      <p:tavLst>
+                                        <p:tav tm="0">
+                                          <p:val>
+                                            <p:fltVal val="0"/>
+                                          </p:val>
+                                        </p:tav>
+                                        <p:tav tm="100000">
+                                          <p:val>
+                                            <p:strVal val="#ppt_w"/>
+                                          </p:val>
+                                        </p:tav>
+                                      </p:tavLst>
+                                    </p:anim>
+                                    <p:anim calcmode="lin" valueType="num">
+                                      <p:cBhvr>
+                                        <p:cTn id="22" dur="1500" fill="hold"/>
+                                        <p:tgtEl>
+                                          <p:spTgt spid="3">
+                                            <p:txEl>
+                                              <p:pRg st="2" end="2"/>
+                                            </p:txEl>
+                                          </p:spTgt>
+                                        </p:tgtEl>
+                                        <p:attrNameLst>
+                                          <p:attrName>ppt_h</p:attrName>
+                                        </p:attrNameLst>
+                                      </p:cBhvr>
+                                      <p:tavLst>
+                                        <p:tav tm="0">
+                                          <p:val>
+                                            <p:fltVal val="0"/>
+                                          </p:val>
+                                        </p:tav>
+                                        <p:tav tm="100000">
+                                          <p:val>
+                                            <p:strVal val="#ppt_h"/>
+                                          </p:val>
+                                        </p:tav>
+                                      </p:tavLst>
+                                    </p:anim>
+                                    <p:animEffect transition="in" filter="fade">
+                                      <p:cBhvr>
+                                        <p:cTn id="23" dur="1500"/>
+                                        <p:tgtEl>
+                                          <p:spTgt spid="3">
+                                            <p:txEl>
+                                              <p:pRg st="2" end="2"/>
+                                            </p:txEl>
+                                          </p:spTgt>
+                                        </p:tgtEl>
+                                      </p:cBhvr>
+                                    </p:animEffect>
+                                  </p:childTnLst>
+                                </p:cTn>
+                              </p:par>
+                            </p:childTnLst>
+                          </p:cTn>
+                        </p:par>
+                      </p:childTnLst>
+                    </p:cTn>
+                  </p:par>
+                  <p:par>
+                    <p:cTn id="24" fill="hold">
+                      <p:stCondLst>
+                        <p:cond delay="indefinite"/>
+                      </p:stCondLst>
+                      <p:childTnLst>
+                        <p:par>
+                          <p:cTn id="25" fill="hold">
+                            <p:stCondLst>
+                              <p:cond delay="0"/>
+                            </p:stCondLst>
+                            <p:childTnLst>
+                              <p:par>
+                                <p:cTn id="26" presetID="53" presetClass="entr" presetSubtype="16" fill="hold" grpId="0" nodeType="clickEffect">
+                                  <p:stCondLst>
+                                    <p:cond delay="1500"/>
+                                  </p:stCondLst>
+                                  <p:childTnLst>
+                                    <p:set>
+                                      <p:cBhvr>
+                                        <p:cTn id="27" dur="1" fill="hold">
+                                          <p:stCondLst>
+                                            <p:cond delay="0"/>
+                                          </p:stCondLst>
+                                        </p:cTn>
+                                        <p:tgtEl>
+                                          <p:spTgt spid="3">
+                                            <p:txEl>
+                                              <p:pRg st="4" end="4"/>
+                                            </p:txEl>
+                                          </p:spTgt>
+                                        </p:tgtEl>
+                                        <p:attrNameLst>
+                                          <p:attrName>style.visibility</p:attrName>
+                                        </p:attrNameLst>
+                                      </p:cBhvr>
+                                      <p:to>
+                                        <p:strVal val="visible"/>
+                                      </p:to>
+                                    </p:set>
+                                    <p:anim calcmode="lin" valueType="num">
+                                      <p:cBhvr>
+                                        <p:cTn id="28" dur="1500" fill="hold"/>
+                                        <p:tgtEl>
+                                          <p:spTgt spid="3">
+                                            <p:txEl>
+                                              <p:pRg st="4" end="4"/>
+                                            </p:txEl>
+                                          </p:spTgt>
+                                        </p:tgtEl>
+                                        <p:attrNameLst>
+                                          <p:attrName>ppt_w</p:attrName>
+                                        </p:attrNameLst>
+                                      </p:cBhvr>
+                                      <p:tavLst>
+                                        <p:tav tm="0">
+                                          <p:val>
+                                            <p:fltVal val="0"/>
+                                          </p:val>
+                                        </p:tav>
+                                        <p:tav tm="100000">
+                                          <p:val>
+                                            <p:strVal val="#ppt_w"/>
+                                          </p:val>
+                                        </p:tav>
+                                      </p:tavLst>
+                                    </p:anim>
+                                    <p:anim calcmode="lin" valueType="num">
+                                      <p:cBhvr>
+                                        <p:cTn id="29" dur="1500" fill="hold"/>
+                                        <p:tgtEl>
+                                          <p:spTgt spid="3">
+                                            <p:txEl>
+                                              <p:pRg st="4" end="4"/>
+                                            </p:txEl>
+                                          </p:spTgt>
+                                        </p:tgtEl>
+                                        <p:attrNameLst>
+                                          <p:attrName>ppt_h</p:attrName>
+                                        </p:attrNameLst>
+                                      </p:cBhvr>
+                                      <p:tavLst>
+                                        <p:tav tm="0">
+                                          <p:val>
+                                            <p:fltVal val="0"/>
+                                          </p:val>
+                                        </p:tav>
+                                        <p:tav tm="100000">
+                                          <p:val>
+                                            <p:strVal val="#ppt_h"/>
+                                          </p:val>
+                                        </p:tav>
+                                      </p:tavLst>
+                                    </p:anim>
+                                    <p:animEffect transition="in" filter="fade">
+                                      <p:cBhvr>
+                                        <p:cTn id="30" dur="1500"/>
+                                        <p:tgtEl>
+                                          <p:spTgt spid="3">
+                                            <p:txEl>
+                                              <p:pRg st="4" end="4"/>
+                                            </p:txEl>
+                                          </p:spTgt>
+                                        </p:tgtEl>
+                                      </p:cBhvr>
+                                    </p:animEffect>
+                                  </p:childTnLst>
+                                </p:cTn>
+                              </p:par>
+                            </p:childTnLst>
+                          </p:cTn>
+                        </p:par>
+                      </p:childTnLst>
+                    </p:cTn>
+                  </p:par>
+                </p:childTnLst>
+              </p:cTn>
+              <p:prevCondLst>
+                <p:cond evt="onPrev" delay="0">
+                  <p:tgtEl>
+                    <p:sldTgt/>
+                  </p:tgtEl>
+                </p:cond>
+              </p:prevCondLst>
+              <p:nextCondLst>
+                <p:cond evt="onNext" delay="0">
+                  <p:tgtEl>
+                    <p:sldTgt/>
+                  </p:tgtEl>
+                </p:cond>
+              </p:nextCondLst>
+            </p:seq>
+          </p:childTnLst>
+        </p:cTn>
+      </p:par>
+    </p:tnLst>
+    <p:bldLst>
+      <p:bldP spid="2" grpId="0"/>
+      <p:bldP spid="3" grpId="0" uiExpand="1" build="p"/>
+    </p:bldLst>
+  </p:timing>
+</p:sld>
+</file>
+
+<file path=ppt/slides/slide12.xml><?xml version="1.0" encoding="utf-8"?>
+<p:sld xmlns:a="http://schemas.openxmlformats.org/drawingml/2006/main" xmlns:r="http://schemas.openxmlformats.org/officeDocument/2006/relationships" xmlns:p="http://schemas.openxmlformats.org/presentationml/2006/main">
+  <p:cSld>
+    <p:spTree>
+      <p:nvGrpSpPr>
+        <p:cNvPr id="1" name=""/>
+        <p:cNvGrpSpPr/>
+        <p:nvPr/>
+      </p:nvGrpSpPr>
+      <p:grpSpPr>
+        <a:xfrm>
+          <a:off x="0" y="0"/>
+          <a:ext cx="0" cy="0"/>
+          <a:chOff x="0" y="0"/>
+          <a:chExt cx="0" cy="0"/>
+        </a:xfrm>
+      </p:grpSpPr>
+      <p:sp>
+        <p:nvSpPr>
+          <p:cNvPr id="2" name="Title 1">
+            <a:extLst>
+              <a:ext uri="{FF2B5EF4-FFF2-40B4-BE49-F238E27FC236}">
+                <a16:creationId xmlns:a16="http://schemas.microsoft.com/office/drawing/2014/main" id="{2C8CDC75-DEF4-42E2-A57E-5AA6E236B6F1}"/>
+              </a:ext>
+            </a:extLst>
+          </p:cNvPr>
+          <p:cNvSpPr>
+            <a:spLocks noGrp="1"/>
+          </p:cNvSpPr>
+          <p:nvPr>
+            <p:ph type="title"/>
+          </p:nvPr>
+        </p:nvSpPr>
+        <p:spPr/>
+        <p:txBody>
+          <a:bodyPr/>
+          <a:lstStyle/>
+          <a:p>
+            <a:r>
+              <a:rPr lang="en-US" dirty="0"/>
+              <a:t>What about days off from the routine?</a:t>
+            </a:r>
+          </a:p>
+        </p:txBody>
+      </p:sp>
+      <p:sp>
+        <p:nvSpPr>
+          <p:cNvPr id="3" name="Content Placeholder 2">
+            <a:extLst>
+              <a:ext uri="{FF2B5EF4-FFF2-40B4-BE49-F238E27FC236}">
+                <a16:creationId xmlns:a16="http://schemas.microsoft.com/office/drawing/2014/main" id="{D3D59987-5B0A-49C4-8AF7-59FD97FF707A}"/>
+              </a:ext>
+            </a:extLst>
+          </p:cNvPr>
+          <p:cNvSpPr>
+            <a:spLocks noGrp="1"/>
+          </p:cNvSpPr>
+          <p:nvPr>
+            <p:ph idx="1"/>
+          </p:nvPr>
+        </p:nvSpPr>
+        <p:spPr/>
+        <p:txBody>
+          <a:bodyPr/>
+          <a:lstStyle/>
+          <a:p>
+            <a:pPr marL="0" indent="0">
+              <a:buNone/>
+            </a:pPr>
+            <a:r>
+              <a:rPr lang="en-US" dirty="0"/>
+              <a:t>Days off from routine in the first 21 days don’t exist. Don’t do it.</a:t>
+            </a:r>
+          </a:p>
+          <a:p>
+            <a:pPr marL="0" indent="0">
+              <a:buNone/>
+            </a:pPr>
+            <a:endParaRPr lang="en-US" dirty="0"/>
+          </a:p>
+          <a:p>
+            <a:pPr marL="0" indent="0">
+              <a:buNone/>
+            </a:pPr>
+            <a:r>
+              <a:rPr lang="en-US" dirty="0"/>
+              <a:t>After that, an occasional day where you don’t follow your routine exactly is fine. Say you go hang out with friends instead of gaming all day. That’s fine. But still do little tasks like waking up and going to bed at the same time as usual, or eating at the same times. That will help you get back into routine the next day. </a:t>
+            </a:r>
+          </a:p>
+        </p:txBody>
+      </p:sp>
+    </p:spTree>
+    <p:extLst>
+      <p:ext uri="{BB962C8B-B14F-4D97-AF65-F5344CB8AC3E}">
+        <p14:creationId xmlns:p14="http://schemas.microsoft.com/office/powerpoint/2010/main" val="3386135386"/>
+      </p:ext>
+    </p:extLst>
+  </p:cSld>
+  <p:clrMapOvr>
+    <a:masterClrMapping/>
+  </p:clrMapOvr>
+  <p:transition spd="slow">
+    <p:push dir="u"/>
+  </p:transition>
+  <p:timing>
+    <p:tnLst>
+      <p:par>
+        <p:cTn id="1" dur="indefinite" restart="never" nodeType="tmRoot">
+          <p:childTnLst>
+            <p:seq concurrent="1" nextAc="seek">
+              <p:cTn id="2" dur="indefinite" nodeType="mainSeq">
+                <p:childTnLst>
+                  <p:par>
+                    <p:cTn id="3" fill="hold">
+                      <p:stCondLst>
+                        <p:cond delay="indefinite"/>
+                      </p:stCondLst>
+                      <p:childTnLst>
+                        <p:par>
+                          <p:cTn id="4" fill="hold">
+                            <p:stCondLst>
+                              <p:cond delay="0"/>
+                            </p:stCondLst>
+                            <p:childTnLst>
+                              <p:par>
+                                <p:cTn id="5" presetID="53" presetClass="entr" presetSubtype="16" fill="hold" grpId="0" nodeType="clickEffect">
+                                  <p:stCondLst>
+                                    <p:cond delay="0"/>
+                                  </p:stCondLst>
+                                  <p:childTnLst>
+                                    <p:set>
+                                      <p:cBhvr>
+                                        <p:cTn id="6" dur="1" fill="hold">
+                                          <p:stCondLst>
+                                            <p:cond delay="0"/>
+                                          </p:stCondLst>
+                                        </p:cTn>
+                                        <p:tgtEl>
+                                          <p:spTgt spid="2"/>
+                                        </p:tgtEl>
+                                        <p:attrNameLst>
+                                          <p:attrName>style.visibility</p:attrName>
+                                        </p:attrNameLst>
+                                      </p:cBhvr>
+                                      <p:to>
+                                        <p:strVal val="visible"/>
+                                      </p:to>
+                                    </p:set>
+                                    <p:anim calcmode="lin" valueType="num">
+                                      <p:cBhvr>
+                                        <p:cTn id="7" dur="1000" fill="hold"/>
+                                        <p:tgtEl>
+                                          <p:spTgt spid="2"/>
+                                        </p:tgtEl>
+                                        <p:attrNameLst>
+                                          <p:attrName>ppt_w</p:attrName>
+                                        </p:attrNameLst>
+                                      </p:cBhvr>
+                                      <p:tavLst>
+                                        <p:tav tm="0">
+                                          <p:val>
+                                            <p:fltVal val="0"/>
+                                          </p:val>
+                                        </p:tav>
+                                        <p:tav tm="100000">
+                                          <p:val>
+                                            <p:strVal val="#ppt_w"/>
+                                          </p:val>
+                                        </p:tav>
+                                      </p:tavLst>
+                                    </p:anim>
+                                    <p:anim calcmode="lin" valueType="num">
+                                      <p:cBhvr>
+                                        <p:cTn id="8" dur="1000" fill="hold"/>
+                                        <p:tgtEl>
+                                          <p:spTgt spid="2"/>
+                                        </p:tgtEl>
+                                        <p:attrNameLst>
+                                          <p:attrName>ppt_h</p:attrName>
+                                        </p:attrNameLst>
+                                      </p:cBhvr>
+                                      <p:tavLst>
+                                        <p:tav tm="0">
+                                          <p:val>
+                                            <p:fltVal val="0"/>
+                                          </p:val>
+                                        </p:tav>
+                                        <p:tav tm="100000">
+                                          <p:val>
+                                            <p:strVal val="#ppt_h"/>
+                                          </p:val>
+                                        </p:tav>
+                                      </p:tavLst>
+                                    </p:anim>
+                                    <p:animEffect transition="in" filter="fade">
+                                      <p:cBhvr>
+                                        <p:cTn id="9" dur="1000"/>
+                                        <p:tgtEl>
+                                          <p:spTgt spid="2"/>
+                                        </p:tgtEl>
+                                      </p:cBhvr>
+                                    </p:animEffect>
+                                  </p:childTnLst>
+                                </p:cTn>
+                              </p:par>
+                            </p:childTnLst>
+                          </p:cTn>
+                        </p:par>
+                      </p:childTnLst>
+                    </p:cTn>
+                  </p:par>
+                  <p:par>
+                    <p:cTn id="10" fill="hold">
+                      <p:stCondLst>
+                        <p:cond delay="indefinite"/>
+                      </p:stCondLst>
+                      <p:childTnLst>
+                        <p:par>
+                          <p:cTn id="11" fill="hold">
+                            <p:stCondLst>
+                              <p:cond delay="0"/>
+                            </p:stCondLst>
+                            <p:childTnLst>
+                              <p:par>
+                                <p:cTn id="12" presetID="53" presetClass="entr" presetSubtype="16" fill="hold" grpId="0" nodeType="clickEffect">
+                                  <p:stCondLst>
+                                    <p:cond delay="0"/>
+                                  </p:stCondLst>
+                                  <p:childTnLst>
+                                    <p:set>
+                                      <p:cBhvr>
+                                        <p:cTn id="13" dur="1" fill="hold">
+                                          <p:stCondLst>
+                                            <p:cond delay="0"/>
+                                          </p:stCondLst>
+                                        </p:cTn>
+                                        <p:tgtEl>
+                                          <p:spTgt spid="3">
+                                            <p:txEl>
+                                              <p:pRg st="0" end="0"/>
+                                            </p:txEl>
+                                          </p:spTgt>
+                                        </p:tgtEl>
+                                        <p:attrNameLst>
+                                          <p:attrName>style.visibility</p:attrName>
+                                        </p:attrNameLst>
+                                      </p:cBhvr>
+                                      <p:to>
+                                        <p:strVal val="visible"/>
+                                      </p:to>
+                                    </p:set>
+                                    <p:anim calcmode="lin" valueType="num">
+                                      <p:cBhvr>
+                                        <p:cTn id="14" dur="1500" fill="hold"/>
+                                        <p:tgtEl>
+                                          <p:spTgt spid="3">
+                                            <p:txEl>
+                                              <p:pRg st="0" end="0"/>
+                                            </p:txEl>
+                                          </p:spTgt>
+                                        </p:tgtEl>
+                                        <p:attrNameLst>
+                                          <p:attrName>ppt_w</p:attrName>
+                                        </p:attrNameLst>
+                                      </p:cBhvr>
+                                      <p:tavLst>
+                                        <p:tav tm="0">
+                                          <p:val>
+                                            <p:fltVal val="0"/>
+                                          </p:val>
+                                        </p:tav>
+                                        <p:tav tm="100000">
+                                          <p:val>
+                                            <p:strVal val="#ppt_w"/>
+                                          </p:val>
+                                        </p:tav>
+                                      </p:tavLst>
+                                    </p:anim>
+                                    <p:anim calcmode="lin" valueType="num">
+                                      <p:cBhvr>
+                                        <p:cTn id="15" dur="1500" fill="hold"/>
+                                        <p:tgtEl>
+                                          <p:spTgt spid="3">
+                                            <p:txEl>
+                                              <p:pRg st="0" end="0"/>
+                                            </p:txEl>
+                                          </p:spTgt>
+                                        </p:tgtEl>
+                                        <p:attrNameLst>
+                                          <p:attrName>ppt_h</p:attrName>
+                                        </p:attrNameLst>
+                                      </p:cBhvr>
+                                      <p:tavLst>
+                                        <p:tav tm="0">
+                                          <p:val>
+                                            <p:fltVal val="0"/>
+                                          </p:val>
+                                        </p:tav>
+                                        <p:tav tm="100000">
+                                          <p:val>
+                                            <p:strVal val="#ppt_h"/>
+                                          </p:val>
+                                        </p:tav>
+                                      </p:tavLst>
+                                    </p:anim>
+                                    <p:animEffect transition="in" filter="fade">
+                                      <p:cBhvr>
+                                        <p:cTn id="16" dur="1500"/>
+                                        <p:tgtEl>
+                                          <p:spTgt spid="3">
+                                            <p:txEl>
+                                              <p:pRg st="0" end="0"/>
+                                            </p:txEl>
+                                          </p:spTgt>
+                                        </p:tgtEl>
+                                      </p:cBhvr>
+                                    </p:animEffect>
+                                  </p:childTnLst>
+                                </p:cTn>
+                              </p:par>
+                            </p:childTnLst>
+                          </p:cTn>
+                        </p:par>
+                      </p:childTnLst>
+                    </p:cTn>
+                  </p:par>
+                  <p:par>
+                    <p:cTn id="17" fill="hold">
+                      <p:stCondLst>
+                        <p:cond delay="indefinite"/>
+                      </p:stCondLst>
+                      <p:childTnLst>
+                        <p:par>
+                          <p:cTn id="18" fill="hold">
+                            <p:stCondLst>
+                              <p:cond delay="0"/>
+                            </p:stCondLst>
+                            <p:childTnLst>
+                              <p:par>
+                                <p:cTn id="19" presetID="53" presetClass="entr" presetSubtype="16" fill="hold" grpId="0" nodeType="clickEffect">
+                                  <p:stCondLst>
+                                    <p:cond delay="0"/>
+                                  </p:stCondLst>
+                                  <p:childTnLst>
+                                    <p:set>
+                                      <p:cBhvr>
+                                        <p:cTn id="20" dur="1" fill="hold">
+                                          <p:stCondLst>
+                                            <p:cond delay="0"/>
+                                          </p:stCondLst>
+                                        </p:cTn>
+                                        <p:tgtEl>
+                                          <p:spTgt spid="3">
+                                            <p:txEl>
+                                              <p:pRg st="2" end="2"/>
+                                            </p:txEl>
+                                          </p:spTgt>
+                                        </p:tgtEl>
+                                        <p:attrNameLst>
+                                          <p:attrName>style.visibility</p:attrName>
+                                        </p:attrNameLst>
+                                      </p:cBhvr>
+                                      <p:to>
+                                        <p:strVal val="visible"/>
+                                      </p:to>
+                                    </p:set>
+                                    <p:anim calcmode="lin" valueType="num">
+                                      <p:cBhvr>
+                                        <p:cTn id="21" dur="1500" fill="hold"/>
+                                        <p:tgtEl>
+                                          <p:spTgt spid="3">
+                                            <p:txEl>
+                                              <p:pRg st="2" end="2"/>
+                                            </p:txEl>
+                                          </p:spTgt>
+                                        </p:tgtEl>
+                                        <p:attrNameLst>
+                                          <p:attrName>ppt_w</p:attrName>
+                                        </p:attrNameLst>
+                                      </p:cBhvr>
+                                      <p:tavLst>
+                                        <p:tav tm="0">
+                                          <p:val>
+                                            <p:fltVal val="0"/>
+                                          </p:val>
+                                        </p:tav>
+                                        <p:tav tm="100000">
+                                          <p:val>
+                                            <p:strVal val="#ppt_w"/>
+                                          </p:val>
+                                        </p:tav>
+                                      </p:tavLst>
+                                    </p:anim>
+                                    <p:anim calcmode="lin" valueType="num">
+                                      <p:cBhvr>
+                                        <p:cTn id="22" dur="1500" fill="hold"/>
+                                        <p:tgtEl>
+                                          <p:spTgt spid="3">
+                                            <p:txEl>
+                                              <p:pRg st="2" end="2"/>
+                                            </p:txEl>
+                                          </p:spTgt>
+                                        </p:tgtEl>
+                                        <p:attrNameLst>
+                                          <p:attrName>ppt_h</p:attrName>
+                                        </p:attrNameLst>
+                                      </p:cBhvr>
+                                      <p:tavLst>
+                                        <p:tav tm="0">
+                                          <p:val>
+                                            <p:fltVal val="0"/>
+                                          </p:val>
+                                        </p:tav>
+                                        <p:tav tm="100000">
+                                          <p:val>
+                                            <p:strVal val="#ppt_h"/>
+                                          </p:val>
+                                        </p:tav>
+                                      </p:tavLst>
+                                    </p:anim>
+                                    <p:animEffect transition="in" filter="fade">
+                                      <p:cBhvr>
+                                        <p:cTn id="23" dur="1500"/>
+                                        <p:tgtEl>
+                                          <p:spTgt spid="3">
+                                            <p:txEl>
+                                              <p:pRg st="2" end="2"/>
+                                            </p:txEl>
+                                          </p:spTgt>
+                                        </p:tgtEl>
+                                      </p:cBhvr>
+                                    </p:animEffect>
+                                  </p:childTnLst>
+                                </p:cTn>
+                              </p:par>
+                            </p:childTnLst>
+                          </p:cTn>
+                        </p:par>
+                      </p:childTnLst>
+                    </p:cTn>
+                  </p:par>
+                </p:childTnLst>
+              </p:cTn>
+              <p:prevCondLst>
+                <p:cond evt="onPrev" delay="0">
+                  <p:tgtEl>
+                    <p:sldTgt/>
+                  </p:tgtEl>
+                </p:cond>
+              </p:prevCondLst>
+              <p:nextCondLst>
+                <p:cond evt="onNext" delay="0">
+                  <p:tgtEl>
+                    <p:sldTgt/>
+                  </p:tgtEl>
+                </p:cond>
+              </p:nextCondLst>
+            </p:seq>
+          </p:childTnLst>
+        </p:cTn>
+      </p:par>
+    </p:tnLst>
+    <p:bldLst>
+      <p:bldP spid="2" grpId="0"/>
+      <p:bldP spid="3" grpId="0" build="p"/>
+    </p:bldLst>
+  </p:timing>
+</p:sld>
+</file>
+
+<file path=ppt/slides/slide13.xml><?xml version="1.0" encoding="utf-8"?>
+<p:sld xmlns:a="http://schemas.openxmlformats.org/drawingml/2006/main" xmlns:r="http://schemas.openxmlformats.org/officeDocument/2006/relationships" xmlns:p="http://schemas.openxmlformats.org/presentationml/2006/main">
+  <p:cSld>
+    <p:spTree>
+      <p:nvGrpSpPr>
+        <p:cNvPr id="1" name=""/>
+        <p:cNvGrpSpPr/>
+        <p:nvPr/>
+      </p:nvGrpSpPr>
+      <p:grpSpPr>
+        <a:xfrm>
+          <a:off x="0" y="0"/>
+          <a:ext cx="0" cy="0"/>
+          <a:chOff x="0" y="0"/>
+          <a:chExt cx="0" cy="0"/>
+        </a:xfrm>
+      </p:grpSpPr>
+      <p:sp>
+        <p:nvSpPr>
+          <p:cNvPr id="2" name="Title 1">
+            <a:extLst>
+              <a:ext uri="{FF2B5EF4-FFF2-40B4-BE49-F238E27FC236}">
+                <a16:creationId xmlns:a16="http://schemas.microsoft.com/office/drawing/2014/main" id="{AABADBE4-DFFE-4FD8-A40F-A9966D8641A3}"/>
+              </a:ext>
+            </a:extLst>
+          </p:cNvPr>
+          <p:cNvSpPr>
+            <a:spLocks noGrp="1"/>
+          </p:cNvSpPr>
+          <p:nvPr>
+            <p:ph type="title"/>
+          </p:nvPr>
+        </p:nvSpPr>
+        <p:spPr/>
+        <p:txBody>
+          <a:bodyPr/>
+          <a:lstStyle/>
+          <a:p>
+            <a:r>
+              <a:rPr lang="en-US" dirty="0"/>
+              <a:t>How to cope with large changes to your routine</a:t>
+            </a:r>
+          </a:p>
+        </p:txBody>
+      </p:sp>
+      <p:sp>
+        <p:nvSpPr>
+          <p:cNvPr id="3" name="Content Placeholder 2">
+            <a:extLst>
+              <a:ext uri="{FF2B5EF4-FFF2-40B4-BE49-F238E27FC236}">
+                <a16:creationId xmlns:a16="http://schemas.microsoft.com/office/drawing/2014/main" id="{CDA9412F-4576-4321-88FC-CC496D283109}"/>
+              </a:ext>
+            </a:extLst>
+          </p:cNvPr>
+          <p:cNvSpPr>
+            <a:spLocks noGrp="1"/>
+          </p:cNvSpPr>
+          <p:nvPr>
+            <p:ph idx="1"/>
+          </p:nvPr>
+        </p:nvSpPr>
+        <p:spPr/>
+        <p:txBody>
+          <a:bodyPr/>
+          <a:lstStyle/>
+          <a:p>
+            <a:pPr marL="0" indent="0">
+              <a:buNone/>
+            </a:pPr>
+            <a:r>
+              <a:rPr lang="en-US" dirty="0"/>
+              <a:t>Now you may be like me, where if anything changes it’s the end of the world for your mental state. You simply cease to function. You simply can not handle sudden changes especially not to your routine. </a:t>
+            </a:r>
+          </a:p>
+          <a:p>
+            <a:pPr marL="0" indent="0">
+              <a:buNone/>
+            </a:pPr>
+            <a:endParaRPr lang="en-US" dirty="0"/>
+          </a:p>
+          <a:p>
+            <a:pPr marL="0" indent="0">
+              <a:buNone/>
+            </a:pPr>
+            <a:r>
+              <a:rPr lang="en-US" dirty="0"/>
+              <a:t>If this is you, don’t worry. You’re not alone. Try and find a support friend. When your routine changes, they’ll be there to remind you what you need to be doing, and help you get through the time of brain no </a:t>
+            </a:r>
+            <a:r>
+              <a:rPr lang="en-US" dirty="0" err="1"/>
+              <a:t>worky</a:t>
+            </a:r>
+            <a:r>
+              <a:rPr lang="en-US" dirty="0"/>
+              <a:t>. </a:t>
+            </a:r>
+          </a:p>
+        </p:txBody>
+      </p:sp>
+    </p:spTree>
+    <p:extLst>
+      <p:ext uri="{BB962C8B-B14F-4D97-AF65-F5344CB8AC3E}">
+        <p14:creationId xmlns:p14="http://schemas.microsoft.com/office/powerpoint/2010/main" val="356014933"/>
+      </p:ext>
+    </p:extLst>
+  </p:cSld>
+  <p:clrMapOvr>
+    <a:masterClrMapping/>
+  </p:clrMapOvr>
+  <p:transition spd="slow">
+    <p:push dir="u"/>
+  </p:transition>
+  <p:timing>
+    <p:tnLst>
+      <p:par>
+        <p:cTn id="1" dur="indefinite" restart="never" nodeType="tmRoot">
+          <p:childTnLst>
+            <p:seq concurrent="1" nextAc="seek">
+              <p:cTn id="2" dur="indefinite" nodeType="mainSeq">
+                <p:childTnLst>
+                  <p:par>
+                    <p:cTn id="3" fill="hold">
+                      <p:stCondLst>
+                        <p:cond delay="indefinite"/>
+                      </p:stCondLst>
+                      <p:childTnLst>
+                        <p:par>
+                          <p:cTn id="4" fill="hold">
+                            <p:stCondLst>
+                              <p:cond delay="0"/>
+                            </p:stCondLst>
+                            <p:childTnLst>
+                              <p:par>
+                                <p:cTn id="5" presetID="53" presetClass="entr" presetSubtype="16" fill="hold" grpId="0" nodeType="clickEffect">
+                                  <p:stCondLst>
+                                    <p:cond delay="0"/>
+                                  </p:stCondLst>
+                                  <p:childTnLst>
+                                    <p:set>
+                                      <p:cBhvr>
+                                        <p:cTn id="6" dur="1" fill="hold">
+                                          <p:stCondLst>
+                                            <p:cond delay="0"/>
+                                          </p:stCondLst>
+                                        </p:cTn>
+                                        <p:tgtEl>
+                                          <p:spTgt spid="2"/>
+                                        </p:tgtEl>
+                                        <p:attrNameLst>
+                                          <p:attrName>style.visibility</p:attrName>
+                                        </p:attrNameLst>
+                                      </p:cBhvr>
+                                      <p:to>
+                                        <p:strVal val="visible"/>
+                                      </p:to>
+                                    </p:set>
+                                    <p:anim calcmode="lin" valueType="num">
+                                      <p:cBhvr>
+                                        <p:cTn id="7" dur="1000" fill="hold"/>
+                                        <p:tgtEl>
+                                          <p:spTgt spid="2"/>
+                                        </p:tgtEl>
+                                        <p:attrNameLst>
+                                          <p:attrName>ppt_w</p:attrName>
+                                        </p:attrNameLst>
+                                      </p:cBhvr>
+                                      <p:tavLst>
+                                        <p:tav tm="0">
+                                          <p:val>
+                                            <p:fltVal val="0"/>
+                                          </p:val>
+                                        </p:tav>
+                                        <p:tav tm="100000">
+                                          <p:val>
+                                            <p:strVal val="#ppt_w"/>
+                                          </p:val>
+                                        </p:tav>
+                                      </p:tavLst>
+                                    </p:anim>
+                                    <p:anim calcmode="lin" valueType="num">
+                                      <p:cBhvr>
+                                        <p:cTn id="8" dur="1000" fill="hold"/>
+                                        <p:tgtEl>
+                                          <p:spTgt spid="2"/>
+                                        </p:tgtEl>
+                                        <p:attrNameLst>
+                                          <p:attrName>ppt_h</p:attrName>
+                                        </p:attrNameLst>
+                                      </p:cBhvr>
+                                      <p:tavLst>
+                                        <p:tav tm="0">
+                                          <p:val>
+                                            <p:fltVal val="0"/>
+                                          </p:val>
+                                        </p:tav>
+                                        <p:tav tm="100000">
+                                          <p:val>
+                                            <p:strVal val="#ppt_h"/>
+                                          </p:val>
+                                        </p:tav>
+                                      </p:tavLst>
+                                    </p:anim>
+                                    <p:animEffect transition="in" filter="fade">
+                                      <p:cBhvr>
+                                        <p:cTn id="9" dur="1000"/>
+                                        <p:tgtEl>
+                                          <p:spTgt spid="2"/>
+                                        </p:tgtEl>
+                                      </p:cBhvr>
+                                    </p:animEffect>
+                                  </p:childTnLst>
+                                </p:cTn>
+                              </p:par>
+                            </p:childTnLst>
+                          </p:cTn>
+                        </p:par>
+                      </p:childTnLst>
+                    </p:cTn>
+                  </p:par>
+                  <p:par>
+                    <p:cTn id="10" fill="hold">
+                      <p:stCondLst>
+                        <p:cond delay="indefinite"/>
+                      </p:stCondLst>
+                      <p:childTnLst>
+                        <p:par>
+                          <p:cTn id="11" fill="hold">
+                            <p:stCondLst>
+                              <p:cond delay="0"/>
+                            </p:stCondLst>
+                            <p:childTnLst>
+                              <p:par>
+                                <p:cTn id="12" presetID="53" presetClass="entr" presetSubtype="16" fill="hold" grpId="0" nodeType="clickEffect">
+                                  <p:stCondLst>
+                                    <p:cond delay="0"/>
+                                  </p:stCondLst>
+                                  <p:childTnLst>
+                                    <p:set>
+                                      <p:cBhvr>
+                                        <p:cTn id="13" dur="1" fill="hold">
+                                          <p:stCondLst>
+                                            <p:cond delay="0"/>
+                                          </p:stCondLst>
+                                        </p:cTn>
+                                        <p:tgtEl>
+                                          <p:spTgt spid="3">
+                                            <p:txEl>
+                                              <p:pRg st="0" end="0"/>
+                                            </p:txEl>
+                                          </p:spTgt>
+                                        </p:tgtEl>
+                                        <p:attrNameLst>
+                                          <p:attrName>style.visibility</p:attrName>
+                                        </p:attrNameLst>
+                                      </p:cBhvr>
+                                      <p:to>
+                                        <p:strVal val="visible"/>
+                                      </p:to>
+                                    </p:set>
+                                    <p:anim calcmode="lin" valueType="num">
+                                      <p:cBhvr>
+                                        <p:cTn id="14" dur="1500" fill="hold"/>
+                                        <p:tgtEl>
+                                          <p:spTgt spid="3">
+                                            <p:txEl>
+                                              <p:pRg st="0" end="0"/>
+                                            </p:txEl>
+                                          </p:spTgt>
+                                        </p:tgtEl>
+                                        <p:attrNameLst>
+                                          <p:attrName>ppt_w</p:attrName>
+                                        </p:attrNameLst>
+                                      </p:cBhvr>
+                                      <p:tavLst>
+                                        <p:tav tm="0">
+                                          <p:val>
+                                            <p:fltVal val="0"/>
+                                          </p:val>
+                                        </p:tav>
+                                        <p:tav tm="100000">
+                                          <p:val>
+                                            <p:strVal val="#ppt_w"/>
+                                          </p:val>
+                                        </p:tav>
+                                      </p:tavLst>
+                                    </p:anim>
+                                    <p:anim calcmode="lin" valueType="num">
+                                      <p:cBhvr>
+                                        <p:cTn id="15" dur="1500" fill="hold"/>
+                                        <p:tgtEl>
+                                          <p:spTgt spid="3">
+                                            <p:txEl>
+                                              <p:pRg st="0" end="0"/>
+                                            </p:txEl>
+                                          </p:spTgt>
+                                        </p:tgtEl>
+                                        <p:attrNameLst>
+                                          <p:attrName>ppt_h</p:attrName>
+                                        </p:attrNameLst>
+                                      </p:cBhvr>
+                                      <p:tavLst>
+                                        <p:tav tm="0">
+                                          <p:val>
+                                            <p:fltVal val="0"/>
+                                          </p:val>
+                                        </p:tav>
+                                        <p:tav tm="100000">
+                                          <p:val>
+                                            <p:strVal val="#ppt_h"/>
+                                          </p:val>
+                                        </p:tav>
+                                      </p:tavLst>
+                                    </p:anim>
+                                    <p:animEffect transition="in" filter="fade">
+                                      <p:cBhvr>
+                                        <p:cTn id="16" dur="1500"/>
+                                        <p:tgtEl>
+                                          <p:spTgt spid="3">
+                                            <p:txEl>
+                                              <p:pRg st="0" end="0"/>
+                                            </p:txEl>
+                                          </p:spTgt>
+                                        </p:tgtEl>
+                                      </p:cBhvr>
+                                    </p:animEffect>
+                                  </p:childTnLst>
+                                </p:cTn>
+                              </p:par>
+                            </p:childTnLst>
+                          </p:cTn>
+                        </p:par>
+                      </p:childTnLst>
+                    </p:cTn>
+                  </p:par>
+                  <p:par>
+                    <p:cTn id="17" fill="hold">
+                      <p:stCondLst>
+                        <p:cond delay="indefinite"/>
+                      </p:stCondLst>
+                      <p:childTnLst>
+                        <p:par>
+                          <p:cTn id="18" fill="hold">
+                            <p:stCondLst>
+                              <p:cond delay="0"/>
+                            </p:stCondLst>
+                            <p:childTnLst>
+                              <p:par>
+                                <p:cTn id="19" presetID="53" presetClass="entr" presetSubtype="16" fill="hold" grpId="0" nodeType="clickEffect">
+                                  <p:stCondLst>
+                                    <p:cond delay="0"/>
+                                  </p:stCondLst>
+                                  <p:childTnLst>
+                                    <p:set>
+                                      <p:cBhvr>
+                                        <p:cTn id="20" dur="1" fill="hold">
+                                          <p:stCondLst>
+                                            <p:cond delay="0"/>
+                                          </p:stCondLst>
+                                        </p:cTn>
+                                        <p:tgtEl>
+                                          <p:spTgt spid="3">
+                                            <p:txEl>
+                                              <p:pRg st="2" end="2"/>
+                                            </p:txEl>
+                                          </p:spTgt>
+                                        </p:tgtEl>
+                                        <p:attrNameLst>
+                                          <p:attrName>style.visibility</p:attrName>
+                                        </p:attrNameLst>
+                                      </p:cBhvr>
+                                      <p:to>
+                                        <p:strVal val="visible"/>
+                                      </p:to>
+                                    </p:set>
+                                    <p:anim calcmode="lin" valueType="num">
+                                      <p:cBhvr>
+                                        <p:cTn id="21" dur="1500" fill="hold"/>
+                                        <p:tgtEl>
+                                          <p:spTgt spid="3">
+                                            <p:txEl>
+                                              <p:pRg st="2" end="2"/>
+                                            </p:txEl>
+                                          </p:spTgt>
+                                        </p:tgtEl>
+                                        <p:attrNameLst>
+                                          <p:attrName>ppt_w</p:attrName>
+                                        </p:attrNameLst>
+                                      </p:cBhvr>
+                                      <p:tavLst>
+                                        <p:tav tm="0">
+                                          <p:val>
+                                            <p:fltVal val="0"/>
+                                          </p:val>
+                                        </p:tav>
+                                        <p:tav tm="100000">
+                                          <p:val>
+                                            <p:strVal val="#ppt_w"/>
+                                          </p:val>
+                                        </p:tav>
+                                      </p:tavLst>
+                                    </p:anim>
+                                    <p:anim calcmode="lin" valueType="num">
+                                      <p:cBhvr>
+                                        <p:cTn id="22" dur="1500" fill="hold"/>
+                                        <p:tgtEl>
+                                          <p:spTgt spid="3">
+                                            <p:txEl>
+                                              <p:pRg st="2" end="2"/>
+                                            </p:txEl>
+                                          </p:spTgt>
+                                        </p:tgtEl>
+                                        <p:attrNameLst>
+                                          <p:attrName>ppt_h</p:attrName>
+                                        </p:attrNameLst>
+                                      </p:cBhvr>
+                                      <p:tavLst>
+                                        <p:tav tm="0">
+                                          <p:val>
+                                            <p:fltVal val="0"/>
+                                          </p:val>
+                                        </p:tav>
+                                        <p:tav tm="100000">
+                                          <p:val>
+                                            <p:strVal val="#ppt_h"/>
+                                          </p:val>
+                                        </p:tav>
+                                      </p:tavLst>
+                                    </p:anim>
+                                    <p:animEffect transition="in" filter="fade">
+                                      <p:cBhvr>
+                                        <p:cTn id="23" dur="1500"/>
+                                        <p:tgtEl>
+                                          <p:spTgt spid="3">
+                                            <p:txEl>
+                                              <p:pRg st="2" end="2"/>
+                                            </p:txEl>
+                                          </p:spTgt>
+                                        </p:tgtEl>
+                                      </p:cBhvr>
+                                    </p:animEffect>
+                                  </p:childTnLst>
+                                </p:cTn>
+                              </p:par>
+                            </p:childTnLst>
+                          </p:cTn>
+                        </p:par>
+                      </p:childTnLst>
+                    </p:cTn>
+                  </p:par>
+                </p:childTnLst>
+              </p:cTn>
+              <p:prevCondLst>
+                <p:cond evt="onPrev" delay="0">
+                  <p:tgtEl>
+                    <p:sldTgt/>
+                  </p:tgtEl>
+                </p:cond>
+              </p:prevCondLst>
+              <p:nextCondLst>
+                <p:cond evt="onNext" delay="0">
+                  <p:tgtEl>
+                    <p:sldTgt/>
+                  </p:tgtEl>
+                </p:cond>
+              </p:nextCondLst>
+            </p:seq>
+          </p:childTnLst>
+        </p:cTn>
+      </p:par>
+    </p:tnLst>
+    <p:bldLst>
+      <p:bldP spid="2" grpId="0"/>
+      <p:bldP spid="3" grpId="0" build="p"/>
+    </p:bldLst>
+  </p:timing>
+</p:sld>
+</file>
+
+<file path=ppt/slides/slide14.xml><?xml version="1.0" encoding="utf-8"?>
+<p:sld xmlns:a="http://schemas.openxmlformats.org/drawingml/2006/main" xmlns:r="http://schemas.openxmlformats.org/officeDocument/2006/relationships" xmlns:p="http://schemas.openxmlformats.org/presentationml/2006/main">
+  <p:cSld>
+    <p:spTree>
+      <p:nvGrpSpPr>
+        <p:cNvPr id="1" name=""/>
+        <p:cNvGrpSpPr/>
+        <p:nvPr/>
+      </p:nvGrpSpPr>
+      <p:grpSpPr>
+        <a:xfrm>
+          <a:off x="0" y="0"/>
+          <a:ext cx="0" cy="0"/>
+          <a:chOff x="0" y="0"/>
+          <a:chExt cx="0" cy="0"/>
+        </a:xfrm>
+      </p:grpSpPr>
+      <p:sp>
+        <p:nvSpPr>
+          <p:cNvPr id="2" name="Title 1">
+            <a:extLst>
+              <a:ext uri="{FF2B5EF4-FFF2-40B4-BE49-F238E27FC236}">
+                <a16:creationId xmlns:a16="http://schemas.microsoft.com/office/drawing/2014/main" id="{AE24F3D6-AF53-4BDA-B974-99B554235FED}"/>
+              </a:ext>
+            </a:extLst>
+          </p:cNvPr>
+          <p:cNvSpPr>
+            <a:spLocks noGrp="1"/>
+          </p:cNvSpPr>
+          <p:nvPr>
+            <p:ph type="title"/>
+          </p:nvPr>
+        </p:nvSpPr>
+        <p:spPr/>
+        <p:txBody>
+          <a:bodyPr/>
+          <a:lstStyle/>
+          <a:p>
+            <a:r>
+              <a:rPr lang="en-US" dirty="0"/>
+              <a:t>So what’s next?</a:t>
+            </a:r>
+          </a:p>
+        </p:txBody>
+      </p:sp>
+      <p:sp>
+        <p:nvSpPr>
+          <p:cNvPr id="3" name="Content Placeholder 2">
+            <a:extLst>
+              <a:ext uri="{FF2B5EF4-FFF2-40B4-BE49-F238E27FC236}">
+                <a16:creationId xmlns:a16="http://schemas.microsoft.com/office/drawing/2014/main" id="{AAC663B7-51C8-4FB2-8364-118369FBE6A6}"/>
+              </a:ext>
+            </a:extLst>
+          </p:cNvPr>
+          <p:cNvSpPr>
+            <a:spLocks noGrp="1"/>
+          </p:cNvSpPr>
+          <p:nvPr>
+            <p:ph idx="1"/>
+          </p:nvPr>
+        </p:nvSpPr>
+        <p:spPr/>
+        <p:txBody>
+          <a:bodyPr/>
+          <a:lstStyle/>
+          <a:p>
+            <a:pPr marL="0" indent="0">
+              <a:buNone/>
+            </a:pPr>
+            <a:r>
+              <a:rPr lang="en-US" dirty="0"/>
+              <a:t>Well now that you know everything there is to know about routines. Go make one! Follow it! Make your life better with a routine!</a:t>
+            </a:r>
+          </a:p>
+          <a:p>
+            <a:pPr marL="0" indent="0">
+              <a:buNone/>
+            </a:pPr>
+            <a:endParaRPr lang="en-US" dirty="0"/>
+          </a:p>
+          <a:p>
+            <a:pPr marL="0" indent="0">
+              <a:buNone/>
+            </a:pPr>
+            <a:r>
+              <a:rPr lang="en-US" dirty="0"/>
+              <a:t>Trust me, you’ll feel a lot better once you do. </a:t>
+            </a:r>
+          </a:p>
+          <a:p>
+            <a:pPr marL="0" indent="0">
+              <a:buNone/>
+            </a:pPr>
+            <a:endParaRPr lang="en-US" dirty="0"/>
+          </a:p>
+          <a:p>
+            <a:pPr marL="0" indent="0">
+              <a:buNone/>
+            </a:pPr>
+            <a:r>
+              <a:rPr lang="en-US" dirty="0"/>
+              <a:t>Good Luck!</a:t>
+            </a:r>
+          </a:p>
+        </p:txBody>
+      </p:sp>
+    </p:spTree>
+    <p:extLst>
+      <p:ext uri="{BB962C8B-B14F-4D97-AF65-F5344CB8AC3E}">
+        <p14:creationId xmlns:p14="http://schemas.microsoft.com/office/powerpoint/2010/main" val="1282761605"/>
+      </p:ext>
+    </p:extLst>
+  </p:cSld>
+  <p:clrMapOvr>
+    <a:masterClrMapping/>
+  </p:clrMapOvr>
+  <p:transition spd="slow">
+    <p:push dir="u"/>
+  </p:transition>
+  <p:timing>
+    <p:tnLst>
+      <p:par>
+        <p:cTn id="1" dur="indefinite" restart="never" nodeType="tmRoot">
+          <p:childTnLst>
+            <p:seq concurrent="1" nextAc="seek">
+              <p:cTn id="2" dur="indefinite" nodeType="mainSeq">
+                <p:childTnLst>
+                  <p:par>
+                    <p:cTn id="3" fill="hold">
+                      <p:stCondLst>
+                        <p:cond delay="indefinite"/>
+                      </p:stCondLst>
+                      <p:childTnLst>
+                        <p:par>
+                          <p:cTn id="4" fill="hold">
+                            <p:stCondLst>
+                              <p:cond delay="0"/>
+                            </p:stCondLst>
+                            <p:childTnLst>
+                              <p:par>
+                                <p:cTn id="5" presetID="53" presetClass="entr" presetSubtype="16" fill="hold" grpId="0" nodeType="clickEffect">
+                                  <p:stCondLst>
+                                    <p:cond delay="0"/>
+                                  </p:stCondLst>
+                                  <p:childTnLst>
+                                    <p:set>
+                                      <p:cBhvr>
+                                        <p:cTn id="6" dur="1" fill="hold">
+                                          <p:stCondLst>
+                                            <p:cond delay="0"/>
+                                          </p:stCondLst>
+                                        </p:cTn>
+                                        <p:tgtEl>
+                                          <p:spTgt spid="2"/>
+                                        </p:tgtEl>
+                                        <p:attrNameLst>
+                                          <p:attrName>style.visibility</p:attrName>
+                                        </p:attrNameLst>
+                                      </p:cBhvr>
+                                      <p:to>
+                                        <p:strVal val="visible"/>
+                                      </p:to>
+                                    </p:set>
+                                    <p:anim calcmode="lin" valueType="num">
+                                      <p:cBhvr>
+                                        <p:cTn id="7" dur="1250" fill="hold"/>
+                                        <p:tgtEl>
+                                          <p:spTgt spid="2"/>
+                                        </p:tgtEl>
+                                        <p:attrNameLst>
+                                          <p:attrName>ppt_w</p:attrName>
+                                        </p:attrNameLst>
+                                      </p:cBhvr>
+                                      <p:tavLst>
+                                        <p:tav tm="0">
+                                          <p:val>
+                                            <p:fltVal val="0"/>
+                                          </p:val>
+                                        </p:tav>
+                                        <p:tav tm="100000">
+                                          <p:val>
+                                            <p:strVal val="#ppt_w"/>
+                                          </p:val>
+                                        </p:tav>
+                                      </p:tavLst>
+                                    </p:anim>
+                                    <p:anim calcmode="lin" valueType="num">
+                                      <p:cBhvr>
+                                        <p:cTn id="8" dur="1250" fill="hold"/>
+                                        <p:tgtEl>
+                                          <p:spTgt spid="2"/>
+                                        </p:tgtEl>
+                                        <p:attrNameLst>
+                                          <p:attrName>ppt_h</p:attrName>
+                                        </p:attrNameLst>
+                                      </p:cBhvr>
+                                      <p:tavLst>
+                                        <p:tav tm="0">
+                                          <p:val>
+                                            <p:fltVal val="0"/>
+                                          </p:val>
+                                        </p:tav>
+                                        <p:tav tm="100000">
+                                          <p:val>
+                                            <p:strVal val="#ppt_h"/>
+                                          </p:val>
+                                        </p:tav>
+                                      </p:tavLst>
+                                    </p:anim>
+                                    <p:animEffect transition="in" filter="fade">
+                                      <p:cBhvr>
+                                        <p:cTn id="9" dur="1250"/>
+                                        <p:tgtEl>
+                                          <p:spTgt spid="2"/>
+                                        </p:tgtEl>
+                                      </p:cBhvr>
+                                    </p:animEffect>
+                                  </p:childTnLst>
+                                </p:cTn>
+                              </p:par>
+                            </p:childTnLst>
+                          </p:cTn>
+                        </p:par>
+                      </p:childTnLst>
+                    </p:cTn>
+                  </p:par>
+                  <p:par>
+                    <p:cTn id="10" fill="hold">
+                      <p:stCondLst>
+                        <p:cond delay="indefinite"/>
+                      </p:stCondLst>
+                      <p:childTnLst>
+                        <p:par>
+                          <p:cTn id="11" fill="hold">
+                            <p:stCondLst>
+                              <p:cond delay="0"/>
+                            </p:stCondLst>
+                            <p:childTnLst>
+                              <p:par>
+                                <p:cTn id="12" presetID="53" presetClass="entr" presetSubtype="16" fill="hold" grpId="0" nodeType="clickEffect">
+                                  <p:stCondLst>
+                                    <p:cond delay="0"/>
+                                  </p:stCondLst>
+                                  <p:childTnLst>
+                                    <p:set>
+                                      <p:cBhvr>
+                                        <p:cTn id="13" dur="1" fill="hold">
+                                          <p:stCondLst>
+                                            <p:cond delay="0"/>
+                                          </p:stCondLst>
+                                        </p:cTn>
+                                        <p:tgtEl>
+                                          <p:spTgt spid="3">
+                                            <p:txEl>
+                                              <p:pRg st="0" end="0"/>
+                                            </p:txEl>
+                                          </p:spTgt>
+                                        </p:tgtEl>
+                                        <p:attrNameLst>
+                                          <p:attrName>style.visibility</p:attrName>
+                                        </p:attrNameLst>
+                                      </p:cBhvr>
+                                      <p:to>
+                                        <p:strVal val="visible"/>
+                                      </p:to>
+                                    </p:set>
+                                    <p:anim calcmode="lin" valueType="num">
+                                      <p:cBhvr>
+                                        <p:cTn id="14" dur="1500" fill="hold"/>
+                                        <p:tgtEl>
+                                          <p:spTgt spid="3">
+                                            <p:txEl>
+                                              <p:pRg st="0" end="0"/>
+                                            </p:txEl>
+                                          </p:spTgt>
+                                        </p:tgtEl>
+                                        <p:attrNameLst>
+                                          <p:attrName>ppt_w</p:attrName>
+                                        </p:attrNameLst>
+                                      </p:cBhvr>
+                                      <p:tavLst>
+                                        <p:tav tm="0">
+                                          <p:val>
+                                            <p:fltVal val="0"/>
+                                          </p:val>
+                                        </p:tav>
+                                        <p:tav tm="100000">
+                                          <p:val>
+                                            <p:strVal val="#ppt_w"/>
+                                          </p:val>
+                                        </p:tav>
+                                      </p:tavLst>
+                                    </p:anim>
+                                    <p:anim calcmode="lin" valueType="num">
+                                      <p:cBhvr>
+                                        <p:cTn id="15" dur="1500" fill="hold"/>
+                                        <p:tgtEl>
+                                          <p:spTgt spid="3">
+                                            <p:txEl>
+                                              <p:pRg st="0" end="0"/>
+                                            </p:txEl>
+                                          </p:spTgt>
+                                        </p:tgtEl>
+                                        <p:attrNameLst>
+                                          <p:attrName>ppt_h</p:attrName>
+                                        </p:attrNameLst>
+                                      </p:cBhvr>
+                                      <p:tavLst>
+                                        <p:tav tm="0">
+                                          <p:val>
+                                            <p:fltVal val="0"/>
+                                          </p:val>
+                                        </p:tav>
+                                        <p:tav tm="100000">
+                                          <p:val>
+                                            <p:strVal val="#ppt_h"/>
+                                          </p:val>
+                                        </p:tav>
+                                      </p:tavLst>
+                                    </p:anim>
+                                    <p:animEffect transition="in" filter="fade">
+                                      <p:cBhvr>
+                                        <p:cTn id="16" dur="1500"/>
+                                        <p:tgtEl>
+                                          <p:spTgt spid="3">
+                                            <p:txEl>
+                                              <p:pRg st="0" end="0"/>
+                                            </p:txEl>
+                                          </p:spTgt>
+                                        </p:tgtEl>
+                                      </p:cBhvr>
+                                    </p:animEffect>
+                                  </p:childTnLst>
+                                </p:cTn>
+                              </p:par>
+                            </p:childTnLst>
+                          </p:cTn>
+                        </p:par>
+                      </p:childTnLst>
+                    </p:cTn>
+                  </p:par>
+                  <p:par>
+                    <p:cTn id="17" fill="hold">
+                      <p:stCondLst>
+                        <p:cond delay="indefinite"/>
+                      </p:stCondLst>
+                      <p:childTnLst>
+                        <p:par>
+                          <p:cTn id="18" fill="hold">
+                            <p:stCondLst>
+                              <p:cond delay="0"/>
+                            </p:stCondLst>
+                            <p:childTnLst>
+                              <p:par>
+                                <p:cTn id="19" presetID="53" presetClass="entr" presetSubtype="16" fill="hold" grpId="0" nodeType="clickEffect">
+                                  <p:stCondLst>
+                                    <p:cond delay="0"/>
+                                  </p:stCondLst>
+                                  <p:childTnLst>
+                                    <p:set>
+                                      <p:cBhvr>
+                                        <p:cTn id="20" dur="1" fill="hold">
+                                          <p:stCondLst>
+                                            <p:cond delay="0"/>
+                                          </p:stCondLst>
+                                        </p:cTn>
+                                        <p:tgtEl>
+                                          <p:spTgt spid="3">
+                                            <p:txEl>
+                                              <p:pRg st="2" end="2"/>
+                                            </p:txEl>
+                                          </p:spTgt>
+                                        </p:tgtEl>
+                                        <p:attrNameLst>
+                                          <p:attrName>style.visibility</p:attrName>
+                                        </p:attrNameLst>
+                                      </p:cBhvr>
+                                      <p:to>
+                                        <p:strVal val="visible"/>
+                                      </p:to>
+                                    </p:set>
+                                    <p:anim calcmode="lin" valueType="num">
+                                      <p:cBhvr>
+                                        <p:cTn id="21" dur="1500" fill="hold"/>
+                                        <p:tgtEl>
+                                          <p:spTgt spid="3">
+                                            <p:txEl>
+                                              <p:pRg st="2" end="2"/>
+                                            </p:txEl>
+                                          </p:spTgt>
+                                        </p:tgtEl>
+                                        <p:attrNameLst>
+                                          <p:attrName>ppt_w</p:attrName>
+                                        </p:attrNameLst>
+                                      </p:cBhvr>
+                                      <p:tavLst>
+                                        <p:tav tm="0">
+                                          <p:val>
+                                            <p:fltVal val="0"/>
+                                          </p:val>
+                                        </p:tav>
+                                        <p:tav tm="100000">
+                                          <p:val>
+                                            <p:strVal val="#ppt_w"/>
+                                          </p:val>
+                                        </p:tav>
+                                      </p:tavLst>
+                                    </p:anim>
+                                    <p:anim calcmode="lin" valueType="num">
+                                      <p:cBhvr>
+                                        <p:cTn id="22" dur="1500" fill="hold"/>
+                                        <p:tgtEl>
+                                          <p:spTgt spid="3">
+                                            <p:txEl>
+                                              <p:pRg st="2" end="2"/>
+                                            </p:txEl>
+                                          </p:spTgt>
+                                        </p:tgtEl>
+                                        <p:attrNameLst>
+                                          <p:attrName>ppt_h</p:attrName>
+                                        </p:attrNameLst>
+                                      </p:cBhvr>
+                                      <p:tavLst>
+                                        <p:tav tm="0">
+                                          <p:val>
+                                            <p:fltVal val="0"/>
+                                          </p:val>
+                                        </p:tav>
+                                        <p:tav tm="100000">
+                                          <p:val>
+                                            <p:strVal val="#ppt_h"/>
+                                          </p:val>
+                                        </p:tav>
+                                      </p:tavLst>
+                                    </p:anim>
+                                    <p:animEffect transition="in" filter="fade">
+                                      <p:cBhvr>
+                                        <p:cTn id="23" dur="1500"/>
+                                        <p:tgtEl>
+                                          <p:spTgt spid="3">
+                                            <p:txEl>
+                                              <p:pRg st="2" end="2"/>
+                                            </p:txEl>
+                                          </p:spTgt>
+                                        </p:tgtEl>
+                                      </p:cBhvr>
+                                    </p:animEffect>
+                                  </p:childTnLst>
+                                </p:cTn>
+                              </p:par>
+                            </p:childTnLst>
+                          </p:cTn>
+                        </p:par>
+                      </p:childTnLst>
+                    </p:cTn>
+                  </p:par>
+                  <p:par>
+                    <p:cTn id="24" fill="hold">
+                      <p:stCondLst>
+                        <p:cond delay="indefinite"/>
+                      </p:stCondLst>
+                      <p:childTnLst>
+                        <p:par>
+                          <p:cTn id="25" fill="hold">
+                            <p:stCondLst>
+                              <p:cond delay="0"/>
+                            </p:stCondLst>
+                            <p:childTnLst>
+                              <p:par>
+                                <p:cTn id="26" presetID="53" presetClass="entr" presetSubtype="16" fill="hold" grpId="0" nodeType="clickEffect">
+                                  <p:stCondLst>
+                                    <p:cond delay="500"/>
+                                  </p:stCondLst>
+                                  <p:childTnLst>
+                                    <p:set>
+                                      <p:cBhvr>
+                                        <p:cTn id="27" dur="1" fill="hold">
+                                          <p:stCondLst>
+                                            <p:cond delay="0"/>
+                                          </p:stCondLst>
+                                        </p:cTn>
+                                        <p:tgtEl>
+                                          <p:spTgt spid="3">
+                                            <p:txEl>
+                                              <p:pRg st="4" end="4"/>
+                                            </p:txEl>
+                                          </p:spTgt>
+                                        </p:tgtEl>
+                                        <p:attrNameLst>
+                                          <p:attrName>style.visibility</p:attrName>
+                                        </p:attrNameLst>
+                                      </p:cBhvr>
+                                      <p:to>
+                                        <p:strVal val="visible"/>
+                                      </p:to>
+                                    </p:set>
+                                    <p:anim calcmode="lin" valueType="num">
+                                      <p:cBhvr>
+                                        <p:cTn id="28" dur="1500" fill="hold"/>
+                                        <p:tgtEl>
+                                          <p:spTgt spid="3">
+                                            <p:txEl>
+                                              <p:pRg st="4" end="4"/>
+                                            </p:txEl>
+                                          </p:spTgt>
+                                        </p:tgtEl>
+                                        <p:attrNameLst>
+                                          <p:attrName>ppt_w</p:attrName>
+                                        </p:attrNameLst>
+                                      </p:cBhvr>
+                                      <p:tavLst>
+                                        <p:tav tm="0">
+                                          <p:val>
+                                            <p:fltVal val="0"/>
+                                          </p:val>
+                                        </p:tav>
+                                        <p:tav tm="100000">
+                                          <p:val>
+                                            <p:strVal val="#ppt_w"/>
+                                          </p:val>
+                                        </p:tav>
+                                      </p:tavLst>
+                                    </p:anim>
+                                    <p:anim calcmode="lin" valueType="num">
+                                      <p:cBhvr>
+                                        <p:cTn id="29" dur="1500" fill="hold"/>
+                                        <p:tgtEl>
+                                          <p:spTgt spid="3">
+                                            <p:txEl>
+                                              <p:pRg st="4" end="4"/>
+                                            </p:txEl>
+                                          </p:spTgt>
+                                        </p:tgtEl>
+                                        <p:attrNameLst>
+                                          <p:attrName>ppt_h</p:attrName>
+                                        </p:attrNameLst>
+                                      </p:cBhvr>
+                                      <p:tavLst>
+                                        <p:tav tm="0">
+                                          <p:val>
+                                            <p:fltVal val="0"/>
+                                          </p:val>
+                                        </p:tav>
+                                        <p:tav tm="100000">
+                                          <p:val>
+                                            <p:strVal val="#ppt_h"/>
+                                          </p:val>
+                                        </p:tav>
+                                      </p:tavLst>
+                                    </p:anim>
+                                    <p:animEffect transition="in" filter="fade">
+                                      <p:cBhvr>
+                                        <p:cTn id="30" dur="1500"/>
+                                        <p:tgtEl>
+                                          <p:spTgt spid="3">
+                                            <p:txEl>
+                                              <p:pRg st="4" end="4"/>
+                                            </p:txEl>
+                                          </p:spTgt>
+                                        </p:tgtEl>
+                                      </p:cBhvr>
+                                    </p:animEffect>
+                                  </p:childTnLst>
+                                </p:cTn>
+                              </p:par>
+                            </p:childTnLst>
+                          </p:cTn>
+                        </p:par>
+                      </p:childTnLst>
+                    </p:cTn>
+                  </p:par>
+                </p:childTnLst>
+              </p:cTn>
+              <p:prevCondLst>
+                <p:cond evt="onPrev" delay="0">
+                  <p:tgtEl>
+                    <p:sldTgt/>
+                  </p:tgtEl>
+                </p:cond>
+              </p:prevCondLst>
+              <p:nextCondLst>
+                <p:cond evt="onNext" delay="0">
+                  <p:tgtEl>
+                    <p:sldTgt/>
+                  </p:tgtEl>
+                </p:cond>
+              </p:nextCondLst>
+            </p:seq>
+          </p:childTnLst>
+        </p:cTn>
+      </p:par>
+    </p:tnLst>
+    <p:bldLst>
+      <p:bldP spid="2" grpId="0"/>
+      <p:bldP spid="3" grpId="0" build="p"/>
+    </p:bldLst>
+  </p:timing>
+</p:sld>
+</file>
+
+<file path=ppt/slides/slide15.xml><?xml version="1.0" encoding="utf-8"?>
+<p:sld xmlns:a="http://schemas.openxmlformats.org/drawingml/2006/main" xmlns:r="http://schemas.openxmlformats.org/officeDocument/2006/relationships" xmlns:p="http://schemas.openxmlformats.org/presentationml/2006/main">
+  <p:cSld>
+    <p:spTree>
+      <p:nvGrpSpPr>
+        <p:cNvPr id="1" name=""/>
+        <p:cNvGrpSpPr/>
+        <p:nvPr/>
+      </p:nvGrpSpPr>
+      <p:grpSpPr>
+        <a:xfrm>
+          <a:off x="0" y="0"/>
+          <a:ext cx="0" cy="0"/>
+          <a:chOff x="0" y="0"/>
+          <a:chExt cx="0" cy="0"/>
+        </a:xfrm>
+      </p:grpSpPr>
+      <p:sp>
+        <p:nvSpPr>
+          <p:cNvPr id="2" name="Title 1">
+            <a:extLst>
+              <a:ext uri="{FF2B5EF4-FFF2-40B4-BE49-F238E27FC236}">
+                <a16:creationId xmlns:a16="http://schemas.microsoft.com/office/drawing/2014/main" id="{F85149AB-329D-4A69-AD2A-51273ACEE744}"/>
+              </a:ext>
+            </a:extLst>
+          </p:cNvPr>
+          <p:cNvSpPr>
+            <a:spLocks noGrp="1"/>
+          </p:cNvSpPr>
+          <p:nvPr>
+            <p:ph type="title"/>
+          </p:nvPr>
+        </p:nvSpPr>
+        <p:spPr>
+          <a:xfrm>
+            <a:off x="1141411" y="939567"/>
+            <a:ext cx="9906000" cy="2489433"/>
+          </a:xfrm>
+        </p:spPr>
+        <p:txBody>
+          <a:bodyPr>
+            <a:normAutofit/>
+          </a:bodyPr>
+          <a:lstStyle/>
+          <a:p>
+            <a:pPr algn="ctr"/>
+            <a:r>
+              <a:rPr lang="en-US" sz="11500" dirty="0"/>
+              <a:t>The End</a:t>
+            </a:r>
+          </a:p>
+        </p:txBody>
+      </p:sp>
+      <p:sp>
+        <p:nvSpPr>
+          <p:cNvPr id="3" name="Text Placeholder 2">
+            <a:extLst>
+              <a:ext uri="{FF2B5EF4-FFF2-40B4-BE49-F238E27FC236}">
+                <a16:creationId xmlns:a16="http://schemas.microsoft.com/office/drawing/2014/main" id="{8B45EE6C-B502-416E-8412-A6A1E86BFF29}"/>
+              </a:ext>
+            </a:extLst>
+          </p:cNvPr>
+          <p:cNvSpPr>
+            <a:spLocks noGrp="1"/>
+          </p:cNvSpPr>
+          <p:nvPr>
+            <p:ph type="body" idx="1"/>
+          </p:nvPr>
+        </p:nvSpPr>
+        <p:spPr/>
+        <p:txBody>
+          <a:bodyPr/>
+          <a:lstStyle/>
+          <a:p>
+            <a:pPr algn="ctr"/>
+            <a:r>
+              <a:rPr lang="en-US" dirty="0"/>
+              <a:t>Go do your best</a:t>
+            </a:r>
+          </a:p>
+        </p:txBody>
+      </p:sp>
+    </p:spTree>
+    <p:extLst>
+      <p:ext uri="{BB962C8B-B14F-4D97-AF65-F5344CB8AC3E}">
+        <p14:creationId xmlns:p14="http://schemas.microsoft.com/office/powerpoint/2010/main" val="766016573"/>
+      </p:ext>
+    </p:extLst>
+  </p:cSld>
+  <p:clrMapOvr>
+    <a:masterClrMapping/>
+  </p:clrMapOvr>
+  <p:transition spd="slow">
+    <p:push dir="u"/>
+  </p:transition>
+  <p:timing>
+    <p:tnLst>
+      <p:par>
+        <p:cTn id="1" dur="indefinite" restart="never" nodeType="tmRoot">
+          <p:childTnLst>
+            <p:seq concurrent="1" nextAc="seek">
+              <p:cTn id="2" dur="indefinite" nodeType="mainSeq">
+                <p:childTnLst>
+                  <p:par>
+                    <p:cTn id="3" fill="hold">
+                      <p:stCondLst>
+                        <p:cond delay="indefinite"/>
+                      </p:stCondLst>
+                      <p:childTnLst>
+                        <p:par>
+                          <p:cTn id="4" fill="hold">
+                            <p:stCondLst>
+                              <p:cond delay="0"/>
+                            </p:stCondLst>
+                            <p:childTnLst>
+                              <p:par>
+                                <p:cTn id="5" presetID="31" presetClass="entr" presetSubtype="0" fill="hold" grpId="0" nodeType="clickEffect">
+                                  <p:stCondLst>
+                                    <p:cond delay="0"/>
+                                  </p:stCondLst>
+                                  <p:childTnLst>
+                                    <p:set>
+                                      <p:cBhvr>
+                                        <p:cTn id="6" dur="1" fill="hold">
+                                          <p:stCondLst>
+                                            <p:cond delay="0"/>
+                                          </p:stCondLst>
+                                        </p:cTn>
+                                        <p:tgtEl>
+                                          <p:spTgt spid="2"/>
+                                        </p:tgtEl>
+                                        <p:attrNameLst>
+                                          <p:attrName>style.visibility</p:attrName>
+                                        </p:attrNameLst>
+                                      </p:cBhvr>
+                                      <p:to>
+                                        <p:strVal val="visible"/>
+                                      </p:to>
+                                    </p:set>
+                                    <p:anim calcmode="lin" valueType="num">
+                                      <p:cBhvr>
+                                        <p:cTn id="7" dur="3000" fill="hold"/>
+                                        <p:tgtEl>
+                                          <p:spTgt spid="2"/>
+                                        </p:tgtEl>
+                                        <p:attrNameLst>
+                                          <p:attrName>ppt_w</p:attrName>
+                                        </p:attrNameLst>
+                                      </p:cBhvr>
+                                      <p:tavLst>
+                                        <p:tav tm="0">
+                                          <p:val>
+                                            <p:fltVal val="0"/>
+                                          </p:val>
+                                        </p:tav>
+                                        <p:tav tm="100000">
+                                          <p:val>
+                                            <p:strVal val="#ppt_w"/>
+                                          </p:val>
+                                        </p:tav>
+                                      </p:tavLst>
+                                    </p:anim>
+                                    <p:anim calcmode="lin" valueType="num">
+                                      <p:cBhvr>
+                                        <p:cTn id="8" dur="3000" fill="hold"/>
+                                        <p:tgtEl>
+                                          <p:spTgt spid="2"/>
+                                        </p:tgtEl>
+                                        <p:attrNameLst>
+                                          <p:attrName>ppt_h</p:attrName>
+                                        </p:attrNameLst>
+                                      </p:cBhvr>
+                                      <p:tavLst>
+                                        <p:tav tm="0">
+                                          <p:val>
+                                            <p:fltVal val="0"/>
+                                          </p:val>
+                                        </p:tav>
+                                        <p:tav tm="100000">
+                                          <p:val>
+                                            <p:strVal val="#ppt_h"/>
+                                          </p:val>
+                                        </p:tav>
+                                      </p:tavLst>
+                                    </p:anim>
+                                    <p:anim calcmode="lin" valueType="num">
+                                      <p:cBhvr>
+                                        <p:cTn id="9" dur="3000" fill="hold"/>
+                                        <p:tgtEl>
+                                          <p:spTgt spid="2"/>
+                                        </p:tgtEl>
+                                        <p:attrNameLst>
+                                          <p:attrName>style.rotation</p:attrName>
+                                        </p:attrNameLst>
+                                      </p:cBhvr>
+                                      <p:tavLst>
+                                        <p:tav tm="0">
+                                          <p:val>
+                                            <p:fltVal val="90"/>
+                                          </p:val>
+                                        </p:tav>
+                                        <p:tav tm="100000">
+                                          <p:val>
+                                            <p:fltVal val="0"/>
+                                          </p:val>
+                                        </p:tav>
+                                      </p:tavLst>
+                                    </p:anim>
+                                    <p:animEffect transition="in" filter="fade">
+                                      <p:cBhvr>
+                                        <p:cTn id="10" dur="3000"/>
+                                        <p:tgtEl>
+                                          <p:spTgt spid="2"/>
+                                        </p:tgtEl>
+                                      </p:cBhvr>
+                                    </p:animEffect>
+                                  </p:childTnLst>
+                                </p:cTn>
+                              </p:par>
+                            </p:childTnLst>
+                          </p:cTn>
+                        </p:par>
+                      </p:childTnLst>
+                    </p:cTn>
+                  </p:par>
+                  <p:par>
+                    <p:cTn id="11" fill="hold">
+                      <p:stCondLst>
+                        <p:cond delay="indefinite"/>
+                      </p:stCondLst>
+                      <p:childTnLst>
+                        <p:par>
+                          <p:cTn id="12" fill="hold">
+                            <p:stCondLst>
+                              <p:cond delay="0"/>
+                            </p:stCondLst>
+                            <p:childTnLst>
+                              <p:par>
+                                <p:cTn id="13" presetID="45" presetClass="entr" presetSubtype="0" fill="hold" grpId="0" nodeType="clickEffect">
+                                  <p:stCondLst>
+                                    <p:cond delay="250"/>
+                                  </p:stCondLst>
+                                  <p:childTnLst>
+                                    <p:set>
+                                      <p:cBhvr>
+                                        <p:cTn id="14" dur="1" fill="hold">
+                                          <p:stCondLst>
+                                            <p:cond delay="0"/>
+                                          </p:stCondLst>
+                                        </p:cTn>
+                                        <p:tgtEl>
+                                          <p:spTgt spid="3">
+                                            <p:txEl>
+                                              <p:pRg st="0" end="0"/>
+                                            </p:txEl>
+                                          </p:spTgt>
+                                        </p:tgtEl>
+                                        <p:attrNameLst>
+                                          <p:attrName>style.visibility</p:attrName>
+                                        </p:attrNameLst>
+                                      </p:cBhvr>
+                                      <p:to>
+                                        <p:strVal val="visible"/>
+                                      </p:to>
+                                    </p:set>
+                                    <p:animEffect transition="in" filter="fade">
+                                      <p:cBhvr>
+                                        <p:cTn id="15" dur="2000"/>
+                                        <p:tgtEl>
+                                          <p:spTgt spid="3">
+                                            <p:txEl>
+                                              <p:pRg st="0" end="0"/>
+                                            </p:txEl>
+                                          </p:spTgt>
+                                        </p:tgtEl>
+                                      </p:cBhvr>
+                                    </p:animEffect>
+                                    <p:anim calcmode="lin" valueType="num">
+                                      <p:cBhvr>
+                                        <p:cTn id="16" dur="2000" fill="hold"/>
+                                        <p:tgtEl>
+                                          <p:spTgt spid="3">
+                                            <p:txEl>
+                                              <p:pRg st="0" end="0"/>
+                                            </p:txEl>
+                                          </p:spTgt>
+                                        </p:tgtEl>
+                                        <p:attrNameLst>
+                                          <p:attrName>ppt_w</p:attrName>
+                                        </p:attrNameLst>
+                                      </p:cBhvr>
+                                      <p:tavLst>
+                                        <p:tav tm="0" fmla="#ppt_w*sin(2.5*pi*$)">
+                                          <p:val>
+                                            <p:fltVal val="0"/>
+                                          </p:val>
+                                        </p:tav>
+                                        <p:tav tm="100000">
+                                          <p:val>
+                                            <p:fltVal val="1"/>
+                                          </p:val>
+                                        </p:tav>
+                                      </p:tavLst>
+                                    </p:anim>
+                                    <p:anim calcmode="lin" valueType="num">
+                                      <p:cBhvr>
+                                        <p:cTn id="17" dur="2000" fill="hold"/>
+                                        <p:tgtEl>
+                                          <p:spTgt spid="3">
+                                            <p:txEl>
+                                              <p:pRg st="0" end="0"/>
+                                            </p:txEl>
+                                          </p:spTgt>
+                                        </p:tgtEl>
+                                        <p:attrNameLst>
+                                          <p:attrName>ppt_h</p:attrName>
+                                        </p:attrNameLst>
+                                      </p:cBhvr>
+                                      <p:tavLst>
+                                        <p:tav tm="0">
+                                          <p:val>
+                                            <p:strVal val="#ppt_h"/>
+                                          </p:val>
+                                        </p:tav>
+                                        <p:tav tm="100000">
+                                          <p:val>
+                                            <p:strVal val="#ppt_h"/>
+                                          </p:val>
+                                        </p:tav>
+                                      </p:tavLst>
+                                    </p:anim>
+                                  </p:childTnLst>
+                                </p:cTn>
+                              </p:par>
+                            </p:childTnLst>
+                          </p:cTn>
+                        </p:par>
+                      </p:childTnLst>
+                    </p:cTn>
+                  </p:par>
+                </p:childTnLst>
+              </p:cTn>
+              <p:prevCondLst>
+                <p:cond evt="onPrev" delay="0">
+                  <p:tgtEl>
+                    <p:sldTgt/>
+                  </p:tgtEl>
+                </p:cond>
+              </p:prevCondLst>
+              <p:nextCondLst>
+                <p:cond evt="onNext" delay="0">
+                  <p:tgtEl>
+                    <p:sldTgt/>
+                  </p:tgtEl>
+                </p:cond>
+              </p:nextCondLst>
+            </p:seq>
+          </p:childTnLst>
+        </p:cTn>
+      </p:par>
+    </p:tnLst>
+    <p:bldLst>
+      <p:bldP spid="2" grpId="0"/>
+      <p:bldP spid="3" grpId="0" build="p"/>
+    </p:bldLst>
+  </p:timing>
 </p:sld>
 </file>
 
@@ -12666,7 +16256,28 @@
           <a:bodyPr/>
           <a:lstStyle/>
           <a:p>
-            <a:endParaRPr lang="en-US"/>
+            <a:pPr marL="0" indent="0">
+              <a:buNone/>
+            </a:pPr>
+            <a:r>
+              <a:rPr lang="en-US" dirty="0"/>
+              <a:t>A routine is a sequence of actions regularly followed. Some people would go as far as to call them daily rituals.</a:t>
+            </a:r>
+          </a:p>
+          <a:p>
+            <a:pPr marL="0" indent="0">
+              <a:buNone/>
+            </a:pPr>
+            <a:endParaRPr lang="en-US" dirty="0"/>
+          </a:p>
+          <a:p>
+            <a:pPr marL="0" indent="0">
+              <a:buNone/>
+            </a:pPr>
+            <a:r>
+              <a:rPr lang="en-US" dirty="0"/>
+              <a:t>Whether you know it or not, you follow routines all the time. Class schedule? That’s a routine. Always getting up at the same time? That’s a routine. Playing video games instead of getting sleep every night? You guessed it, that’s a routine too. </a:t>
+            </a:r>
           </a:p>
         </p:txBody>
       </p:sp>
@@ -12680,6 +16291,372 @@
   <p:clrMapOvr>
     <a:masterClrMapping/>
   </p:clrMapOvr>
+  <p:transition spd="slow">
+    <p:push dir="u"/>
+  </p:transition>
+  <p:timing>
+    <p:tnLst>
+      <p:par>
+        <p:cTn id="1" dur="indefinite" restart="never" nodeType="tmRoot">
+          <p:childTnLst>
+            <p:seq concurrent="1" nextAc="seek">
+              <p:cTn id="2" dur="indefinite" nodeType="mainSeq">
+                <p:childTnLst>
+                  <p:par>
+                    <p:cTn id="3" fill="hold">
+                      <p:stCondLst>
+                        <p:cond delay="indefinite"/>
+                      </p:stCondLst>
+                      <p:childTnLst>
+                        <p:par>
+                          <p:cTn id="4" fill="hold">
+                            <p:stCondLst>
+                              <p:cond delay="0"/>
+                            </p:stCondLst>
+                            <p:childTnLst>
+                              <p:par>
+                                <p:cTn id="5" presetID="53" presetClass="entr" presetSubtype="16" fill="hold" grpId="0" nodeType="clickEffect">
+                                  <p:stCondLst>
+                                    <p:cond delay="0"/>
+                                  </p:stCondLst>
+                                  <p:childTnLst>
+                                    <p:set>
+                                      <p:cBhvr>
+                                        <p:cTn id="6" dur="1" fill="hold">
+                                          <p:stCondLst>
+                                            <p:cond delay="0"/>
+                                          </p:stCondLst>
+                                        </p:cTn>
+                                        <p:tgtEl>
+                                          <p:spTgt spid="2"/>
+                                        </p:tgtEl>
+                                        <p:attrNameLst>
+                                          <p:attrName>style.visibility</p:attrName>
+                                        </p:attrNameLst>
+                                      </p:cBhvr>
+                                      <p:to>
+                                        <p:strVal val="visible"/>
+                                      </p:to>
+                                    </p:set>
+                                    <p:anim calcmode="lin" valueType="num">
+                                      <p:cBhvr>
+                                        <p:cTn id="7" dur="1000" fill="hold"/>
+                                        <p:tgtEl>
+                                          <p:spTgt spid="2"/>
+                                        </p:tgtEl>
+                                        <p:attrNameLst>
+                                          <p:attrName>ppt_w</p:attrName>
+                                        </p:attrNameLst>
+                                      </p:cBhvr>
+                                      <p:tavLst>
+                                        <p:tav tm="0">
+                                          <p:val>
+                                            <p:fltVal val="0"/>
+                                          </p:val>
+                                        </p:tav>
+                                        <p:tav tm="100000">
+                                          <p:val>
+                                            <p:strVal val="#ppt_w"/>
+                                          </p:val>
+                                        </p:tav>
+                                      </p:tavLst>
+                                    </p:anim>
+                                    <p:anim calcmode="lin" valueType="num">
+                                      <p:cBhvr>
+                                        <p:cTn id="8" dur="1000" fill="hold"/>
+                                        <p:tgtEl>
+                                          <p:spTgt spid="2"/>
+                                        </p:tgtEl>
+                                        <p:attrNameLst>
+                                          <p:attrName>ppt_h</p:attrName>
+                                        </p:attrNameLst>
+                                      </p:cBhvr>
+                                      <p:tavLst>
+                                        <p:tav tm="0">
+                                          <p:val>
+                                            <p:fltVal val="0"/>
+                                          </p:val>
+                                        </p:tav>
+                                        <p:tav tm="100000">
+                                          <p:val>
+                                            <p:strVal val="#ppt_h"/>
+                                          </p:val>
+                                        </p:tav>
+                                      </p:tavLst>
+                                    </p:anim>
+                                    <p:animEffect transition="in" filter="fade">
+                                      <p:cBhvr>
+                                        <p:cTn id="9" dur="1000"/>
+                                        <p:tgtEl>
+                                          <p:spTgt spid="2"/>
+                                        </p:tgtEl>
+                                      </p:cBhvr>
+                                    </p:animEffect>
+                                  </p:childTnLst>
+                                </p:cTn>
+                              </p:par>
+                            </p:childTnLst>
+                          </p:cTn>
+                        </p:par>
+                      </p:childTnLst>
+                    </p:cTn>
+                  </p:par>
+                  <p:par>
+                    <p:cTn id="10" fill="hold">
+                      <p:stCondLst>
+                        <p:cond delay="indefinite"/>
+                      </p:stCondLst>
+                      <p:childTnLst>
+                        <p:par>
+                          <p:cTn id="11" fill="hold">
+                            <p:stCondLst>
+                              <p:cond delay="0"/>
+                            </p:stCondLst>
+                            <p:childTnLst>
+                              <p:par>
+                                <p:cTn id="12" presetID="53" presetClass="entr" presetSubtype="16" fill="hold" grpId="0" nodeType="clickEffect">
+                                  <p:stCondLst>
+                                    <p:cond delay="0"/>
+                                  </p:stCondLst>
+                                  <p:childTnLst>
+                                    <p:set>
+                                      <p:cBhvr>
+                                        <p:cTn id="13" dur="1" fill="hold">
+                                          <p:stCondLst>
+                                            <p:cond delay="0"/>
+                                          </p:stCondLst>
+                                        </p:cTn>
+                                        <p:tgtEl>
+                                          <p:spTgt spid="3">
+                                            <p:txEl>
+                                              <p:pRg st="0" end="0"/>
+                                            </p:txEl>
+                                          </p:spTgt>
+                                        </p:tgtEl>
+                                        <p:attrNameLst>
+                                          <p:attrName>style.visibility</p:attrName>
+                                        </p:attrNameLst>
+                                      </p:cBhvr>
+                                      <p:to>
+                                        <p:strVal val="visible"/>
+                                      </p:to>
+                                    </p:set>
+                                    <p:anim calcmode="lin" valueType="num">
+                                      <p:cBhvr>
+                                        <p:cTn id="14" dur="1500" fill="hold"/>
+                                        <p:tgtEl>
+                                          <p:spTgt spid="3">
+                                            <p:txEl>
+                                              <p:pRg st="0" end="0"/>
+                                            </p:txEl>
+                                          </p:spTgt>
+                                        </p:tgtEl>
+                                        <p:attrNameLst>
+                                          <p:attrName>ppt_w</p:attrName>
+                                        </p:attrNameLst>
+                                      </p:cBhvr>
+                                      <p:tavLst>
+                                        <p:tav tm="0">
+                                          <p:val>
+                                            <p:fltVal val="0"/>
+                                          </p:val>
+                                        </p:tav>
+                                        <p:tav tm="100000">
+                                          <p:val>
+                                            <p:strVal val="#ppt_w"/>
+                                          </p:val>
+                                        </p:tav>
+                                      </p:tavLst>
+                                    </p:anim>
+                                    <p:anim calcmode="lin" valueType="num">
+                                      <p:cBhvr>
+                                        <p:cTn id="15" dur="1500" fill="hold"/>
+                                        <p:tgtEl>
+                                          <p:spTgt spid="3">
+                                            <p:txEl>
+                                              <p:pRg st="0" end="0"/>
+                                            </p:txEl>
+                                          </p:spTgt>
+                                        </p:tgtEl>
+                                        <p:attrNameLst>
+                                          <p:attrName>ppt_h</p:attrName>
+                                        </p:attrNameLst>
+                                      </p:cBhvr>
+                                      <p:tavLst>
+                                        <p:tav tm="0">
+                                          <p:val>
+                                            <p:fltVal val="0"/>
+                                          </p:val>
+                                        </p:tav>
+                                        <p:tav tm="100000">
+                                          <p:val>
+                                            <p:strVal val="#ppt_h"/>
+                                          </p:val>
+                                        </p:tav>
+                                      </p:tavLst>
+                                    </p:anim>
+                                    <p:animEffect transition="in" filter="fade">
+                                      <p:cBhvr>
+                                        <p:cTn id="16" dur="1500"/>
+                                        <p:tgtEl>
+                                          <p:spTgt spid="3">
+                                            <p:txEl>
+                                              <p:pRg st="0" end="0"/>
+                                            </p:txEl>
+                                          </p:spTgt>
+                                        </p:tgtEl>
+                                      </p:cBhvr>
+                                    </p:animEffect>
+                                  </p:childTnLst>
+                                </p:cTn>
+                              </p:par>
+                            </p:childTnLst>
+                          </p:cTn>
+                        </p:par>
+                      </p:childTnLst>
+                    </p:cTn>
+                  </p:par>
+                  <p:par>
+                    <p:cTn id="17" fill="hold">
+                      <p:stCondLst>
+                        <p:cond delay="indefinite"/>
+                      </p:stCondLst>
+                      <p:childTnLst>
+                        <p:par>
+                          <p:cTn id="18" fill="hold">
+                            <p:stCondLst>
+                              <p:cond delay="0"/>
+                            </p:stCondLst>
+                            <p:childTnLst>
+                              <p:par>
+                                <p:cTn id="19" presetID="53" presetClass="entr" presetSubtype="16" fill="hold" grpId="0" nodeType="clickEffect">
+                                  <p:stCondLst>
+                                    <p:cond delay="0"/>
+                                  </p:stCondLst>
+                                  <p:childTnLst>
+                                    <p:set>
+                                      <p:cBhvr>
+                                        <p:cTn id="20" dur="1" fill="hold">
+                                          <p:stCondLst>
+                                            <p:cond delay="0"/>
+                                          </p:stCondLst>
+                                        </p:cTn>
+                                        <p:tgtEl>
+                                          <p:spTgt spid="3">
+                                            <p:txEl>
+                                              <p:pRg st="2" end="2"/>
+                                            </p:txEl>
+                                          </p:spTgt>
+                                        </p:tgtEl>
+                                        <p:attrNameLst>
+                                          <p:attrName>style.visibility</p:attrName>
+                                        </p:attrNameLst>
+                                      </p:cBhvr>
+                                      <p:to>
+                                        <p:strVal val="visible"/>
+                                      </p:to>
+                                    </p:set>
+                                    <p:anim calcmode="lin" valueType="num">
+                                      <p:cBhvr>
+                                        <p:cTn id="21" dur="1500" fill="hold"/>
+                                        <p:tgtEl>
+                                          <p:spTgt spid="3">
+                                            <p:txEl>
+                                              <p:pRg st="2" end="2"/>
+                                            </p:txEl>
+                                          </p:spTgt>
+                                        </p:tgtEl>
+                                        <p:attrNameLst>
+                                          <p:attrName>ppt_w</p:attrName>
+                                        </p:attrNameLst>
+                                      </p:cBhvr>
+                                      <p:tavLst>
+                                        <p:tav tm="0">
+                                          <p:val>
+                                            <p:fltVal val="0"/>
+                                          </p:val>
+                                        </p:tav>
+                                        <p:tav tm="100000">
+                                          <p:val>
+                                            <p:strVal val="#ppt_w"/>
+                                          </p:val>
+                                        </p:tav>
+                                      </p:tavLst>
+                                    </p:anim>
+                                    <p:anim calcmode="lin" valueType="num">
+                                      <p:cBhvr>
+                                        <p:cTn id="22" dur="1500" fill="hold"/>
+                                        <p:tgtEl>
+                                          <p:spTgt spid="3">
+                                            <p:txEl>
+                                              <p:pRg st="2" end="2"/>
+                                            </p:txEl>
+                                          </p:spTgt>
+                                        </p:tgtEl>
+                                        <p:attrNameLst>
+                                          <p:attrName>ppt_h</p:attrName>
+                                        </p:attrNameLst>
+                                      </p:cBhvr>
+                                      <p:tavLst>
+                                        <p:tav tm="0">
+                                          <p:val>
+                                            <p:fltVal val="0"/>
+                                          </p:val>
+                                        </p:tav>
+                                        <p:tav tm="100000">
+                                          <p:val>
+                                            <p:strVal val="#ppt_h"/>
+                                          </p:val>
+                                        </p:tav>
+                                      </p:tavLst>
+                                    </p:anim>
+                                    <p:animEffect transition="in" filter="fade">
+                                      <p:cBhvr>
+                                        <p:cTn id="23" dur="1500"/>
+                                        <p:tgtEl>
+                                          <p:spTgt spid="3">
+                                            <p:txEl>
+                                              <p:pRg st="2" end="2"/>
+                                            </p:txEl>
+                                          </p:spTgt>
+                                        </p:tgtEl>
+                                      </p:cBhvr>
+                                    </p:animEffect>
+                                  </p:childTnLst>
+                                </p:cTn>
+                              </p:par>
+                            </p:childTnLst>
+                          </p:cTn>
+                        </p:par>
+                      </p:childTnLst>
+                    </p:cTn>
+                  </p:par>
+                </p:childTnLst>
+              </p:cTn>
+              <p:prevCondLst>
+                <p:cond evt="onPrev" delay="0">
+                  <p:tgtEl>
+                    <p:sldTgt/>
+                  </p:tgtEl>
+                </p:cond>
+              </p:prevCondLst>
+              <p:nextCondLst>
+                <p:cond evt="onNext" delay="0">
+                  <p:tgtEl>
+                    <p:sldTgt/>
+                  </p:tgtEl>
+                </p:cond>
+              </p:nextCondLst>
+            </p:seq>
+          </p:childTnLst>
+        </p:cTn>
+      </p:par>
+    </p:tnLst>
+    <p:bldLst>
+      <p:bldP spid="2" grpId="0"/>
+      <p:bldP spid="3" grpId="0" build="p"/>
+    </p:bldLst>
+  </p:timing>
 </p:sld>
 </file>
 
@@ -12749,7 +16726,28 @@
           <a:bodyPr/>
           <a:lstStyle/>
           <a:p>
-            <a:endParaRPr lang="en-US"/>
+            <a:pPr marL="0" indent="0">
+              <a:buNone/>
+            </a:pPr>
+            <a:r>
+              <a:rPr lang="en-US" dirty="0"/>
+              <a:t>Having a routine or multiple routines helps give your life structure so that you’re not a walking disaster. </a:t>
+            </a:r>
+          </a:p>
+          <a:p>
+            <a:pPr marL="0" indent="0">
+              <a:buNone/>
+            </a:pPr>
+            <a:endParaRPr lang="en-US" dirty="0"/>
+          </a:p>
+          <a:p>
+            <a:pPr marL="0" indent="0">
+              <a:buNone/>
+            </a:pPr>
+            <a:r>
+              <a:rPr lang="en-US" dirty="0"/>
+              <a:t>They also help you understand where you need to be or what you need to be doing, and when. </a:t>
+            </a:r>
           </a:p>
         </p:txBody>
       </p:sp>
@@ -12763,6 +16761,372 @@
   <p:clrMapOvr>
     <a:masterClrMapping/>
   </p:clrMapOvr>
+  <p:transition spd="slow">
+    <p:push dir="u"/>
+  </p:transition>
+  <p:timing>
+    <p:tnLst>
+      <p:par>
+        <p:cTn id="1" dur="indefinite" restart="never" nodeType="tmRoot">
+          <p:childTnLst>
+            <p:seq concurrent="1" nextAc="seek">
+              <p:cTn id="2" dur="indefinite" nodeType="mainSeq">
+                <p:childTnLst>
+                  <p:par>
+                    <p:cTn id="3" fill="hold">
+                      <p:stCondLst>
+                        <p:cond delay="indefinite"/>
+                      </p:stCondLst>
+                      <p:childTnLst>
+                        <p:par>
+                          <p:cTn id="4" fill="hold">
+                            <p:stCondLst>
+                              <p:cond delay="0"/>
+                            </p:stCondLst>
+                            <p:childTnLst>
+                              <p:par>
+                                <p:cTn id="5" presetID="53" presetClass="entr" presetSubtype="16" fill="hold" grpId="0" nodeType="clickEffect">
+                                  <p:stCondLst>
+                                    <p:cond delay="0"/>
+                                  </p:stCondLst>
+                                  <p:childTnLst>
+                                    <p:set>
+                                      <p:cBhvr>
+                                        <p:cTn id="6" dur="1" fill="hold">
+                                          <p:stCondLst>
+                                            <p:cond delay="0"/>
+                                          </p:stCondLst>
+                                        </p:cTn>
+                                        <p:tgtEl>
+                                          <p:spTgt spid="2"/>
+                                        </p:tgtEl>
+                                        <p:attrNameLst>
+                                          <p:attrName>style.visibility</p:attrName>
+                                        </p:attrNameLst>
+                                      </p:cBhvr>
+                                      <p:to>
+                                        <p:strVal val="visible"/>
+                                      </p:to>
+                                    </p:set>
+                                    <p:anim calcmode="lin" valueType="num">
+                                      <p:cBhvr>
+                                        <p:cTn id="7" dur="1000" fill="hold"/>
+                                        <p:tgtEl>
+                                          <p:spTgt spid="2"/>
+                                        </p:tgtEl>
+                                        <p:attrNameLst>
+                                          <p:attrName>ppt_w</p:attrName>
+                                        </p:attrNameLst>
+                                      </p:cBhvr>
+                                      <p:tavLst>
+                                        <p:tav tm="0">
+                                          <p:val>
+                                            <p:fltVal val="0"/>
+                                          </p:val>
+                                        </p:tav>
+                                        <p:tav tm="100000">
+                                          <p:val>
+                                            <p:strVal val="#ppt_w"/>
+                                          </p:val>
+                                        </p:tav>
+                                      </p:tavLst>
+                                    </p:anim>
+                                    <p:anim calcmode="lin" valueType="num">
+                                      <p:cBhvr>
+                                        <p:cTn id="8" dur="1000" fill="hold"/>
+                                        <p:tgtEl>
+                                          <p:spTgt spid="2"/>
+                                        </p:tgtEl>
+                                        <p:attrNameLst>
+                                          <p:attrName>ppt_h</p:attrName>
+                                        </p:attrNameLst>
+                                      </p:cBhvr>
+                                      <p:tavLst>
+                                        <p:tav tm="0">
+                                          <p:val>
+                                            <p:fltVal val="0"/>
+                                          </p:val>
+                                        </p:tav>
+                                        <p:tav tm="100000">
+                                          <p:val>
+                                            <p:strVal val="#ppt_h"/>
+                                          </p:val>
+                                        </p:tav>
+                                      </p:tavLst>
+                                    </p:anim>
+                                    <p:animEffect transition="in" filter="fade">
+                                      <p:cBhvr>
+                                        <p:cTn id="9" dur="1000"/>
+                                        <p:tgtEl>
+                                          <p:spTgt spid="2"/>
+                                        </p:tgtEl>
+                                      </p:cBhvr>
+                                    </p:animEffect>
+                                  </p:childTnLst>
+                                </p:cTn>
+                              </p:par>
+                            </p:childTnLst>
+                          </p:cTn>
+                        </p:par>
+                      </p:childTnLst>
+                    </p:cTn>
+                  </p:par>
+                  <p:par>
+                    <p:cTn id="10" fill="hold">
+                      <p:stCondLst>
+                        <p:cond delay="indefinite"/>
+                      </p:stCondLst>
+                      <p:childTnLst>
+                        <p:par>
+                          <p:cTn id="11" fill="hold">
+                            <p:stCondLst>
+                              <p:cond delay="0"/>
+                            </p:stCondLst>
+                            <p:childTnLst>
+                              <p:par>
+                                <p:cTn id="12" presetID="53" presetClass="entr" presetSubtype="16" fill="hold" grpId="0" nodeType="clickEffect">
+                                  <p:stCondLst>
+                                    <p:cond delay="0"/>
+                                  </p:stCondLst>
+                                  <p:childTnLst>
+                                    <p:set>
+                                      <p:cBhvr>
+                                        <p:cTn id="13" dur="1" fill="hold">
+                                          <p:stCondLst>
+                                            <p:cond delay="0"/>
+                                          </p:stCondLst>
+                                        </p:cTn>
+                                        <p:tgtEl>
+                                          <p:spTgt spid="3">
+                                            <p:txEl>
+                                              <p:pRg st="0" end="0"/>
+                                            </p:txEl>
+                                          </p:spTgt>
+                                        </p:tgtEl>
+                                        <p:attrNameLst>
+                                          <p:attrName>style.visibility</p:attrName>
+                                        </p:attrNameLst>
+                                      </p:cBhvr>
+                                      <p:to>
+                                        <p:strVal val="visible"/>
+                                      </p:to>
+                                    </p:set>
+                                    <p:anim calcmode="lin" valueType="num">
+                                      <p:cBhvr>
+                                        <p:cTn id="14" dur="1500" fill="hold"/>
+                                        <p:tgtEl>
+                                          <p:spTgt spid="3">
+                                            <p:txEl>
+                                              <p:pRg st="0" end="0"/>
+                                            </p:txEl>
+                                          </p:spTgt>
+                                        </p:tgtEl>
+                                        <p:attrNameLst>
+                                          <p:attrName>ppt_w</p:attrName>
+                                        </p:attrNameLst>
+                                      </p:cBhvr>
+                                      <p:tavLst>
+                                        <p:tav tm="0">
+                                          <p:val>
+                                            <p:fltVal val="0"/>
+                                          </p:val>
+                                        </p:tav>
+                                        <p:tav tm="100000">
+                                          <p:val>
+                                            <p:strVal val="#ppt_w"/>
+                                          </p:val>
+                                        </p:tav>
+                                      </p:tavLst>
+                                    </p:anim>
+                                    <p:anim calcmode="lin" valueType="num">
+                                      <p:cBhvr>
+                                        <p:cTn id="15" dur="1500" fill="hold"/>
+                                        <p:tgtEl>
+                                          <p:spTgt spid="3">
+                                            <p:txEl>
+                                              <p:pRg st="0" end="0"/>
+                                            </p:txEl>
+                                          </p:spTgt>
+                                        </p:tgtEl>
+                                        <p:attrNameLst>
+                                          <p:attrName>ppt_h</p:attrName>
+                                        </p:attrNameLst>
+                                      </p:cBhvr>
+                                      <p:tavLst>
+                                        <p:tav tm="0">
+                                          <p:val>
+                                            <p:fltVal val="0"/>
+                                          </p:val>
+                                        </p:tav>
+                                        <p:tav tm="100000">
+                                          <p:val>
+                                            <p:strVal val="#ppt_h"/>
+                                          </p:val>
+                                        </p:tav>
+                                      </p:tavLst>
+                                    </p:anim>
+                                    <p:animEffect transition="in" filter="fade">
+                                      <p:cBhvr>
+                                        <p:cTn id="16" dur="1500"/>
+                                        <p:tgtEl>
+                                          <p:spTgt spid="3">
+                                            <p:txEl>
+                                              <p:pRg st="0" end="0"/>
+                                            </p:txEl>
+                                          </p:spTgt>
+                                        </p:tgtEl>
+                                      </p:cBhvr>
+                                    </p:animEffect>
+                                  </p:childTnLst>
+                                </p:cTn>
+                              </p:par>
+                            </p:childTnLst>
+                          </p:cTn>
+                        </p:par>
+                      </p:childTnLst>
+                    </p:cTn>
+                  </p:par>
+                  <p:par>
+                    <p:cTn id="17" fill="hold">
+                      <p:stCondLst>
+                        <p:cond delay="indefinite"/>
+                      </p:stCondLst>
+                      <p:childTnLst>
+                        <p:par>
+                          <p:cTn id="18" fill="hold">
+                            <p:stCondLst>
+                              <p:cond delay="0"/>
+                            </p:stCondLst>
+                            <p:childTnLst>
+                              <p:par>
+                                <p:cTn id="19" presetID="53" presetClass="entr" presetSubtype="16" fill="hold" grpId="0" nodeType="clickEffect">
+                                  <p:stCondLst>
+                                    <p:cond delay="0"/>
+                                  </p:stCondLst>
+                                  <p:childTnLst>
+                                    <p:set>
+                                      <p:cBhvr>
+                                        <p:cTn id="20" dur="1" fill="hold">
+                                          <p:stCondLst>
+                                            <p:cond delay="0"/>
+                                          </p:stCondLst>
+                                        </p:cTn>
+                                        <p:tgtEl>
+                                          <p:spTgt spid="3">
+                                            <p:txEl>
+                                              <p:pRg st="2" end="2"/>
+                                            </p:txEl>
+                                          </p:spTgt>
+                                        </p:tgtEl>
+                                        <p:attrNameLst>
+                                          <p:attrName>style.visibility</p:attrName>
+                                        </p:attrNameLst>
+                                      </p:cBhvr>
+                                      <p:to>
+                                        <p:strVal val="visible"/>
+                                      </p:to>
+                                    </p:set>
+                                    <p:anim calcmode="lin" valueType="num">
+                                      <p:cBhvr>
+                                        <p:cTn id="21" dur="1500" fill="hold"/>
+                                        <p:tgtEl>
+                                          <p:spTgt spid="3">
+                                            <p:txEl>
+                                              <p:pRg st="2" end="2"/>
+                                            </p:txEl>
+                                          </p:spTgt>
+                                        </p:tgtEl>
+                                        <p:attrNameLst>
+                                          <p:attrName>ppt_w</p:attrName>
+                                        </p:attrNameLst>
+                                      </p:cBhvr>
+                                      <p:tavLst>
+                                        <p:tav tm="0">
+                                          <p:val>
+                                            <p:fltVal val="0"/>
+                                          </p:val>
+                                        </p:tav>
+                                        <p:tav tm="100000">
+                                          <p:val>
+                                            <p:strVal val="#ppt_w"/>
+                                          </p:val>
+                                        </p:tav>
+                                      </p:tavLst>
+                                    </p:anim>
+                                    <p:anim calcmode="lin" valueType="num">
+                                      <p:cBhvr>
+                                        <p:cTn id="22" dur="1500" fill="hold"/>
+                                        <p:tgtEl>
+                                          <p:spTgt spid="3">
+                                            <p:txEl>
+                                              <p:pRg st="2" end="2"/>
+                                            </p:txEl>
+                                          </p:spTgt>
+                                        </p:tgtEl>
+                                        <p:attrNameLst>
+                                          <p:attrName>ppt_h</p:attrName>
+                                        </p:attrNameLst>
+                                      </p:cBhvr>
+                                      <p:tavLst>
+                                        <p:tav tm="0">
+                                          <p:val>
+                                            <p:fltVal val="0"/>
+                                          </p:val>
+                                        </p:tav>
+                                        <p:tav tm="100000">
+                                          <p:val>
+                                            <p:strVal val="#ppt_h"/>
+                                          </p:val>
+                                        </p:tav>
+                                      </p:tavLst>
+                                    </p:anim>
+                                    <p:animEffect transition="in" filter="fade">
+                                      <p:cBhvr>
+                                        <p:cTn id="23" dur="1500"/>
+                                        <p:tgtEl>
+                                          <p:spTgt spid="3">
+                                            <p:txEl>
+                                              <p:pRg st="2" end="2"/>
+                                            </p:txEl>
+                                          </p:spTgt>
+                                        </p:tgtEl>
+                                      </p:cBhvr>
+                                    </p:animEffect>
+                                  </p:childTnLst>
+                                </p:cTn>
+                              </p:par>
+                            </p:childTnLst>
+                          </p:cTn>
+                        </p:par>
+                      </p:childTnLst>
+                    </p:cTn>
+                  </p:par>
+                </p:childTnLst>
+              </p:cTn>
+              <p:prevCondLst>
+                <p:cond evt="onPrev" delay="0">
+                  <p:tgtEl>
+                    <p:sldTgt/>
+                  </p:tgtEl>
+                </p:cond>
+              </p:prevCondLst>
+              <p:nextCondLst>
+                <p:cond evt="onNext" delay="0">
+                  <p:tgtEl>
+                    <p:sldTgt/>
+                  </p:tgtEl>
+                </p:cond>
+              </p:nextCondLst>
+            </p:seq>
+          </p:childTnLst>
+        </p:cTn>
+      </p:par>
+    </p:tnLst>
+    <p:bldLst>
+      <p:bldP spid="2" grpId="0"/>
+      <p:bldP spid="3" grpId="0" build="p"/>
+    </p:bldLst>
+  </p:timing>
 </p:sld>
 </file>
 
@@ -12806,7 +17170,7 @@
           <a:p>
             <a:r>
               <a:rPr lang="en-US" dirty="0"/>
-              <a:t>How do you make one</a:t>
+              <a:t>How do you make one?</a:t>
             </a:r>
           </a:p>
         </p:txBody>
@@ -12827,12 +17191,55 @@
             <p:ph idx="1"/>
           </p:nvPr>
         </p:nvSpPr>
-        <p:spPr/>
+        <p:spPr>
+          <a:xfrm>
+            <a:off x="1141412" y="2249486"/>
+            <a:ext cx="9905999" cy="3639585"/>
+          </a:xfrm>
+        </p:spPr>
         <p:txBody>
-          <a:bodyPr/>
+          <a:bodyPr>
+            <a:normAutofit lnSpcReduction="10000"/>
+          </a:bodyPr>
           <a:lstStyle/>
           <a:p>
-            <a:endParaRPr lang="en-US"/>
+            <a:pPr marL="0" indent="0">
+              <a:buNone/>
+            </a:pPr>
+            <a:r>
+              <a:rPr lang="en-US" dirty="0"/>
+              <a:t>Making a routine is really simple! </a:t>
+            </a:r>
+          </a:p>
+          <a:p>
+            <a:pPr marL="0" indent="0">
+              <a:buNone/>
+            </a:pPr>
+            <a:endParaRPr lang="en-US" dirty="0"/>
+          </a:p>
+          <a:p>
+            <a:pPr marL="0" indent="0">
+              <a:buNone/>
+            </a:pPr>
+            <a:r>
+              <a:rPr lang="en-US" dirty="0"/>
+              <a:t>Take all the things you do each day, we’ll call them your tasks, and put them in a list in the order you usually do those things. BAM! You’ve just made a routine. </a:t>
+            </a:r>
+          </a:p>
+          <a:p>
+            <a:pPr marL="0" indent="0">
+              <a:buNone/>
+            </a:pPr>
+            <a:endParaRPr lang="en-US" dirty="0"/>
+          </a:p>
+          <a:p>
+            <a:pPr marL="0" indent="0">
+              <a:buNone/>
+            </a:pPr>
+            <a:r>
+              <a:rPr lang="en-US" dirty="0"/>
+              <a:t>Now the hard part. Actually following it. But first some routine examples, incase this slide didn’t make sense to you.</a:t>
+            </a:r>
           </a:p>
         </p:txBody>
       </p:sp>
@@ -12846,6 +17253,487 @@
   <p:clrMapOvr>
     <a:masterClrMapping/>
   </p:clrMapOvr>
+  <p:transition spd="slow">
+    <p:push dir="u"/>
+  </p:transition>
+  <p:timing>
+    <p:tnLst>
+      <p:par>
+        <p:cTn id="1" dur="indefinite" restart="never" nodeType="tmRoot">
+          <p:childTnLst>
+            <p:seq concurrent="1" nextAc="seek">
+              <p:cTn id="2" dur="indefinite" nodeType="mainSeq">
+                <p:childTnLst>
+                  <p:par>
+                    <p:cTn id="3" fill="hold">
+                      <p:stCondLst>
+                        <p:cond delay="indefinite"/>
+                      </p:stCondLst>
+                      <p:childTnLst>
+                        <p:par>
+                          <p:cTn id="4" fill="hold">
+                            <p:stCondLst>
+                              <p:cond delay="0"/>
+                            </p:stCondLst>
+                            <p:childTnLst>
+                              <p:par>
+                                <p:cTn id="5" presetID="53" presetClass="entr" presetSubtype="16" fill="hold" grpId="0" nodeType="clickEffect">
+                                  <p:stCondLst>
+                                    <p:cond delay="0"/>
+                                  </p:stCondLst>
+                                  <p:childTnLst>
+                                    <p:set>
+                                      <p:cBhvr>
+                                        <p:cTn id="6" dur="1" fill="hold">
+                                          <p:stCondLst>
+                                            <p:cond delay="0"/>
+                                          </p:stCondLst>
+                                        </p:cTn>
+                                        <p:tgtEl>
+                                          <p:spTgt spid="2"/>
+                                        </p:tgtEl>
+                                        <p:attrNameLst>
+                                          <p:attrName>style.visibility</p:attrName>
+                                        </p:attrNameLst>
+                                      </p:cBhvr>
+                                      <p:to>
+                                        <p:strVal val="visible"/>
+                                      </p:to>
+                                    </p:set>
+                                    <p:anim calcmode="lin" valueType="num">
+                                      <p:cBhvr>
+                                        <p:cTn id="7" dur="1000" fill="hold"/>
+                                        <p:tgtEl>
+                                          <p:spTgt spid="2"/>
+                                        </p:tgtEl>
+                                        <p:attrNameLst>
+                                          <p:attrName>ppt_w</p:attrName>
+                                        </p:attrNameLst>
+                                      </p:cBhvr>
+                                      <p:tavLst>
+                                        <p:tav tm="0">
+                                          <p:val>
+                                            <p:fltVal val="0"/>
+                                          </p:val>
+                                        </p:tav>
+                                        <p:tav tm="100000">
+                                          <p:val>
+                                            <p:strVal val="#ppt_w"/>
+                                          </p:val>
+                                        </p:tav>
+                                      </p:tavLst>
+                                    </p:anim>
+                                    <p:anim calcmode="lin" valueType="num">
+                                      <p:cBhvr>
+                                        <p:cTn id="8" dur="1000" fill="hold"/>
+                                        <p:tgtEl>
+                                          <p:spTgt spid="2"/>
+                                        </p:tgtEl>
+                                        <p:attrNameLst>
+                                          <p:attrName>ppt_h</p:attrName>
+                                        </p:attrNameLst>
+                                      </p:cBhvr>
+                                      <p:tavLst>
+                                        <p:tav tm="0">
+                                          <p:val>
+                                            <p:fltVal val="0"/>
+                                          </p:val>
+                                        </p:tav>
+                                        <p:tav tm="100000">
+                                          <p:val>
+                                            <p:strVal val="#ppt_h"/>
+                                          </p:val>
+                                        </p:tav>
+                                      </p:tavLst>
+                                    </p:anim>
+                                    <p:animEffect transition="in" filter="fade">
+                                      <p:cBhvr>
+                                        <p:cTn id="9" dur="1000"/>
+                                        <p:tgtEl>
+                                          <p:spTgt spid="2"/>
+                                        </p:tgtEl>
+                                      </p:cBhvr>
+                                    </p:animEffect>
+                                  </p:childTnLst>
+                                </p:cTn>
+                              </p:par>
+                            </p:childTnLst>
+                          </p:cTn>
+                        </p:par>
+                      </p:childTnLst>
+                    </p:cTn>
+                  </p:par>
+                  <p:par>
+                    <p:cTn id="10" fill="hold">
+                      <p:stCondLst>
+                        <p:cond delay="indefinite"/>
+                      </p:stCondLst>
+                      <p:childTnLst>
+                        <p:par>
+                          <p:cTn id="11" fill="hold">
+                            <p:stCondLst>
+                              <p:cond delay="0"/>
+                            </p:stCondLst>
+                            <p:childTnLst>
+                              <p:par>
+                                <p:cTn id="12" presetID="53" presetClass="entr" presetSubtype="16" fill="hold" grpId="0" nodeType="clickEffect">
+                                  <p:stCondLst>
+                                    <p:cond delay="250"/>
+                                  </p:stCondLst>
+                                  <p:childTnLst>
+                                    <p:set>
+                                      <p:cBhvr>
+                                        <p:cTn id="13" dur="1" fill="hold">
+                                          <p:stCondLst>
+                                            <p:cond delay="0"/>
+                                          </p:stCondLst>
+                                        </p:cTn>
+                                        <p:tgtEl>
+                                          <p:spTgt spid="3">
+                                            <p:txEl>
+                                              <p:pRg st="0" end="0"/>
+                                            </p:txEl>
+                                          </p:spTgt>
+                                        </p:tgtEl>
+                                        <p:attrNameLst>
+                                          <p:attrName>style.visibility</p:attrName>
+                                        </p:attrNameLst>
+                                      </p:cBhvr>
+                                      <p:to>
+                                        <p:strVal val="visible"/>
+                                      </p:to>
+                                    </p:set>
+                                    <p:anim calcmode="lin" valueType="num">
+                                      <p:cBhvr>
+                                        <p:cTn id="14" dur="1500" fill="hold"/>
+                                        <p:tgtEl>
+                                          <p:spTgt spid="3">
+                                            <p:txEl>
+                                              <p:pRg st="0" end="0"/>
+                                            </p:txEl>
+                                          </p:spTgt>
+                                        </p:tgtEl>
+                                        <p:attrNameLst>
+                                          <p:attrName>ppt_w</p:attrName>
+                                        </p:attrNameLst>
+                                      </p:cBhvr>
+                                      <p:tavLst>
+                                        <p:tav tm="0">
+                                          <p:val>
+                                            <p:fltVal val="0"/>
+                                          </p:val>
+                                        </p:tav>
+                                        <p:tav tm="100000">
+                                          <p:val>
+                                            <p:strVal val="#ppt_w"/>
+                                          </p:val>
+                                        </p:tav>
+                                      </p:tavLst>
+                                    </p:anim>
+                                    <p:anim calcmode="lin" valueType="num">
+                                      <p:cBhvr>
+                                        <p:cTn id="15" dur="1500" fill="hold"/>
+                                        <p:tgtEl>
+                                          <p:spTgt spid="3">
+                                            <p:txEl>
+                                              <p:pRg st="0" end="0"/>
+                                            </p:txEl>
+                                          </p:spTgt>
+                                        </p:tgtEl>
+                                        <p:attrNameLst>
+                                          <p:attrName>ppt_h</p:attrName>
+                                        </p:attrNameLst>
+                                      </p:cBhvr>
+                                      <p:tavLst>
+                                        <p:tav tm="0">
+                                          <p:val>
+                                            <p:fltVal val="0"/>
+                                          </p:val>
+                                        </p:tav>
+                                        <p:tav tm="100000">
+                                          <p:val>
+                                            <p:strVal val="#ppt_h"/>
+                                          </p:val>
+                                        </p:tav>
+                                      </p:tavLst>
+                                    </p:anim>
+                                    <p:animEffect transition="in" filter="fade">
+                                      <p:cBhvr>
+                                        <p:cTn id="16" dur="1500"/>
+                                        <p:tgtEl>
+                                          <p:spTgt spid="3">
+                                            <p:txEl>
+                                              <p:pRg st="0" end="0"/>
+                                            </p:txEl>
+                                          </p:spTgt>
+                                        </p:tgtEl>
+                                      </p:cBhvr>
+                                    </p:animEffect>
+                                  </p:childTnLst>
+                                </p:cTn>
+                              </p:par>
+                            </p:childTnLst>
+                          </p:cTn>
+                        </p:par>
+                      </p:childTnLst>
+                    </p:cTn>
+                  </p:par>
+                  <p:par>
+                    <p:cTn id="17" fill="hold">
+                      <p:stCondLst>
+                        <p:cond delay="indefinite"/>
+                      </p:stCondLst>
+                      <p:childTnLst>
+                        <p:par>
+                          <p:cTn id="18" fill="hold">
+                            <p:stCondLst>
+                              <p:cond delay="0"/>
+                            </p:stCondLst>
+                            <p:childTnLst>
+                              <p:par>
+                                <p:cTn id="19" presetID="53" presetClass="entr" presetSubtype="16" fill="hold" grpId="0" nodeType="clickEffect">
+                                  <p:stCondLst>
+                                    <p:cond delay="0"/>
+                                  </p:stCondLst>
+                                  <p:childTnLst>
+                                    <p:set>
+                                      <p:cBhvr>
+                                        <p:cTn id="20" dur="1" fill="hold">
+                                          <p:stCondLst>
+                                            <p:cond delay="0"/>
+                                          </p:stCondLst>
+                                        </p:cTn>
+                                        <p:tgtEl>
+                                          <p:spTgt spid="3">
+                                            <p:txEl>
+                                              <p:pRg st="2" end="2"/>
+                                            </p:txEl>
+                                          </p:spTgt>
+                                        </p:tgtEl>
+                                        <p:attrNameLst>
+                                          <p:attrName>style.visibility</p:attrName>
+                                        </p:attrNameLst>
+                                      </p:cBhvr>
+                                      <p:to>
+                                        <p:strVal val="visible"/>
+                                      </p:to>
+                                    </p:set>
+                                    <p:anim calcmode="lin" valueType="num">
+                                      <p:cBhvr>
+                                        <p:cTn id="21" dur="1500" fill="hold"/>
+                                        <p:tgtEl>
+                                          <p:spTgt spid="3">
+                                            <p:txEl>
+                                              <p:pRg st="2" end="2"/>
+                                            </p:txEl>
+                                          </p:spTgt>
+                                        </p:tgtEl>
+                                        <p:attrNameLst>
+                                          <p:attrName>ppt_w</p:attrName>
+                                        </p:attrNameLst>
+                                      </p:cBhvr>
+                                      <p:tavLst>
+                                        <p:tav tm="0">
+                                          <p:val>
+                                            <p:fltVal val="0"/>
+                                          </p:val>
+                                        </p:tav>
+                                        <p:tav tm="100000">
+                                          <p:val>
+                                            <p:strVal val="#ppt_w"/>
+                                          </p:val>
+                                        </p:tav>
+                                      </p:tavLst>
+                                    </p:anim>
+                                    <p:anim calcmode="lin" valueType="num">
+                                      <p:cBhvr>
+                                        <p:cTn id="22" dur="1500" fill="hold"/>
+                                        <p:tgtEl>
+                                          <p:spTgt spid="3">
+                                            <p:txEl>
+                                              <p:pRg st="2" end="2"/>
+                                            </p:txEl>
+                                          </p:spTgt>
+                                        </p:tgtEl>
+                                        <p:attrNameLst>
+                                          <p:attrName>ppt_h</p:attrName>
+                                        </p:attrNameLst>
+                                      </p:cBhvr>
+                                      <p:tavLst>
+                                        <p:tav tm="0">
+                                          <p:val>
+                                            <p:fltVal val="0"/>
+                                          </p:val>
+                                        </p:tav>
+                                        <p:tav tm="100000">
+                                          <p:val>
+                                            <p:strVal val="#ppt_h"/>
+                                          </p:val>
+                                        </p:tav>
+                                      </p:tavLst>
+                                    </p:anim>
+                                    <p:animEffect transition="in" filter="fade">
+                                      <p:cBhvr>
+                                        <p:cTn id="23" dur="1500"/>
+                                        <p:tgtEl>
+                                          <p:spTgt spid="3">
+                                            <p:txEl>
+                                              <p:pRg st="2" end="2"/>
+                                            </p:txEl>
+                                          </p:spTgt>
+                                        </p:tgtEl>
+                                      </p:cBhvr>
+                                    </p:animEffect>
+                                  </p:childTnLst>
+                                </p:cTn>
+                              </p:par>
+                            </p:childTnLst>
+                          </p:cTn>
+                        </p:par>
+                      </p:childTnLst>
+                    </p:cTn>
+                  </p:par>
+                  <p:par>
+                    <p:cTn id="24" fill="hold">
+                      <p:stCondLst>
+                        <p:cond delay="indefinite"/>
+                      </p:stCondLst>
+                      <p:childTnLst>
+                        <p:par>
+                          <p:cTn id="25" fill="hold">
+                            <p:stCondLst>
+                              <p:cond delay="0"/>
+                            </p:stCondLst>
+                            <p:childTnLst>
+                              <p:par>
+                                <p:cTn id="26" presetID="53" presetClass="entr" presetSubtype="16" fill="hold" grpId="0" nodeType="clickEffect">
+                                  <p:stCondLst>
+                                    <p:cond delay="0"/>
+                                  </p:stCondLst>
+                                  <p:childTnLst>
+                                    <p:set>
+                                      <p:cBhvr>
+                                        <p:cTn id="27" dur="1" fill="hold">
+                                          <p:stCondLst>
+                                            <p:cond delay="0"/>
+                                          </p:stCondLst>
+                                        </p:cTn>
+                                        <p:tgtEl>
+                                          <p:spTgt spid="3">
+                                            <p:txEl>
+                                              <p:pRg st="4" end="4"/>
+                                            </p:txEl>
+                                          </p:spTgt>
+                                        </p:tgtEl>
+                                        <p:attrNameLst>
+                                          <p:attrName>style.visibility</p:attrName>
+                                        </p:attrNameLst>
+                                      </p:cBhvr>
+                                      <p:to>
+                                        <p:strVal val="visible"/>
+                                      </p:to>
+                                    </p:set>
+                                    <p:anim calcmode="lin" valueType="num">
+                                      <p:cBhvr>
+                                        <p:cTn id="28" dur="1500" fill="hold"/>
+                                        <p:tgtEl>
+                                          <p:spTgt spid="3">
+                                            <p:txEl>
+                                              <p:pRg st="4" end="4"/>
+                                            </p:txEl>
+                                          </p:spTgt>
+                                        </p:tgtEl>
+                                        <p:attrNameLst>
+                                          <p:attrName>ppt_w</p:attrName>
+                                        </p:attrNameLst>
+                                      </p:cBhvr>
+                                      <p:tavLst>
+                                        <p:tav tm="0">
+                                          <p:val>
+                                            <p:fltVal val="0"/>
+                                          </p:val>
+                                        </p:tav>
+                                        <p:tav tm="100000">
+                                          <p:val>
+                                            <p:strVal val="#ppt_w"/>
+                                          </p:val>
+                                        </p:tav>
+                                      </p:tavLst>
+                                    </p:anim>
+                                    <p:anim calcmode="lin" valueType="num">
+                                      <p:cBhvr>
+                                        <p:cTn id="29" dur="1500" fill="hold"/>
+                                        <p:tgtEl>
+                                          <p:spTgt spid="3">
+                                            <p:txEl>
+                                              <p:pRg st="4" end="4"/>
+                                            </p:txEl>
+                                          </p:spTgt>
+                                        </p:tgtEl>
+                                        <p:attrNameLst>
+                                          <p:attrName>ppt_h</p:attrName>
+                                        </p:attrNameLst>
+                                      </p:cBhvr>
+                                      <p:tavLst>
+                                        <p:tav tm="0">
+                                          <p:val>
+                                            <p:fltVal val="0"/>
+                                          </p:val>
+                                        </p:tav>
+                                        <p:tav tm="100000">
+                                          <p:val>
+                                            <p:strVal val="#ppt_h"/>
+                                          </p:val>
+                                        </p:tav>
+                                      </p:tavLst>
+                                    </p:anim>
+                                    <p:animEffect transition="in" filter="fade">
+                                      <p:cBhvr>
+                                        <p:cTn id="30" dur="1500"/>
+                                        <p:tgtEl>
+                                          <p:spTgt spid="3">
+                                            <p:txEl>
+                                              <p:pRg st="4" end="4"/>
+                                            </p:txEl>
+                                          </p:spTgt>
+                                        </p:tgtEl>
+                                      </p:cBhvr>
+                                    </p:animEffect>
+                                  </p:childTnLst>
+                                </p:cTn>
+                              </p:par>
+                            </p:childTnLst>
+                          </p:cTn>
+                        </p:par>
+                      </p:childTnLst>
+                    </p:cTn>
+                  </p:par>
+                </p:childTnLst>
+              </p:cTn>
+              <p:prevCondLst>
+                <p:cond evt="onPrev" delay="0">
+                  <p:tgtEl>
+                    <p:sldTgt/>
+                  </p:tgtEl>
+                </p:cond>
+              </p:prevCondLst>
+              <p:nextCondLst>
+                <p:cond evt="onNext" delay="0">
+                  <p:tgtEl>
+                    <p:sldTgt/>
+                  </p:tgtEl>
+                </p:cond>
+              </p:nextCondLst>
+            </p:seq>
+          </p:childTnLst>
+        </p:cTn>
+      </p:par>
+    </p:tnLst>
+    <p:bldLst>
+      <p:bldP spid="2" grpId="0"/>
+      <p:bldP spid="3" grpId="0" build="p"/>
+    </p:bldLst>
+  </p:timing>
 </p:sld>
 </file>
 
@@ -12889,7 +17777,7 @@
           <a:p>
             <a:r>
               <a:rPr lang="en-US" dirty="0"/>
-              <a:t>Example 1</a:t>
+              <a:t>Routine Example 1</a:t>
             </a:r>
           </a:p>
         </p:txBody>
@@ -12915,7 +17803,58 @@
           <a:bodyPr/>
           <a:lstStyle/>
           <a:p>
-            <a:endParaRPr lang="en-US"/>
+            <a:pPr marL="0" indent="0">
+              <a:buNone/>
+            </a:pPr>
+            <a:r>
+              <a:rPr lang="en-US" dirty="0"/>
+              <a:t>6:00 am – Wake Up</a:t>
+            </a:r>
+          </a:p>
+          <a:p>
+            <a:pPr marL="0" indent="0">
+              <a:buNone/>
+            </a:pPr>
+            <a:r>
+              <a:rPr lang="en-US" dirty="0"/>
+              <a:t>7:00 am – Go To School</a:t>
+            </a:r>
+          </a:p>
+          <a:p>
+            <a:pPr marL="0" indent="0">
+              <a:buNone/>
+            </a:pPr>
+            <a:r>
+              <a:rPr lang="en-US" dirty="0"/>
+              <a:t>8:00 am to 3:00 pm – Do School Stuff</a:t>
+            </a:r>
+          </a:p>
+          <a:p>
+            <a:pPr marL="0" indent="0">
+              <a:buNone/>
+            </a:pPr>
+            <a:r>
+              <a:rPr lang="en-US" dirty="0"/>
+              <a:t>4:00pm – Get home</a:t>
+            </a:r>
+          </a:p>
+          <a:p>
+            <a:pPr marL="0" indent="0">
+              <a:buNone/>
+            </a:pPr>
+            <a:r>
+              <a:rPr lang="en-US" dirty="0"/>
+              <a:t>5:00 pm – Go to work</a:t>
+            </a:r>
+          </a:p>
+          <a:p>
+            <a:pPr marL="0" indent="0">
+              <a:buNone/>
+            </a:pPr>
+            <a:r>
+              <a:rPr lang="en-US" dirty="0"/>
+              <a:t>9:00pm – Get home from work and go to bed</a:t>
+            </a:r>
           </a:p>
         </p:txBody>
       </p:sp>
@@ -12929,6 +17868,832 @@
   <p:clrMapOvr>
     <a:masterClrMapping/>
   </p:clrMapOvr>
+  <p:transition spd="slow">
+    <p:push dir="u"/>
+  </p:transition>
+  <p:timing>
+    <p:tnLst>
+      <p:par>
+        <p:cTn id="1" dur="indefinite" restart="never" nodeType="tmRoot">
+          <p:childTnLst>
+            <p:seq concurrent="1" nextAc="seek">
+              <p:cTn id="2" dur="indefinite" nodeType="mainSeq">
+                <p:childTnLst>
+                  <p:par>
+                    <p:cTn id="3" fill="hold">
+                      <p:stCondLst>
+                        <p:cond delay="indefinite"/>
+                      </p:stCondLst>
+                      <p:childTnLst>
+                        <p:par>
+                          <p:cTn id="4" fill="hold">
+                            <p:stCondLst>
+                              <p:cond delay="0"/>
+                            </p:stCondLst>
+                            <p:childTnLst>
+                              <p:par>
+                                <p:cTn id="5" presetID="53" presetClass="entr" presetSubtype="16" fill="hold" grpId="0" nodeType="clickEffect">
+                                  <p:stCondLst>
+                                    <p:cond delay="0"/>
+                                  </p:stCondLst>
+                                  <p:childTnLst>
+                                    <p:set>
+                                      <p:cBhvr>
+                                        <p:cTn id="6" dur="1" fill="hold">
+                                          <p:stCondLst>
+                                            <p:cond delay="0"/>
+                                          </p:stCondLst>
+                                        </p:cTn>
+                                        <p:tgtEl>
+                                          <p:spTgt spid="2"/>
+                                        </p:tgtEl>
+                                        <p:attrNameLst>
+                                          <p:attrName>style.visibility</p:attrName>
+                                        </p:attrNameLst>
+                                      </p:cBhvr>
+                                      <p:to>
+                                        <p:strVal val="visible"/>
+                                      </p:to>
+                                    </p:set>
+                                    <p:anim calcmode="lin" valueType="num">
+                                      <p:cBhvr>
+                                        <p:cTn id="7" dur="1000" fill="hold"/>
+                                        <p:tgtEl>
+                                          <p:spTgt spid="2"/>
+                                        </p:tgtEl>
+                                        <p:attrNameLst>
+                                          <p:attrName>ppt_w</p:attrName>
+                                        </p:attrNameLst>
+                                      </p:cBhvr>
+                                      <p:tavLst>
+                                        <p:tav tm="0">
+                                          <p:val>
+                                            <p:fltVal val="0"/>
+                                          </p:val>
+                                        </p:tav>
+                                        <p:tav tm="100000">
+                                          <p:val>
+                                            <p:strVal val="#ppt_w"/>
+                                          </p:val>
+                                        </p:tav>
+                                      </p:tavLst>
+                                    </p:anim>
+                                    <p:anim calcmode="lin" valueType="num">
+                                      <p:cBhvr>
+                                        <p:cTn id="8" dur="1000" fill="hold"/>
+                                        <p:tgtEl>
+                                          <p:spTgt spid="2"/>
+                                        </p:tgtEl>
+                                        <p:attrNameLst>
+                                          <p:attrName>ppt_h</p:attrName>
+                                        </p:attrNameLst>
+                                      </p:cBhvr>
+                                      <p:tavLst>
+                                        <p:tav tm="0">
+                                          <p:val>
+                                            <p:fltVal val="0"/>
+                                          </p:val>
+                                        </p:tav>
+                                        <p:tav tm="100000">
+                                          <p:val>
+                                            <p:strVal val="#ppt_h"/>
+                                          </p:val>
+                                        </p:tav>
+                                      </p:tavLst>
+                                    </p:anim>
+                                    <p:animEffect transition="in" filter="fade">
+                                      <p:cBhvr>
+                                        <p:cTn id="9" dur="1000"/>
+                                        <p:tgtEl>
+                                          <p:spTgt spid="2"/>
+                                        </p:tgtEl>
+                                      </p:cBhvr>
+                                    </p:animEffect>
+                                  </p:childTnLst>
+                                </p:cTn>
+                              </p:par>
+                            </p:childTnLst>
+                          </p:cTn>
+                        </p:par>
+                      </p:childTnLst>
+                    </p:cTn>
+                  </p:par>
+                  <p:par>
+                    <p:cTn id="10" fill="hold">
+                      <p:stCondLst>
+                        <p:cond delay="indefinite"/>
+                      </p:stCondLst>
+                      <p:childTnLst>
+                        <p:par>
+                          <p:cTn id="11" fill="hold">
+                            <p:stCondLst>
+                              <p:cond delay="0"/>
+                            </p:stCondLst>
+                            <p:childTnLst>
+                              <p:par>
+                                <p:cTn id="12" presetID="53" presetClass="entr" presetSubtype="16" fill="hold" grpId="0" nodeType="clickEffect">
+                                  <p:stCondLst>
+                                    <p:cond delay="500"/>
+                                  </p:stCondLst>
+                                  <p:childTnLst>
+                                    <p:set>
+                                      <p:cBhvr>
+                                        <p:cTn id="13" dur="1" fill="hold">
+                                          <p:stCondLst>
+                                            <p:cond delay="0"/>
+                                          </p:stCondLst>
+                                        </p:cTn>
+                                        <p:tgtEl>
+                                          <p:spTgt spid="3">
+                                            <p:txEl>
+                                              <p:pRg st="0" end="0"/>
+                                            </p:txEl>
+                                          </p:spTgt>
+                                        </p:tgtEl>
+                                        <p:attrNameLst>
+                                          <p:attrName>style.visibility</p:attrName>
+                                        </p:attrNameLst>
+                                      </p:cBhvr>
+                                      <p:to>
+                                        <p:strVal val="visible"/>
+                                      </p:to>
+                                    </p:set>
+                                    <p:anim calcmode="lin" valueType="num">
+                                      <p:cBhvr>
+                                        <p:cTn id="14" dur="1500" fill="hold"/>
+                                        <p:tgtEl>
+                                          <p:spTgt spid="3">
+                                            <p:txEl>
+                                              <p:pRg st="0" end="0"/>
+                                            </p:txEl>
+                                          </p:spTgt>
+                                        </p:tgtEl>
+                                        <p:attrNameLst>
+                                          <p:attrName>ppt_w</p:attrName>
+                                        </p:attrNameLst>
+                                      </p:cBhvr>
+                                      <p:tavLst>
+                                        <p:tav tm="0">
+                                          <p:val>
+                                            <p:fltVal val="0"/>
+                                          </p:val>
+                                        </p:tav>
+                                        <p:tav tm="100000">
+                                          <p:val>
+                                            <p:strVal val="#ppt_w"/>
+                                          </p:val>
+                                        </p:tav>
+                                      </p:tavLst>
+                                    </p:anim>
+                                    <p:anim calcmode="lin" valueType="num">
+                                      <p:cBhvr>
+                                        <p:cTn id="15" dur="1500" fill="hold"/>
+                                        <p:tgtEl>
+                                          <p:spTgt spid="3">
+                                            <p:txEl>
+                                              <p:pRg st="0" end="0"/>
+                                            </p:txEl>
+                                          </p:spTgt>
+                                        </p:tgtEl>
+                                        <p:attrNameLst>
+                                          <p:attrName>ppt_h</p:attrName>
+                                        </p:attrNameLst>
+                                      </p:cBhvr>
+                                      <p:tavLst>
+                                        <p:tav tm="0">
+                                          <p:val>
+                                            <p:fltVal val="0"/>
+                                          </p:val>
+                                        </p:tav>
+                                        <p:tav tm="100000">
+                                          <p:val>
+                                            <p:strVal val="#ppt_h"/>
+                                          </p:val>
+                                        </p:tav>
+                                      </p:tavLst>
+                                    </p:anim>
+                                    <p:animEffect transition="in" filter="fade">
+                                      <p:cBhvr>
+                                        <p:cTn id="16" dur="1500"/>
+                                        <p:tgtEl>
+                                          <p:spTgt spid="3">
+                                            <p:txEl>
+                                              <p:pRg st="0" end="0"/>
+                                            </p:txEl>
+                                          </p:spTgt>
+                                        </p:tgtEl>
+                                      </p:cBhvr>
+                                    </p:animEffect>
+                                  </p:childTnLst>
+                                </p:cTn>
+                              </p:par>
+                            </p:childTnLst>
+                          </p:cTn>
+                        </p:par>
+                      </p:childTnLst>
+                    </p:cTn>
+                  </p:par>
+                  <p:par>
+                    <p:cTn id="17" fill="hold">
+                      <p:stCondLst>
+                        <p:cond delay="indefinite"/>
+                      </p:stCondLst>
+                      <p:childTnLst>
+                        <p:par>
+                          <p:cTn id="18" fill="hold">
+                            <p:stCondLst>
+                              <p:cond delay="0"/>
+                            </p:stCondLst>
+                            <p:childTnLst>
+                              <p:par>
+                                <p:cTn id="19" presetID="53" presetClass="entr" presetSubtype="16" fill="hold" grpId="0" nodeType="clickEffect">
+                                  <p:stCondLst>
+                                    <p:cond delay="500"/>
+                                  </p:stCondLst>
+                                  <p:childTnLst>
+                                    <p:set>
+                                      <p:cBhvr>
+                                        <p:cTn id="20" dur="1" fill="hold">
+                                          <p:stCondLst>
+                                            <p:cond delay="0"/>
+                                          </p:stCondLst>
+                                        </p:cTn>
+                                        <p:tgtEl>
+                                          <p:spTgt spid="3">
+                                            <p:txEl>
+                                              <p:pRg st="1" end="1"/>
+                                            </p:txEl>
+                                          </p:spTgt>
+                                        </p:tgtEl>
+                                        <p:attrNameLst>
+                                          <p:attrName>style.visibility</p:attrName>
+                                        </p:attrNameLst>
+                                      </p:cBhvr>
+                                      <p:to>
+                                        <p:strVal val="visible"/>
+                                      </p:to>
+                                    </p:set>
+                                    <p:anim calcmode="lin" valueType="num">
+                                      <p:cBhvr>
+                                        <p:cTn id="21" dur="1500" fill="hold"/>
+                                        <p:tgtEl>
+                                          <p:spTgt spid="3">
+                                            <p:txEl>
+                                              <p:pRg st="1" end="1"/>
+                                            </p:txEl>
+                                          </p:spTgt>
+                                        </p:tgtEl>
+                                        <p:attrNameLst>
+                                          <p:attrName>ppt_w</p:attrName>
+                                        </p:attrNameLst>
+                                      </p:cBhvr>
+                                      <p:tavLst>
+                                        <p:tav tm="0">
+                                          <p:val>
+                                            <p:fltVal val="0"/>
+                                          </p:val>
+                                        </p:tav>
+                                        <p:tav tm="100000">
+                                          <p:val>
+                                            <p:strVal val="#ppt_w"/>
+                                          </p:val>
+                                        </p:tav>
+                                      </p:tavLst>
+                                    </p:anim>
+                                    <p:anim calcmode="lin" valueType="num">
+                                      <p:cBhvr>
+                                        <p:cTn id="22" dur="1500" fill="hold"/>
+                                        <p:tgtEl>
+                                          <p:spTgt spid="3">
+                                            <p:txEl>
+                                              <p:pRg st="1" end="1"/>
+                                            </p:txEl>
+                                          </p:spTgt>
+                                        </p:tgtEl>
+                                        <p:attrNameLst>
+                                          <p:attrName>ppt_h</p:attrName>
+                                        </p:attrNameLst>
+                                      </p:cBhvr>
+                                      <p:tavLst>
+                                        <p:tav tm="0">
+                                          <p:val>
+                                            <p:fltVal val="0"/>
+                                          </p:val>
+                                        </p:tav>
+                                        <p:tav tm="100000">
+                                          <p:val>
+                                            <p:strVal val="#ppt_h"/>
+                                          </p:val>
+                                        </p:tav>
+                                      </p:tavLst>
+                                    </p:anim>
+                                    <p:animEffect transition="in" filter="fade">
+                                      <p:cBhvr>
+                                        <p:cTn id="23" dur="1500"/>
+                                        <p:tgtEl>
+                                          <p:spTgt spid="3">
+                                            <p:txEl>
+                                              <p:pRg st="1" end="1"/>
+                                            </p:txEl>
+                                          </p:spTgt>
+                                        </p:tgtEl>
+                                      </p:cBhvr>
+                                    </p:animEffect>
+                                  </p:childTnLst>
+                                </p:cTn>
+                              </p:par>
+                            </p:childTnLst>
+                          </p:cTn>
+                        </p:par>
+                      </p:childTnLst>
+                    </p:cTn>
+                  </p:par>
+                  <p:par>
+                    <p:cTn id="24" fill="hold">
+                      <p:stCondLst>
+                        <p:cond delay="indefinite"/>
+                      </p:stCondLst>
+                      <p:childTnLst>
+                        <p:par>
+                          <p:cTn id="25" fill="hold">
+                            <p:stCondLst>
+                              <p:cond delay="0"/>
+                            </p:stCondLst>
+                            <p:childTnLst>
+                              <p:par>
+                                <p:cTn id="26" presetID="53" presetClass="entr" presetSubtype="16" fill="hold" grpId="0" nodeType="clickEffect">
+                                  <p:stCondLst>
+                                    <p:cond delay="500"/>
+                                  </p:stCondLst>
+                                  <p:childTnLst>
+                                    <p:set>
+                                      <p:cBhvr>
+                                        <p:cTn id="27" dur="1" fill="hold">
+                                          <p:stCondLst>
+                                            <p:cond delay="0"/>
+                                          </p:stCondLst>
+                                        </p:cTn>
+                                        <p:tgtEl>
+                                          <p:spTgt spid="3">
+                                            <p:txEl>
+                                              <p:pRg st="2" end="2"/>
+                                            </p:txEl>
+                                          </p:spTgt>
+                                        </p:tgtEl>
+                                        <p:attrNameLst>
+                                          <p:attrName>style.visibility</p:attrName>
+                                        </p:attrNameLst>
+                                      </p:cBhvr>
+                                      <p:to>
+                                        <p:strVal val="visible"/>
+                                      </p:to>
+                                    </p:set>
+                                    <p:anim calcmode="lin" valueType="num">
+                                      <p:cBhvr>
+                                        <p:cTn id="28" dur="1500" fill="hold"/>
+                                        <p:tgtEl>
+                                          <p:spTgt spid="3">
+                                            <p:txEl>
+                                              <p:pRg st="2" end="2"/>
+                                            </p:txEl>
+                                          </p:spTgt>
+                                        </p:tgtEl>
+                                        <p:attrNameLst>
+                                          <p:attrName>ppt_w</p:attrName>
+                                        </p:attrNameLst>
+                                      </p:cBhvr>
+                                      <p:tavLst>
+                                        <p:tav tm="0">
+                                          <p:val>
+                                            <p:fltVal val="0"/>
+                                          </p:val>
+                                        </p:tav>
+                                        <p:tav tm="100000">
+                                          <p:val>
+                                            <p:strVal val="#ppt_w"/>
+                                          </p:val>
+                                        </p:tav>
+                                      </p:tavLst>
+                                    </p:anim>
+                                    <p:anim calcmode="lin" valueType="num">
+                                      <p:cBhvr>
+                                        <p:cTn id="29" dur="1500" fill="hold"/>
+                                        <p:tgtEl>
+                                          <p:spTgt spid="3">
+                                            <p:txEl>
+                                              <p:pRg st="2" end="2"/>
+                                            </p:txEl>
+                                          </p:spTgt>
+                                        </p:tgtEl>
+                                        <p:attrNameLst>
+                                          <p:attrName>ppt_h</p:attrName>
+                                        </p:attrNameLst>
+                                      </p:cBhvr>
+                                      <p:tavLst>
+                                        <p:tav tm="0">
+                                          <p:val>
+                                            <p:fltVal val="0"/>
+                                          </p:val>
+                                        </p:tav>
+                                        <p:tav tm="100000">
+                                          <p:val>
+                                            <p:strVal val="#ppt_h"/>
+                                          </p:val>
+                                        </p:tav>
+                                      </p:tavLst>
+                                    </p:anim>
+                                    <p:animEffect transition="in" filter="fade">
+                                      <p:cBhvr>
+                                        <p:cTn id="30" dur="1500"/>
+                                        <p:tgtEl>
+                                          <p:spTgt spid="3">
+                                            <p:txEl>
+                                              <p:pRg st="2" end="2"/>
+                                            </p:txEl>
+                                          </p:spTgt>
+                                        </p:tgtEl>
+                                      </p:cBhvr>
+                                    </p:animEffect>
+                                  </p:childTnLst>
+                                </p:cTn>
+                              </p:par>
+                            </p:childTnLst>
+                          </p:cTn>
+                        </p:par>
+                      </p:childTnLst>
+                    </p:cTn>
+                  </p:par>
+                  <p:par>
+                    <p:cTn id="31" fill="hold">
+                      <p:stCondLst>
+                        <p:cond delay="indefinite"/>
+                      </p:stCondLst>
+                      <p:childTnLst>
+                        <p:par>
+                          <p:cTn id="32" fill="hold">
+                            <p:stCondLst>
+                              <p:cond delay="0"/>
+                            </p:stCondLst>
+                            <p:childTnLst>
+                              <p:par>
+                                <p:cTn id="33" presetID="53" presetClass="entr" presetSubtype="16" fill="hold" grpId="0" nodeType="clickEffect">
+                                  <p:stCondLst>
+                                    <p:cond delay="500"/>
+                                  </p:stCondLst>
+                                  <p:childTnLst>
+                                    <p:set>
+                                      <p:cBhvr>
+                                        <p:cTn id="34" dur="1" fill="hold">
+                                          <p:stCondLst>
+                                            <p:cond delay="0"/>
+                                          </p:stCondLst>
+                                        </p:cTn>
+                                        <p:tgtEl>
+                                          <p:spTgt spid="3">
+                                            <p:txEl>
+                                              <p:pRg st="3" end="3"/>
+                                            </p:txEl>
+                                          </p:spTgt>
+                                        </p:tgtEl>
+                                        <p:attrNameLst>
+                                          <p:attrName>style.visibility</p:attrName>
+                                        </p:attrNameLst>
+                                      </p:cBhvr>
+                                      <p:to>
+                                        <p:strVal val="visible"/>
+                                      </p:to>
+                                    </p:set>
+                                    <p:anim calcmode="lin" valueType="num">
+                                      <p:cBhvr>
+                                        <p:cTn id="35" dur="1500" fill="hold"/>
+                                        <p:tgtEl>
+                                          <p:spTgt spid="3">
+                                            <p:txEl>
+                                              <p:pRg st="3" end="3"/>
+                                            </p:txEl>
+                                          </p:spTgt>
+                                        </p:tgtEl>
+                                        <p:attrNameLst>
+                                          <p:attrName>ppt_w</p:attrName>
+                                        </p:attrNameLst>
+                                      </p:cBhvr>
+                                      <p:tavLst>
+                                        <p:tav tm="0">
+                                          <p:val>
+                                            <p:fltVal val="0"/>
+                                          </p:val>
+                                        </p:tav>
+                                        <p:tav tm="100000">
+                                          <p:val>
+                                            <p:strVal val="#ppt_w"/>
+                                          </p:val>
+                                        </p:tav>
+                                      </p:tavLst>
+                                    </p:anim>
+                                    <p:anim calcmode="lin" valueType="num">
+                                      <p:cBhvr>
+                                        <p:cTn id="36" dur="1500" fill="hold"/>
+                                        <p:tgtEl>
+                                          <p:spTgt spid="3">
+                                            <p:txEl>
+                                              <p:pRg st="3" end="3"/>
+                                            </p:txEl>
+                                          </p:spTgt>
+                                        </p:tgtEl>
+                                        <p:attrNameLst>
+                                          <p:attrName>ppt_h</p:attrName>
+                                        </p:attrNameLst>
+                                      </p:cBhvr>
+                                      <p:tavLst>
+                                        <p:tav tm="0">
+                                          <p:val>
+                                            <p:fltVal val="0"/>
+                                          </p:val>
+                                        </p:tav>
+                                        <p:tav tm="100000">
+                                          <p:val>
+                                            <p:strVal val="#ppt_h"/>
+                                          </p:val>
+                                        </p:tav>
+                                      </p:tavLst>
+                                    </p:anim>
+                                    <p:animEffect transition="in" filter="fade">
+                                      <p:cBhvr>
+                                        <p:cTn id="37" dur="1500"/>
+                                        <p:tgtEl>
+                                          <p:spTgt spid="3">
+                                            <p:txEl>
+                                              <p:pRg st="3" end="3"/>
+                                            </p:txEl>
+                                          </p:spTgt>
+                                        </p:tgtEl>
+                                      </p:cBhvr>
+                                    </p:animEffect>
+                                  </p:childTnLst>
+                                </p:cTn>
+                              </p:par>
+                            </p:childTnLst>
+                          </p:cTn>
+                        </p:par>
+                      </p:childTnLst>
+                    </p:cTn>
+                  </p:par>
+                  <p:par>
+                    <p:cTn id="38" fill="hold">
+                      <p:stCondLst>
+                        <p:cond delay="indefinite"/>
+                      </p:stCondLst>
+                      <p:childTnLst>
+                        <p:par>
+                          <p:cTn id="39" fill="hold">
+                            <p:stCondLst>
+                              <p:cond delay="0"/>
+                            </p:stCondLst>
+                            <p:childTnLst>
+                              <p:par>
+                                <p:cTn id="40" presetID="53" presetClass="entr" presetSubtype="16" fill="hold" grpId="0" nodeType="clickEffect">
+                                  <p:stCondLst>
+                                    <p:cond delay="500"/>
+                                  </p:stCondLst>
+                                  <p:childTnLst>
+                                    <p:set>
+                                      <p:cBhvr>
+                                        <p:cTn id="41" dur="1" fill="hold">
+                                          <p:stCondLst>
+                                            <p:cond delay="0"/>
+                                          </p:stCondLst>
+                                        </p:cTn>
+                                        <p:tgtEl>
+                                          <p:spTgt spid="3">
+                                            <p:txEl>
+                                              <p:pRg st="4" end="4"/>
+                                            </p:txEl>
+                                          </p:spTgt>
+                                        </p:tgtEl>
+                                        <p:attrNameLst>
+                                          <p:attrName>style.visibility</p:attrName>
+                                        </p:attrNameLst>
+                                      </p:cBhvr>
+                                      <p:to>
+                                        <p:strVal val="visible"/>
+                                      </p:to>
+                                    </p:set>
+                                    <p:anim calcmode="lin" valueType="num">
+                                      <p:cBhvr>
+                                        <p:cTn id="42" dur="1500" fill="hold"/>
+                                        <p:tgtEl>
+                                          <p:spTgt spid="3">
+                                            <p:txEl>
+                                              <p:pRg st="4" end="4"/>
+                                            </p:txEl>
+                                          </p:spTgt>
+                                        </p:tgtEl>
+                                        <p:attrNameLst>
+                                          <p:attrName>ppt_w</p:attrName>
+                                        </p:attrNameLst>
+                                      </p:cBhvr>
+                                      <p:tavLst>
+                                        <p:tav tm="0">
+                                          <p:val>
+                                            <p:fltVal val="0"/>
+                                          </p:val>
+                                        </p:tav>
+                                        <p:tav tm="100000">
+                                          <p:val>
+                                            <p:strVal val="#ppt_w"/>
+                                          </p:val>
+                                        </p:tav>
+                                      </p:tavLst>
+                                    </p:anim>
+                                    <p:anim calcmode="lin" valueType="num">
+                                      <p:cBhvr>
+                                        <p:cTn id="43" dur="1500" fill="hold"/>
+                                        <p:tgtEl>
+                                          <p:spTgt spid="3">
+                                            <p:txEl>
+                                              <p:pRg st="4" end="4"/>
+                                            </p:txEl>
+                                          </p:spTgt>
+                                        </p:tgtEl>
+                                        <p:attrNameLst>
+                                          <p:attrName>ppt_h</p:attrName>
+                                        </p:attrNameLst>
+                                      </p:cBhvr>
+                                      <p:tavLst>
+                                        <p:tav tm="0">
+                                          <p:val>
+                                            <p:fltVal val="0"/>
+                                          </p:val>
+                                        </p:tav>
+                                        <p:tav tm="100000">
+                                          <p:val>
+                                            <p:strVal val="#ppt_h"/>
+                                          </p:val>
+                                        </p:tav>
+                                      </p:tavLst>
+                                    </p:anim>
+                                    <p:animEffect transition="in" filter="fade">
+                                      <p:cBhvr>
+                                        <p:cTn id="44" dur="1500"/>
+                                        <p:tgtEl>
+                                          <p:spTgt spid="3">
+                                            <p:txEl>
+                                              <p:pRg st="4" end="4"/>
+                                            </p:txEl>
+                                          </p:spTgt>
+                                        </p:tgtEl>
+                                      </p:cBhvr>
+                                    </p:animEffect>
+                                  </p:childTnLst>
+                                </p:cTn>
+                              </p:par>
+                            </p:childTnLst>
+                          </p:cTn>
+                        </p:par>
+                      </p:childTnLst>
+                    </p:cTn>
+                  </p:par>
+                  <p:par>
+                    <p:cTn id="45" fill="hold">
+                      <p:stCondLst>
+                        <p:cond delay="indefinite"/>
+                      </p:stCondLst>
+                      <p:childTnLst>
+                        <p:par>
+                          <p:cTn id="46" fill="hold">
+                            <p:stCondLst>
+                              <p:cond delay="0"/>
+                            </p:stCondLst>
+                            <p:childTnLst>
+                              <p:par>
+                                <p:cTn id="47" presetID="53" presetClass="entr" presetSubtype="16" fill="hold" grpId="0" nodeType="clickEffect">
+                                  <p:stCondLst>
+                                    <p:cond delay="500"/>
+                                  </p:stCondLst>
+                                  <p:childTnLst>
+                                    <p:set>
+                                      <p:cBhvr>
+                                        <p:cTn id="48" dur="1" fill="hold">
+                                          <p:stCondLst>
+                                            <p:cond delay="0"/>
+                                          </p:stCondLst>
+                                        </p:cTn>
+                                        <p:tgtEl>
+                                          <p:spTgt spid="3">
+                                            <p:txEl>
+                                              <p:pRg st="5" end="5"/>
+                                            </p:txEl>
+                                          </p:spTgt>
+                                        </p:tgtEl>
+                                        <p:attrNameLst>
+                                          <p:attrName>style.visibility</p:attrName>
+                                        </p:attrNameLst>
+                                      </p:cBhvr>
+                                      <p:to>
+                                        <p:strVal val="visible"/>
+                                      </p:to>
+                                    </p:set>
+                                    <p:anim calcmode="lin" valueType="num">
+                                      <p:cBhvr>
+                                        <p:cTn id="49" dur="1500" fill="hold"/>
+                                        <p:tgtEl>
+                                          <p:spTgt spid="3">
+                                            <p:txEl>
+                                              <p:pRg st="5" end="5"/>
+                                            </p:txEl>
+                                          </p:spTgt>
+                                        </p:tgtEl>
+                                        <p:attrNameLst>
+                                          <p:attrName>ppt_w</p:attrName>
+                                        </p:attrNameLst>
+                                      </p:cBhvr>
+                                      <p:tavLst>
+                                        <p:tav tm="0">
+                                          <p:val>
+                                            <p:fltVal val="0"/>
+                                          </p:val>
+                                        </p:tav>
+                                        <p:tav tm="100000">
+                                          <p:val>
+                                            <p:strVal val="#ppt_w"/>
+                                          </p:val>
+                                        </p:tav>
+                                      </p:tavLst>
+                                    </p:anim>
+                                    <p:anim calcmode="lin" valueType="num">
+                                      <p:cBhvr>
+                                        <p:cTn id="50" dur="1500" fill="hold"/>
+                                        <p:tgtEl>
+                                          <p:spTgt spid="3">
+                                            <p:txEl>
+                                              <p:pRg st="5" end="5"/>
+                                            </p:txEl>
+                                          </p:spTgt>
+                                        </p:tgtEl>
+                                        <p:attrNameLst>
+                                          <p:attrName>ppt_h</p:attrName>
+                                        </p:attrNameLst>
+                                      </p:cBhvr>
+                                      <p:tavLst>
+                                        <p:tav tm="0">
+                                          <p:val>
+                                            <p:fltVal val="0"/>
+                                          </p:val>
+                                        </p:tav>
+                                        <p:tav tm="100000">
+                                          <p:val>
+                                            <p:strVal val="#ppt_h"/>
+                                          </p:val>
+                                        </p:tav>
+                                      </p:tavLst>
+                                    </p:anim>
+                                    <p:animEffect transition="in" filter="fade">
+                                      <p:cBhvr>
+                                        <p:cTn id="51" dur="1500"/>
+                                        <p:tgtEl>
+                                          <p:spTgt spid="3">
+                                            <p:txEl>
+                                              <p:pRg st="5" end="5"/>
+                                            </p:txEl>
+                                          </p:spTgt>
+                                        </p:tgtEl>
+                                      </p:cBhvr>
+                                    </p:animEffect>
+                                  </p:childTnLst>
+                                </p:cTn>
+                              </p:par>
+                            </p:childTnLst>
+                          </p:cTn>
+                        </p:par>
+                      </p:childTnLst>
+                    </p:cTn>
+                  </p:par>
+                </p:childTnLst>
+              </p:cTn>
+              <p:prevCondLst>
+                <p:cond evt="onPrev" delay="0">
+                  <p:tgtEl>
+                    <p:sldTgt/>
+                  </p:tgtEl>
+                </p:cond>
+              </p:prevCondLst>
+              <p:nextCondLst>
+                <p:cond evt="onNext" delay="0">
+                  <p:tgtEl>
+                    <p:sldTgt/>
+                  </p:tgtEl>
+                </p:cond>
+              </p:nextCondLst>
+            </p:seq>
+          </p:childTnLst>
+        </p:cTn>
+      </p:par>
+    </p:tnLst>
+    <p:bldLst>
+      <p:bldP spid="2" grpId="0"/>
+      <p:bldP spid="3" grpId="0" build="p"/>
+    </p:bldLst>
+  </p:timing>
 </p:sld>
 </file>
 
@@ -12972,7 +18737,7 @@
           <a:p>
             <a:r>
               <a:rPr lang="en-US" dirty="0"/>
-              <a:t>Example 2</a:t>
+              <a:t>Routine Example 2</a:t>
             </a:r>
           </a:p>
         </p:txBody>
@@ -12998,7 +18763,49 @@
           <a:bodyPr/>
           <a:lstStyle/>
           <a:p>
-            <a:endParaRPr lang="en-US"/>
+            <a:pPr marL="0" indent="0">
+              <a:buNone/>
+            </a:pPr>
+            <a:r>
+              <a:rPr lang="en-US" dirty="0"/>
+              <a:t>10:00 am – Wake up</a:t>
+            </a:r>
+          </a:p>
+          <a:p>
+            <a:pPr marL="0" indent="0">
+              <a:buNone/>
+            </a:pPr>
+            <a:r>
+              <a:rPr lang="en-US" dirty="0"/>
+              <a:t>2:00 pm – Actually get up</a:t>
+            </a:r>
+          </a:p>
+          <a:p>
+            <a:pPr marL="0" indent="0">
+              <a:buNone/>
+            </a:pPr>
+            <a:r>
+              <a:rPr lang="en-US" dirty="0"/>
+              <a:t>3:00 pm to 2:30 am – Play video games</a:t>
+            </a:r>
+          </a:p>
+          <a:p>
+            <a:pPr marL="0" indent="0">
+              <a:buNone/>
+            </a:pPr>
+            <a:r>
+              <a:rPr lang="en-US" dirty="0"/>
+              <a:t>3:00 am – Eat</a:t>
+            </a:r>
+          </a:p>
+          <a:p>
+            <a:pPr marL="0" indent="0">
+              <a:buNone/>
+            </a:pPr>
+            <a:r>
+              <a:rPr lang="en-US" dirty="0"/>
+              <a:t>4:00 am – Go back to sleep</a:t>
+            </a:r>
           </a:p>
         </p:txBody>
       </p:sp>
@@ -13012,10 +18819,1924 @@
   <p:clrMapOvr>
     <a:masterClrMapping/>
   </p:clrMapOvr>
+  <p:transition spd="slow">
+    <p:push dir="u"/>
+  </p:transition>
+  <p:timing>
+    <p:tnLst>
+      <p:par>
+        <p:cTn id="1" dur="indefinite" restart="never" nodeType="tmRoot">
+          <p:childTnLst>
+            <p:seq concurrent="1" nextAc="seek">
+              <p:cTn id="2" dur="indefinite" nodeType="mainSeq">
+                <p:childTnLst>
+                  <p:par>
+                    <p:cTn id="3" fill="hold">
+                      <p:stCondLst>
+                        <p:cond delay="indefinite"/>
+                      </p:stCondLst>
+                      <p:childTnLst>
+                        <p:par>
+                          <p:cTn id="4" fill="hold">
+                            <p:stCondLst>
+                              <p:cond delay="0"/>
+                            </p:stCondLst>
+                            <p:childTnLst>
+                              <p:par>
+                                <p:cTn id="5" presetID="53" presetClass="entr" presetSubtype="16" fill="hold" grpId="0" nodeType="clickEffect">
+                                  <p:stCondLst>
+                                    <p:cond delay="0"/>
+                                  </p:stCondLst>
+                                  <p:childTnLst>
+                                    <p:set>
+                                      <p:cBhvr>
+                                        <p:cTn id="6" dur="1" fill="hold">
+                                          <p:stCondLst>
+                                            <p:cond delay="0"/>
+                                          </p:stCondLst>
+                                        </p:cTn>
+                                        <p:tgtEl>
+                                          <p:spTgt spid="2"/>
+                                        </p:tgtEl>
+                                        <p:attrNameLst>
+                                          <p:attrName>style.visibility</p:attrName>
+                                        </p:attrNameLst>
+                                      </p:cBhvr>
+                                      <p:to>
+                                        <p:strVal val="visible"/>
+                                      </p:to>
+                                    </p:set>
+                                    <p:anim calcmode="lin" valueType="num">
+                                      <p:cBhvr>
+                                        <p:cTn id="7" dur="1000" fill="hold"/>
+                                        <p:tgtEl>
+                                          <p:spTgt spid="2"/>
+                                        </p:tgtEl>
+                                        <p:attrNameLst>
+                                          <p:attrName>ppt_w</p:attrName>
+                                        </p:attrNameLst>
+                                      </p:cBhvr>
+                                      <p:tavLst>
+                                        <p:tav tm="0">
+                                          <p:val>
+                                            <p:fltVal val="0"/>
+                                          </p:val>
+                                        </p:tav>
+                                        <p:tav tm="100000">
+                                          <p:val>
+                                            <p:strVal val="#ppt_w"/>
+                                          </p:val>
+                                        </p:tav>
+                                      </p:tavLst>
+                                    </p:anim>
+                                    <p:anim calcmode="lin" valueType="num">
+                                      <p:cBhvr>
+                                        <p:cTn id="8" dur="1000" fill="hold"/>
+                                        <p:tgtEl>
+                                          <p:spTgt spid="2"/>
+                                        </p:tgtEl>
+                                        <p:attrNameLst>
+                                          <p:attrName>ppt_h</p:attrName>
+                                        </p:attrNameLst>
+                                      </p:cBhvr>
+                                      <p:tavLst>
+                                        <p:tav tm="0">
+                                          <p:val>
+                                            <p:fltVal val="0"/>
+                                          </p:val>
+                                        </p:tav>
+                                        <p:tav tm="100000">
+                                          <p:val>
+                                            <p:strVal val="#ppt_h"/>
+                                          </p:val>
+                                        </p:tav>
+                                      </p:tavLst>
+                                    </p:anim>
+                                    <p:animEffect transition="in" filter="fade">
+                                      <p:cBhvr>
+                                        <p:cTn id="9" dur="1000"/>
+                                        <p:tgtEl>
+                                          <p:spTgt spid="2"/>
+                                        </p:tgtEl>
+                                      </p:cBhvr>
+                                    </p:animEffect>
+                                  </p:childTnLst>
+                                </p:cTn>
+                              </p:par>
+                            </p:childTnLst>
+                          </p:cTn>
+                        </p:par>
+                      </p:childTnLst>
+                    </p:cTn>
+                  </p:par>
+                  <p:par>
+                    <p:cTn id="10" fill="hold">
+                      <p:stCondLst>
+                        <p:cond delay="indefinite"/>
+                      </p:stCondLst>
+                      <p:childTnLst>
+                        <p:par>
+                          <p:cTn id="11" fill="hold">
+                            <p:stCondLst>
+                              <p:cond delay="0"/>
+                            </p:stCondLst>
+                            <p:childTnLst>
+                              <p:par>
+                                <p:cTn id="12" presetID="53" presetClass="entr" presetSubtype="16" fill="hold" grpId="0" nodeType="clickEffect">
+                                  <p:stCondLst>
+                                    <p:cond delay="500"/>
+                                  </p:stCondLst>
+                                  <p:childTnLst>
+                                    <p:set>
+                                      <p:cBhvr>
+                                        <p:cTn id="13" dur="1" fill="hold">
+                                          <p:stCondLst>
+                                            <p:cond delay="0"/>
+                                          </p:stCondLst>
+                                        </p:cTn>
+                                        <p:tgtEl>
+                                          <p:spTgt spid="3">
+                                            <p:txEl>
+                                              <p:pRg st="0" end="0"/>
+                                            </p:txEl>
+                                          </p:spTgt>
+                                        </p:tgtEl>
+                                        <p:attrNameLst>
+                                          <p:attrName>style.visibility</p:attrName>
+                                        </p:attrNameLst>
+                                      </p:cBhvr>
+                                      <p:to>
+                                        <p:strVal val="visible"/>
+                                      </p:to>
+                                    </p:set>
+                                    <p:anim calcmode="lin" valueType="num">
+                                      <p:cBhvr>
+                                        <p:cTn id="14" dur="1500" fill="hold"/>
+                                        <p:tgtEl>
+                                          <p:spTgt spid="3">
+                                            <p:txEl>
+                                              <p:pRg st="0" end="0"/>
+                                            </p:txEl>
+                                          </p:spTgt>
+                                        </p:tgtEl>
+                                        <p:attrNameLst>
+                                          <p:attrName>ppt_w</p:attrName>
+                                        </p:attrNameLst>
+                                      </p:cBhvr>
+                                      <p:tavLst>
+                                        <p:tav tm="0">
+                                          <p:val>
+                                            <p:fltVal val="0"/>
+                                          </p:val>
+                                        </p:tav>
+                                        <p:tav tm="100000">
+                                          <p:val>
+                                            <p:strVal val="#ppt_w"/>
+                                          </p:val>
+                                        </p:tav>
+                                      </p:tavLst>
+                                    </p:anim>
+                                    <p:anim calcmode="lin" valueType="num">
+                                      <p:cBhvr>
+                                        <p:cTn id="15" dur="1500" fill="hold"/>
+                                        <p:tgtEl>
+                                          <p:spTgt spid="3">
+                                            <p:txEl>
+                                              <p:pRg st="0" end="0"/>
+                                            </p:txEl>
+                                          </p:spTgt>
+                                        </p:tgtEl>
+                                        <p:attrNameLst>
+                                          <p:attrName>ppt_h</p:attrName>
+                                        </p:attrNameLst>
+                                      </p:cBhvr>
+                                      <p:tavLst>
+                                        <p:tav tm="0">
+                                          <p:val>
+                                            <p:fltVal val="0"/>
+                                          </p:val>
+                                        </p:tav>
+                                        <p:tav tm="100000">
+                                          <p:val>
+                                            <p:strVal val="#ppt_h"/>
+                                          </p:val>
+                                        </p:tav>
+                                      </p:tavLst>
+                                    </p:anim>
+                                    <p:animEffect transition="in" filter="fade">
+                                      <p:cBhvr>
+                                        <p:cTn id="16" dur="1500"/>
+                                        <p:tgtEl>
+                                          <p:spTgt spid="3">
+                                            <p:txEl>
+                                              <p:pRg st="0" end="0"/>
+                                            </p:txEl>
+                                          </p:spTgt>
+                                        </p:tgtEl>
+                                      </p:cBhvr>
+                                    </p:animEffect>
+                                  </p:childTnLst>
+                                </p:cTn>
+                              </p:par>
+                            </p:childTnLst>
+                          </p:cTn>
+                        </p:par>
+                      </p:childTnLst>
+                    </p:cTn>
+                  </p:par>
+                  <p:par>
+                    <p:cTn id="17" fill="hold">
+                      <p:stCondLst>
+                        <p:cond delay="indefinite"/>
+                      </p:stCondLst>
+                      <p:childTnLst>
+                        <p:par>
+                          <p:cTn id="18" fill="hold">
+                            <p:stCondLst>
+                              <p:cond delay="0"/>
+                            </p:stCondLst>
+                            <p:childTnLst>
+                              <p:par>
+                                <p:cTn id="19" presetID="53" presetClass="entr" presetSubtype="16" fill="hold" grpId="0" nodeType="clickEffect">
+                                  <p:stCondLst>
+                                    <p:cond delay="500"/>
+                                  </p:stCondLst>
+                                  <p:childTnLst>
+                                    <p:set>
+                                      <p:cBhvr>
+                                        <p:cTn id="20" dur="1" fill="hold">
+                                          <p:stCondLst>
+                                            <p:cond delay="0"/>
+                                          </p:stCondLst>
+                                        </p:cTn>
+                                        <p:tgtEl>
+                                          <p:spTgt spid="3">
+                                            <p:txEl>
+                                              <p:pRg st="1" end="1"/>
+                                            </p:txEl>
+                                          </p:spTgt>
+                                        </p:tgtEl>
+                                        <p:attrNameLst>
+                                          <p:attrName>style.visibility</p:attrName>
+                                        </p:attrNameLst>
+                                      </p:cBhvr>
+                                      <p:to>
+                                        <p:strVal val="visible"/>
+                                      </p:to>
+                                    </p:set>
+                                    <p:anim calcmode="lin" valueType="num">
+                                      <p:cBhvr>
+                                        <p:cTn id="21" dur="1500" fill="hold"/>
+                                        <p:tgtEl>
+                                          <p:spTgt spid="3">
+                                            <p:txEl>
+                                              <p:pRg st="1" end="1"/>
+                                            </p:txEl>
+                                          </p:spTgt>
+                                        </p:tgtEl>
+                                        <p:attrNameLst>
+                                          <p:attrName>ppt_w</p:attrName>
+                                        </p:attrNameLst>
+                                      </p:cBhvr>
+                                      <p:tavLst>
+                                        <p:tav tm="0">
+                                          <p:val>
+                                            <p:fltVal val="0"/>
+                                          </p:val>
+                                        </p:tav>
+                                        <p:tav tm="100000">
+                                          <p:val>
+                                            <p:strVal val="#ppt_w"/>
+                                          </p:val>
+                                        </p:tav>
+                                      </p:tavLst>
+                                    </p:anim>
+                                    <p:anim calcmode="lin" valueType="num">
+                                      <p:cBhvr>
+                                        <p:cTn id="22" dur="1500" fill="hold"/>
+                                        <p:tgtEl>
+                                          <p:spTgt spid="3">
+                                            <p:txEl>
+                                              <p:pRg st="1" end="1"/>
+                                            </p:txEl>
+                                          </p:spTgt>
+                                        </p:tgtEl>
+                                        <p:attrNameLst>
+                                          <p:attrName>ppt_h</p:attrName>
+                                        </p:attrNameLst>
+                                      </p:cBhvr>
+                                      <p:tavLst>
+                                        <p:tav tm="0">
+                                          <p:val>
+                                            <p:fltVal val="0"/>
+                                          </p:val>
+                                        </p:tav>
+                                        <p:tav tm="100000">
+                                          <p:val>
+                                            <p:strVal val="#ppt_h"/>
+                                          </p:val>
+                                        </p:tav>
+                                      </p:tavLst>
+                                    </p:anim>
+                                    <p:animEffect transition="in" filter="fade">
+                                      <p:cBhvr>
+                                        <p:cTn id="23" dur="1500"/>
+                                        <p:tgtEl>
+                                          <p:spTgt spid="3">
+                                            <p:txEl>
+                                              <p:pRg st="1" end="1"/>
+                                            </p:txEl>
+                                          </p:spTgt>
+                                        </p:tgtEl>
+                                      </p:cBhvr>
+                                    </p:animEffect>
+                                  </p:childTnLst>
+                                </p:cTn>
+                              </p:par>
+                            </p:childTnLst>
+                          </p:cTn>
+                        </p:par>
+                      </p:childTnLst>
+                    </p:cTn>
+                  </p:par>
+                  <p:par>
+                    <p:cTn id="24" fill="hold">
+                      <p:stCondLst>
+                        <p:cond delay="indefinite"/>
+                      </p:stCondLst>
+                      <p:childTnLst>
+                        <p:par>
+                          <p:cTn id="25" fill="hold">
+                            <p:stCondLst>
+                              <p:cond delay="0"/>
+                            </p:stCondLst>
+                            <p:childTnLst>
+                              <p:par>
+                                <p:cTn id="26" presetID="53" presetClass="entr" presetSubtype="16" fill="hold" grpId="0" nodeType="clickEffect">
+                                  <p:stCondLst>
+                                    <p:cond delay="500"/>
+                                  </p:stCondLst>
+                                  <p:childTnLst>
+                                    <p:set>
+                                      <p:cBhvr>
+                                        <p:cTn id="27" dur="1" fill="hold">
+                                          <p:stCondLst>
+                                            <p:cond delay="0"/>
+                                          </p:stCondLst>
+                                        </p:cTn>
+                                        <p:tgtEl>
+                                          <p:spTgt spid="3">
+                                            <p:txEl>
+                                              <p:pRg st="2" end="2"/>
+                                            </p:txEl>
+                                          </p:spTgt>
+                                        </p:tgtEl>
+                                        <p:attrNameLst>
+                                          <p:attrName>style.visibility</p:attrName>
+                                        </p:attrNameLst>
+                                      </p:cBhvr>
+                                      <p:to>
+                                        <p:strVal val="visible"/>
+                                      </p:to>
+                                    </p:set>
+                                    <p:anim calcmode="lin" valueType="num">
+                                      <p:cBhvr>
+                                        <p:cTn id="28" dur="1500" fill="hold"/>
+                                        <p:tgtEl>
+                                          <p:spTgt spid="3">
+                                            <p:txEl>
+                                              <p:pRg st="2" end="2"/>
+                                            </p:txEl>
+                                          </p:spTgt>
+                                        </p:tgtEl>
+                                        <p:attrNameLst>
+                                          <p:attrName>ppt_w</p:attrName>
+                                        </p:attrNameLst>
+                                      </p:cBhvr>
+                                      <p:tavLst>
+                                        <p:tav tm="0">
+                                          <p:val>
+                                            <p:fltVal val="0"/>
+                                          </p:val>
+                                        </p:tav>
+                                        <p:tav tm="100000">
+                                          <p:val>
+                                            <p:strVal val="#ppt_w"/>
+                                          </p:val>
+                                        </p:tav>
+                                      </p:tavLst>
+                                    </p:anim>
+                                    <p:anim calcmode="lin" valueType="num">
+                                      <p:cBhvr>
+                                        <p:cTn id="29" dur="1500" fill="hold"/>
+                                        <p:tgtEl>
+                                          <p:spTgt spid="3">
+                                            <p:txEl>
+                                              <p:pRg st="2" end="2"/>
+                                            </p:txEl>
+                                          </p:spTgt>
+                                        </p:tgtEl>
+                                        <p:attrNameLst>
+                                          <p:attrName>ppt_h</p:attrName>
+                                        </p:attrNameLst>
+                                      </p:cBhvr>
+                                      <p:tavLst>
+                                        <p:tav tm="0">
+                                          <p:val>
+                                            <p:fltVal val="0"/>
+                                          </p:val>
+                                        </p:tav>
+                                        <p:tav tm="100000">
+                                          <p:val>
+                                            <p:strVal val="#ppt_h"/>
+                                          </p:val>
+                                        </p:tav>
+                                      </p:tavLst>
+                                    </p:anim>
+                                    <p:animEffect transition="in" filter="fade">
+                                      <p:cBhvr>
+                                        <p:cTn id="30" dur="1500"/>
+                                        <p:tgtEl>
+                                          <p:spTgt spid="3">
+                                            <p:txEl>
+                                              <p:pRg st="2" end="2"/>
+                                            </p:txEl>
+                                          </p:spTgt>
+                                        </p:tgtEl>
+                                      </p:cBhvr>
+                                    </p:animEffect>
+                                  </p:childTnLst>
+                                </p:cTn>
+                              </p:par>
+                            </p:childTnLst>
+                          </p:cTn>
+                        </p:par>
+                      </p:childTnLst>
+                    </p:cTn>
+                  </p:par>
+                  <p:par>
+                    <p:cTn id="31" fill="hold">
+                      <p:stCondLst>
+                        <p:cond delay="indefinite"/>
+                      </p:stCondLst>
+                      <p:childTnLst>
+                        <p:par>
+                          <p:cTn id="32" fill="hold">
+                            <p:stCondLst>
+                              <p:cond delay="0"/>
+                            </p:stCondLst>
+                            <p:childTnLst>
+                              <p:par>
+                                <p:cTn id="33" presetID="53" presetClass="entr" presetSubtype="16" fill="hold" grpId="0" nodeType="clickEffect">
+                                  <p:stCondLst>
+                                    <p:cond delay="500"/>
+                                  </p:stCondLst>
+                                  <p:childTnLst>
+                                    <p:set>
+                                      <p:cBhvr>
+                                        <p:cTn id="34" dur="1" fill="hold">
+                                          <p:stCondLst>
+                                            <p:cond delay="0"/>
+                                          </p:stCondLst>
+                                        </p:cTn>
+                                        <p:tgtEl>
+                                          <p:spTgt spid="3">
+                                            <p:txEl>
+                                              <p:pRg st="3" end="3"/>
+                                            </p:txEl>
+                                          </p:spTgt>
+                                        </p:tgtEl>
+                                        <p:attrNameLst>
+                                          <p:attrName>style.visibility</p:attrName>
+                                        </p:attrNameLst>
+                                      </p:cBhvr>
+                                      <p:to>
+                                        <p:strVal val="visible"/>
+                                      </p:to>
+                                    </p:set>
+                                    <p:anim calcmode="lin" valueType="num">
+                                      <p:cBhvr>
+                                        <p:cTn id="35" dur="1500" fill="hold"/>
+                                        <p:tgtEl>
+                                          <p:spTgt spid="3">
+                                            <p:txEl>
+                                              <p:pRg st="3" end="3"/>
+                                            </p:txEl>
+                                          </p:spTgt>
+                                        </p:tgtEl>
+                                        <p:attrNameLst>
+                                          <p:attrName>ppt_w</p:attrName>
+                                        </p:attrNameLst>
+                                      </p:cBhvr>
+                                      <p:tavLst>
+                                        <p:tav tm="0">
+                                          <p:val>
+                                            <p:fltVal val="0"/>
+                                          </p:val>
+                                        </p:tav>
+                                        <p:tav tm="100000">
+                                          <p:val>
+                                            <p:strVal val="#ppt_w"/>
+                                          </p:val>
+                                        </p:tav>
+                                      </p:tavLst>
+                                    </p:anim>
+                                    <p:anim calcmode="lin" valueType="num">
+                                      <p:cBhvr>
+                                        <p:cTn id="36" dur="1500" fill="hold"/>
+                                        <p:tgtEl>
+                                          <p:spTgt spid="3">
+                                            <p:txEl>
+                                              <p:pRg st="3" end="3"/>
+                                            </p:txEl>
+                                          </p:spTgt>
+                                        </p:tgtEl>
+                                        <p:attrNameLst>
+                                          <p:attrName>ppt_h</p:attrName>
+                                        </p:attrNameLst>
+                                      </p:cBhvr>
+                                      <p:tavLst>
+                                        <p:tav tm="0">
+                                          <p:val>
+                                            <p:fltVal val="0"/>
+                                          </p:val>
+                                        </p:tav>
+                                        <p:tav tm="100000">
+                                          <p:val>
+                                            <p:strVal val="#ppt_h"/>
+                                          </p:val>
+                                        </p:tav>
+                                      </p:tavLst>
+                                    </p:anim>
+                                    <p:animEffect transition="in" filter="fade">
+                                      <p:cBhvr>
+                                        <p:cTn id="37" dur="1500"/>
+                                        <p:tgtEl>
+                                          <p:spTgt spid="3">
+                                            <p:txEl>
+                                              <p:pRg st="3" end="3"/>
+                                            </p:txEl>
+                                          </p:spTgt>
+                                        </p:tgtEl>
+                                      </p:cBhvr>
+                                    </p:animEffect>
+                                  </p:childTnLst>
+                                </p:cTn>
+                              </p:par>
+                            </p:childTnLst>
+                          </p:cTn>
+                        </p:par>
+                      </p:childTnLst>
+                    </p:cTn>
+                  </p:par>
+                  <p:par>
+                    <p:cTn id="38" fill="hold">
+                      <p:stCondLst>
+                        <p:cond delay="indefinite"/>
+                      </p:stCondLst>
+                      <p:childTnLst>
+                        <p:par>
+                          <p:cTn id="39" fill="hold">
+                            <p:stCondLst>
+                              <p:cond delay="0"/>
+                            </p:stCondLst>
+                            <p:childTnLst>
+                              <p:par>
+                                <p:cTn id="40" presetID="53" presetClass="entr" presetSubtype="16" fill="hold" grpId="0" nodeType="clickEffect">
+                                  <p:stCondLst>
+                                    <p:cond delay="500"/>
+                                  </p:stCondLst>
+                                  <p:childTnLst>
+                                    <p:set>
+                                      <p:cBhvr>
+                                        <p:cTn id="41" dur="1" fill="hold">
+                                          <p:stCondLst>
+                                            <p:cond delay="0"/>
+                                          </p:stCondLst>
+                                        </p:cTn>
+                                        <p:tgtEl>
+                                          <p:spTgt spid="3">
+                                            <p:txEl>
+                                              <p:pRg st="4" end="4"/>
+                                            </p:txEl>
+                                          </p:spTgt>
+                                        </p:tgtEl>
+                                        <p:attrNameLst>
+                                          <p:attrName>style.visibility</p:attrName>
+                                        </p:attrNameLst>
+                                      </p:cBhvr>
+                                      <p:to>
+                                        <p:strVal val="visible"/>
+                                      </p:to>
+                                    </p:set>
+                                    <p:anim calcmode="lin" valueType="num">
+                                      <p:cBhvr>
+                                        <p:cTn id="42" dur="1500" fill="hold"/>
+                                        <p:tgtEl>
+                                          <p:spTgt spid="3">
+                                            <p:txEl>
+                                              <p:pRg st="4" end="4"/>
+                                            </p:txEl>
+                                          </p:spTgt>
+                                        </p:tgtEl>
+                                        <p:attrNameLst>
+                                          <p:attrName>ppt_w</p:attrName>
+                                        </p:attrNameLst>
+                                      </p:cBhvr>
+                                      <p:tavLst>
+                                        <p:tav tm="0">
+                                          <p:val>
+                                            <p:fltVal val="0"/>
+                                          </p:val>
+                                        </p:tav>
+                                        <p:tav tm="100000">
+                                          <p:val>
+                                            <p:strVal val="#ppt_w"/>
+                                          </p:val>
+                                        </p:tav>
+                                      </p:tavLst>
+                                    </p:anim>
+                                    <p:anim calcmode="lin" valueType="num">
+                                      <p:cBhvr>
+                                        <p:cTn id="43" dur="1500" fill="hold"/>
+                                        <p:tgtEl>
+                                          <p:spTgt spid="3">
+                                            <p:txEl>
+                                              <p:pRg st="4" end="4"/>
+                                            </p:txEl>
+                                          </p:spTgt>
+                                        </p:tgtEl>
+                                        <p:attrNameLst>
+                                          <p:attrName>ppt_h</p:attrName>
+                                        </p:attrNameLst>
+                                      </p:cBhvr>
+                                      <p:tavLst>
+                                        <p:tav tm="0">
+                                          <p:val>
+                                            <p:fltVal val="0"/>
+                                          </p:val>
+                                        </p:tav>
+                                        <p:tav tm="100000">
+                                          <p:val>
+                                            <p:strVal val="#ppt_h"/>
+                                          </p:val>
+                                        </p:tav>
+                                      </p:tavLst>
+                                    </p:anim>
+                                    <p:animEffect transition="in" filter="fade">
+                                      <p:cBhvr>
+                                        <p:cTn id="44" dur="1500"/>
+                                        <p:tgtEl>
+                                          <p:spTgt spid="3">
+                                            <p:txEl>
+                                              <p:pRg st="4" end="4"/>
+                                            </p:txEl>
+                                          </p:spTgt>
+                                        </p:tgtEl>
+                                      </p:cBhvr>
+                                    </p:animEffect>
+                                  </p:childTnLst>
+                                </p:cTn>
+                              </p:par>
+                            </p:childTnLst>
+                          </p:cTn>
+                        </p:par>
+                      </p:childTnLst>
+                    </p:cTn>
+                  </p:par>
+                </p:childTnLst>
+              </p:cTn>
+              <p:prevCondLst>
+                <p:cond evt="onPrev" delay="0">
+                  <p:tgtEl>
+                    <p:sldTgt/>
+                  </p:tgtEl>
+                </p:cond>
+              </p:prevCondLst>
+              <p:nextCondLst>
+                <p:cond evt="onNext" delay="0">
+                  <p:tgtEl>
+                    <p:sldTgt/>
+                  </p:tgtEl>
+                </p:cond>
+              </p:nextCondLst>
+            </p:seq>
+          </p:childTnLst>
+        </p:cTn>
+      </p:par>
+    </p:tnLst>
+    <p:bldLst>
+      <p:bldP spid="2" grpId="0"/>
+      <p:bldP spid="3" grpId="0" build="p"/>
+    </p:bldLst>
+  </p:timing>
 </p:sld>
 </file>
 
 <file path=ppt/slides/slide7.xml><?xml version="1.0" encoding="utf-8"?>
+<p:sld xmlns:a="http://schemas.openxmlformats.org/drawingml/2006/main" xmlns:r="http://schemas.openxmlformats.org/officeDocument/2006/relationships" xmlns:p="http://schemas.openxmlformats.org/presentationml/2006/main">
+  <p:cSld>
+    <p:spTree>
+      <p:nvGrpSpPr>
+        <p:cNvPr id="1" name=""/>
+        <p:cNvGrpSpPr/>
+        <p:nvPr/>
+      </p:nvGrpSpPr>
+      <p:grpSpPr>
+        <a:xfrm>
+          <a:off x="0" y="0"/>
+          <a:ext cx="0" cy="0"/>
+          <a:chOff x="0" y="0"/>
+          <a:chExt cx="0" cy="0"/>
+        </a:xfrm>
+      </p:grpSpPr>
+      <p:sp>
+        <p:nvSpPr>
+          <p:cNvPr id="2" name="Title 1">
+            <a:extLst>
+              <a:ext uri="{FF2B5EF4-FFF2-40B4-BE49-F238E27FC236}">
+                <a16:creationId xmlns:a16="http://schemas.microsoft.com/office/drawing/2014/main" id="{EE84EB63-173F-45F7-930D-D8E6604DBB05}"/>
+              </a:ext>
+            </a:extLst>
+          </p:cNvPr>
+          <p:cNvSpPr>
+            <a:spLocks noGrp="1"/>
+          </p:cNvSpPr>
+          <p:nvPr>
+            <p:ph type="title"/>
+          </p:nvPr>
+        </p:nvSpPr>
+        <p:spPr/>
+        <p:txBody>
+          <a:bodyPr/>
+          <a:lstStyle/>
+          <a:p>
+            <a:r>
+              <a:rPr lang="en-US" dirty="0"/>
+              <a:t>How to follow a routine</a:t>
+            </a:r>
+          </a:p>
+        </p:txBody>
+      </p:sp>
+      <p:sp>
+        <p:nvSpPr>
+          <p:cNvPr id="3" name="Content Placeholder 2">
+            <a:extLst>
+              <a:ext uri="{FF2B5EF4-FFF2-40B4-BE49-F238E27FC236}">
+                <a16:creationId xmlns:a16="http://schemas.microsoft.com/office/drawing/2014/main" id="{5A245A75-0AE0-46C0-9E83-AD8EE0F8B917}"/>
+              </a:ext>
+            </a:extLst>
+          </p:cNvPr>
+          <p:cNvSpPr>
+            <a:spLocks noGrp="1"/>
+          </p:cNvSpPr>
+          <p:nvPr>
+            <p:ph idx="1"/>
+          </p:nvPr>
+        </p:nvSpPr>
+        <p:spPr>
+          <a:xfrm>
+            <a:off x="1141412" y="2249486"/>
+            <a:ext cx="9905999" cy="3715085"/>
+          </a:xfrm>
+        </p:spPr>
+        <p:txBody>
+          <a:bodyPr/>
+          <a:lstStyle/>
+          <a:p>
+            <a:pPr marL="0" indent="0">
+              <a:buNone/>
+            </a:pPr>
+            <a:r>
+              <a:rPr lang="en-US" dirty="0"/>
+              <a:t>Making a routine is easy, but actually following it is the hard part. </a:t>
+            </a:r>
+          </a:p>
+          <a:p>
+            <a:pPr marL="0" indent="0">
+              <a:buNone/>
+            </a:pPr>
+            <a:endParaRPr lang="en-US" dirty="0"/>
+          </a:p>
+          <a:p>
+            <a:pPr marL="0" indent="0">
+              <a:buNone/>
+            </a:pPr>
+            <a:r>
+              <a:rPr lang="en-US" dirty="0"/>
+              <a:t>You need to start following your routine every single day, and try you best to not break routine. This will make your routine a habit. Once a routine becomes a habit it will come naturally to you and you’ll do it without even thinking. </a:t>
+            </a:r>
+          </a:p>
+          <a:p>
+            <a:pPr marL="0" indent="0">
+              <a:buNone/>
+            </a:pPr>
+            <a:endParaRPr lang="en-US" dirty="0"/>
+          </a:p>
+          <a:p>
+            <a:pPr marL="0" indent="0">
+              <a:buNone/>
+            </a:pPr>
+            <a:r>
+              <a:rPr lang="en-US" dirty="0"/>
+              <a:t>But how long exactly does forming a habit take?</a:t>
+            </a:r>
+          </a:p>
+        </p:txBody>
+      </p:sp>
+    </p:spTree>
+    <p:extLst>
+      <p:ext uri="{BB962C8B-B14F-4D97-AF65-F5344CB8AC3E}">
+        <p14:creationId xmlns:p14="http://schemas.microsoft.com/office/powerpoint/2010/main" val="2699331783"/>
+      </p:ext>
+    </p:extLst>
+  </p:cSld>
+  <p:clrMapOvr>
+    <a:masterClrMapping/>
+  </p:clrMapOvr>
+  <p:transition spd="slow">
+    <p:push dir="u"/>
+  </p:transition>
+  <p:timing>
+    <p:tnLst>
+      <p:par>
+        <p:cTn id="1" dur="indefinite" restart="never" nodeType="tmRoot">
+          <p:childTnLst>
+            <p:seq concurrent="1" nextAc="seek">
+              <p:cTn id="2" dur="indefinite" nodeType="mainSeq">
+                <p:childTnLst>
+                  <p:par>
+                    <p:cTn id="3" fill="hold">
+                      <p:stCondLst>
+                        <p:cond delay="indefinite"/>
+                      </p:stCondLst>
+                      <p:childTnLst>
+                        <p:par>
+                          <p:cTn id="4" fill="hold">
+                            <p:stCondLst>
+                              <p:cond delay="0"/>
+                            </p:stCondLst>
+                            <p:childTnLst>
+                              <p:par>
+                                <p:cTn id="5" presetID="53" presetClass="entr" presetSubtype="16" fill="hold" grpId="0" nodeType="clickEffect">
+                                  <p:stCondLst>
+                                    <p:cond delay="0"/>
+                                  </p:stCondLst>
+                                  <p:childTnLst>
+                                    <p:set>
+                                      <p:cBhvr>
+                                        <p:cTn id="6" dur="1" fill="hold">
+                                          <p:stCondLst>
+                                            <p:cond delay="0"/>
+                                          </p:stCondLst>
+                                        </p:cTn>
+                                        <p:tgtEl>
+                                          <p:spTgt spid="2"/>
+                                        </p:tgtEl>
+                                        <p:attrNameLst>
+                                          <p:attrName>style.visibility</p:attrName>
+                                        </p:attrNameLst>
+                                      </p:cBhvr>
+                                      <p:to>
+                                        <p:strVal val="visible"/>
+                                      </p:to>
+                                    </p:set>
+                                    <p:anim calcmode="lin" valueType="num">
+                                      <p:cBhvr>
+                                        <p:cTn id="7" dur="1000" fill="hold"/>
+                                        <p:tgtEl>
+                                          <p:spTgt spid="2"/>
+                                        </p:tgtEl>
+                                        <p:attrNameLst>
+                                          <p:attrName>ppt_w</p:attrName>
+                                        </p:attrNameLst>
+                                      </p:cBhvr>
+                                      <p:tavLst>
+                                        <p:tav tm="0">
+                                          <p:val>
+                                            <p:fltVal val="0"/>
+                                          </p:val>
+                                        </p:tav>
+                                        <p:tav tm="100000">
+                                          <p:val>
+                                            <p:strVal val="#ppt_w"/>
+                                          </p:val>
+                                        </p:tav>
+                                      </p:tavLst>
+                                    </p:anim>
+                                    <p:anim calcmode="lin" valueType="num">
+                                      <p:cBhvr>
+                                        <p:cTn id="8" dur="1000" fill="hold"/>
+                                        <p:tgtEl>
+                                          <p:spTgt spid="2"/>
+                                        </p:tgtEl>
+                                        <p:attrNameLst>
+                                          <p:attrName>ppt_h</p:attrName>
+                                        </p:attrNameLst>
+                                      </p:cBhvr>
+                                      <p:tavLst>
+                                        <p:tav tm="0">
+                                          <p:val>
+                                            <p:fltVal val="0"/>
+                                          </p:val>
+                                        </p:tav>
+                                        <p:tav tm="100000">
+                                          <p:val>
+                                            <p:strVal val="#ppt_h"/>
+                                          </p:val>
+                                        </p:tav>
+                                      </p:tavLst>
+                                    </p:anim>
+                                    <p:animEffect transition="in" filter="fade">
+                                      <p:cBhvr>
+                                        <p:cTn id="9" dur="1000"/>
+                                        <p:tgtEl>
+                                          <p:spTgt spid="2"/>
+                                        </p:tgtEl>
+                                      </p:cBhvr>
+                                    </p:animEffect>
+                                  </p:childTnLst>
+                                </p:cTn>
+                              </p:par>
+                            </p:childTnLst>
+                          </p:cTn>
+                        </p:par>
+                      </p:childTnLst>
+                    </p:cTn>
+                  </p:par>
+                  <p:par>
+                    <p:cTn id="10" fill="hold">
+                      <p:stCondLst>
+                        <p:cond delay="indefinite"/>
+                      </p:stCondLst>
+                      <p:childTnLst>
+                        <p:par>
+                          <p:cTn id="11" fill="hold">
+                            <p:stCondLst>
+                              <p:cond delay="0"/>
+                            </p:stCondLst>
+                            <p:childTnLst>
+                              <p:par>
+                                <p:cTn id="12" presetID="53" presetClass="entr" presetSubtype="16" fill="hold" grpId="0" nodeType="clickEffect">
+                                  <p:stCondLst>
+                                    <p:cond delay="0"/>
+                                  </p:stCondLst>
+                                  <p:childTnLst>
+                                    <p:set>
+                                      <p:cBhvr>
+                                        <p:cTn id="13" dur="1" fill="hold">
+                                          <p:stCondLst>
+                                            <p:cond delay="0"/>
+                                          </p:stCondLst>
+                                        </p:cTn>
+                                        <p:tgtEl>
+                                          <p:spTgt spid="3">
+                                            <p:txEl>
+                                              <p:pRg st="0" end="0"/>
+                                            </p:txEl>
+                                          </p:spTgt>
+                                        </p:tgtEl>
+                                        <p:attrNameLst>
+                                          <p:attrName>style.visibility</p:attrName>
+                                        </p:attrNameLst>
+                                      </p:cBhvr>
+                                      <p:to>
+                                        <p:strVal val="visible"/>
+                                      </p:to>
+                                    </p:set>
+                                    <p:anim calcmode="lin" valueType="num">
+                                      <p:cBhvr>
+                                        <p:cTn id="14" dur="1500" fill="hold"/>
+                                        <p:tgtEl>
+                                          <p:spTgt spid="3">
+                                            <p:txEl>
+                                              <p:pRg st="0" end="0"/>
+                                            </p:txEl>
+                                          </p:spTgt>
+                                        </p:tgtEl>
+                                        <p:attrNameLst>
+                                          <p:attrName>ppt_w</p:attrName>
+                                        </p:attrNameLst>
+                                      </p:cBhvr>
+                                      <p:tavLst>
+                                        <p:tav tm="0">
+                                          <p:val>
+                                            <p:fltVal val="0"/>
+                                          </p:val>
+                                        </p:tav>
+                                        <p:tav tm="100000">
+                                          <p:val>
+                                            <p:strVal val="#ppt_w"/>
+                                          </p:val>
+                                        </p:tav>
+                                      </p:tavLst>
+                                    </p:anim>
+                                    <p:anim calcmode="lin" valueType="num">
+                                      <p:cBhvr>
+                                        <p:cTn id="15" dur="1500" fill="hold"/>
+                                        <p:tgtEl>
+                                          <p:spTgt spid="3">
+                                            <p:txEl>
+                                              <p:pRg st="0" end="0"/>
+                                            </p:txEl>
+                                          </p:spTgt>
+                                        </p:tgtEl>
+                                        <p:attrNameLst>
+                                          <p:attrName>ppt_h</p:attrName>
+                                        </p:attrNameLst>
+                                      </p:cBhvr>
+                                      <p:tavLst>
+                                        <p:tav tm="0">
+                                          <p:val>
+                                            <p:fltVal val="0"/>
+                                          </p:val>
+                                        </p:tav>
+                                        <p:tav tm="100000">
+                                          <p:val>
+                                            <p:strVal val="#ppt_h"/>
+                                          </p:val>
+                                        </p:tav>
+                                      </p:tavLst>
+                                    </p:anim>
+                                    <p:animEffect transition="in" filter="fade">
+                                      <p:cBhvr>
+                                        <p:cTn id="16" dur="1500"/>
+                                        <p:tgtEl>
+                                          <p:spTgt spid="3">
+                                            <p:txEl>
+                                              <p:pRg st="0" end="0"/>
+                                            </p:txEl>
+                                          </p:spTgt>
+                                        </p:tgtEl>
+                                      </p:cBhvr>
+                                    </p:animEffect>
+                                  </p:childTnLst>
+                                </p:cTn>
+                              </p:par>
+                            </p:childTnLst>
+                          </p:cTn>
+                        </p:par>
+                      </p:childTnLst>
+                    </p:cTn>
+                  </p:par>
+                  <p:par>
+                    <p:cTn id="17" fill="hold">
+                      <p:stCondLst>
+                        <p:cond delay="indefinite"/>
+                      </p:stCondLst>
+                      <p:childTnLst>
+                        <p:par>
+                          <p:cTn id="18" fill="hold">
+                            <p:stCondLst>
+                              <p:cond delay="0"/>
+                            </p:stCondLst>
+                            <p:childTnLst>
+                              <p:par>
+                                <p:cTn id="19" presetID="53" presetClass="entr" presetSubtype="16" fill="hold" grpId="0" nodeType="clickEffect">
+                                  <p:stCondLst>
+                                    <p:cond delay="0"/>
+                                  </p:stCondLst>
+                                  <p:childTnLst>
+                                    <p:set>
+                                      <p:cBhvr>
+                                        <p:cTn id="20" dur="1" fill="hold">
+                                          <p:stCondLst>
+                                            <p:cond delay="0"/>
+                                          </p:stCondLst>
+                                        </p:cTn>
+                                        <p:tgtEl>
+                                          <p:spTgt spid="3">
+                                            <p:txEl>
+                                              <p:pRg st="2" end="2"/>
+                                            </p:txEl>
+                                          </p:spTgt>
+                                        </p:tgtEl>
+                                        <p:attrNameLst>
+                                          <p:attrName>style.visibility</p:attrName>
+                                        </p:attrNameLst>
+                                      </p:cBhvr>
+                                      <p:to>
+                                        <p:strVal val="visible"/>
+                                      </p:to>
+                                    </p:set>
+                                    <p:anim calcmode="lin" valueType="num">
+                                      <p:cBhvr>
+                                        <p:cTn id="21" dur="1500" fill="hold"/>
+                                        <p:tgtEl>
+                                          <p:spTgt spid="3">
+                                            <p:txEl>
+                                              <p:pRg st="2" end="2"/>
+                                            </p:txEl>
+                                          </p:spTgt>
+                                        </p:tgtEl>
+                                        <p:attrNameLst>
+                                          <p:attrName>ppt_w</p:attrName>
+                                        </p:attrNameLst>
+                                      </p:cBhvr>
+                                      <p:tavLst>
+                                        <p:tav tm="0">
+                                          <p:val>
+                                            <p:fltVal val="0"/>
+                                          </p:val>
+                                        </p:tav>
+                                        <p:tav tm="100000">
+                                          <p:val>
+                                            <p:strVal val="#ppt_w"/>
+                                          </p:val>
+                                        </p:tav>
+                                      </p:tavLst>
+                                    </p:anim>
+                                    <p:anim calcmode="lin" valueType="num">
+                                      <p:cBhvr>
+                                        <p:cTn id="22" dur="1500" fill="hold"/>
+                                        <p:tgtEl>
+                                          <p:spTgt spid="3">
+                                            <p:txEl>
+                                              <p:pRg st="2" end="2"/>
+                                            </p:txEl>
+                                          </p:spTgt>
+                                        </p:tgtEl>
+                                        <p:attrNameLst>
+                                          <p:attrName>ppt_h</p:attrName>
+                                        </p:attrNameLst>
+                                      </p:cBhvr>
+                                      <p:tavLst>
+                                        <p:tav tm="0">
+                                          <p:val>
+                                            <p:fltVal val="0"/>
+                                          </p:val>
+                                        </p:tav>
+                                        <p:tav tm="100000">
+                                          <p:val>
+                                            <p:strVal val="#ppt_h"/>
+                                          </p:val>
+                                        </p:tav>
+                                      </p:tavLst>
+                                    </p:anim>
+                                    <p:animEffect transition="in" filter="fade">
+                                      <p:cBhvr>
+                                        <p:cTn id="23" dur="1500"/>
+                                        <p:tgtEl>
+                                          <p:spTgt spid="3">
+                                            <p:txEl>
+                                              <p:pRg st="2" end="2"/>
+                                            </p:txEl>
+                                          </p:spTgt>
+                                        </p:tgtEl>
+                                      </p:cBhvr>
+                                    </p:animEffect>
+                                  </p:childTnLst>
+                                </p:cTn>
+                              </p:par>
+                            </p:childTnLst>
+                          </p:cTn>
+                        </p:par>
+                      </p:childTnLst>
+                    </p:cTn>
+                  </p:par>
+                  <p:par>
+                    <p:cTn id="24" fill="hold">
+                      <p:stCondLst>
+                        <p:cond delay="indefinite"/>
+                      </p:stCondLst>
+                      <p:childTnLst>
+                        <p:par>
+                          <p:cTn id="25" fill="hold">
+                            <p:stCondLst>
+                              <p:cond delay="0"/>
+                            </p:stCondLst>
+                            <p:childTnLst>
+                              <p:par>
+                                <p:cTn id="26" presetID="53" presetClass="entr" presetSubtype="16" fill="hold" grpId="0" nodeType="clickEffect">
+                                  <p:stCondLst>
+                                    <p:cond delay="0"/>
+                                  </p:stCondLst>
+                                  <p:childTnLst>
+                                    <p:set>
+                                      <p:cBhvr>
+                                        <p:cTn id="27" dur="1" fill="hold">
+                                          <p:stCondLst>
+                                            <p:cond delay="0"/>
+                                          </p:stCondLst>
+                                        </p:cTn>
+                                        <p:tgtEl>
+                                          <p:spTgt spid="3">
+                                            <p:txEl>
+                                              <p:pRg st="4" end="4"/>
+                                            </p:txEl>
+                                          </p:spTgt>
+                                        </p:tgtEl>
+                                        <p:attrNameLst>
+                                          <p:attrName>style.visibility</p:attrName>
+                                        </p:attrNameLst>
+                                      </p:cBhvr>
+                                      <p:to>
+                                        <p:strVal val="visible"/>
+                                      </p:to>
+                                    </p:set>
+                                    <p:anim calcmode="lin" valueType="num">
+                                      <p:cBhvr>
+                                        <p:cTn id="28" dur="1500" fill="hold"/>
+                                        <p:tgtEl>
+                                          <p:spTgt spid="3">
+                                            <p:txEl>
+                                              <p:pRg st="4" end="4"/>
+                                            </p:txEl>
+                                          </p:spTgt>
+                                        </p:tgtEl>
+                                        <p:attrNameLst>
+                                          <p:attrName>ppt_w</p:attrName>
+                                        </p:attrNameLst>
+                                      </p:cBhvr>
+                                      <p:tavLst>
+                                        <p:tav tm="0">
+                                          <p:val>
+                                            <p:fltVal val="0"/>
+                                          </p:val>
+                                        </p:tav>
+                                        <p:tav tm="100000">
+                                          <p:val>
+                                            <p:strVal val="#ppt_w"/>
+                                          </p:val>
+                                        </p:tav>
+                                      </p:tavLst>
+                                    </p:anim>
+                                    <p:anim calcmode="lin" valueType="num">
+                                      <p:cBhvr>
+                                        <p:cTn id="29" dur="1500" fill="hold"/>
+                                        <p:tgtEl>
+                                          <p:spTgt spid="3">
+                                            <p:txEl>
+                                              <p:pRg st="4" end="4"/>
+                                            </p:txEl>
+                                          </p:spTgt>
+                                        </p:tgtEl>
+                                        <p:attrNameLst>
+                                          <p:attrName>ppt_h</p:attrName>
+                                        </p:attrNameLst>
+                                      </p:cBhvr>
+                                      <p:tavLst>
+                                        <p:tav tm="0">
+                                          <p:val>
+                                            <p:fltVal val="0"/>
+                                          </p:val>
+                                        </p:tav>
+                                        <p:tav tm="100000">
+                                          <p:val>
+                                            <p:strVal val="#ppt_h"/>
+                                          </p:val>
+                                        </p:tav>
+                                      </p:tavLst>
+                                    </p:anim>
+                                    <p:animEffect transition="in" filter="fade">
+                                      <p:cBhvr>
+                                        <p:cTn id="30" dur="1500"/>
+                                        <p:tgtEl>
+                                          <p:spTgt spid="3">
+                                            <p:txEl>
+                                              <p:pRg st="4" end="4"/>
+                                            </p:txEl>
+                                          </p:spTgt>
+                                        </p:tgtEl>
+                                      </p:cBhvr>
+                                    </p:animEffect>
+                                  </p:childTnLst>
+                                </p:cTn>
+                              </p:par>
+                            </p:childTnLst>
+                          </p:cTn>
+                        </p:par>
+                      </p:childTnLst>
+                    </p:cTn>
+                  </p:par>
+                </p:childTnLst>
+              </p:cTn>
+              <p:prevCondLst>
+                <p:cond evt="onPrev" delay="0">
+                  <p:tgtEl>
+                    <p:sldTgt/>
+                  </p:tgtEl>
+                </p:cond>
+              </p:prevCondLst>
+              <p:nextCondLst>
+                <p:cond evt="onNext" delay="0">
+                  <p:tgtEl>
+                    <p:sldTgt/>
+                  </p:tgtEl>
+                </p:cond>
+              </p:nextCondLst>
+            </p:seq>
+          </p:childTnLst>
+        </p:cTn>
+      </p:par>
+    </p:tnLst>
+    <p:bldLst>
+      <p:bldP spid="2" grpId="0"/>
+      <p:bldP spid="3" grpId="0" build="p"/>
+    </p:bldLst>
+  </p:timing>
+</p:sld>
+</file>
+
+<file path=ppt/slides/slide8.xml><?xml version="1.0" encoding="utf-8"?>
+<p:sld xmlns:a="http://schemas.openxmlformats.org/drawingml/2006/main" xmlns:r="http://schemas.openxmlformats.org/officeDocument/2006/relationships" xmlns:p="http://schemas.openxmlformats.org/presentationml/2006/main">
+  <p:cSld>
+    <p:spTree>
+      <p:nvGrpSpPr>
+        <p:cNvPr id="1" name=""/>
+        <p:cNvGrpSpPr/>
+        <p:nvPr/>
+      </p:nvGrpSpPr>
+      <p:grpSpPr>
+        <a:xfrm>
+          <a:off x="0" y="0"/>
+          <a:ext cx="0" cy="0"/>
+          <a:chOff x="0" y="0"/>
+          <a:chExt cx="0" cy="0"/>
+        </a:xfrm>
+      </p:grpSpPr>
+      <p:sp>
+        <p:nvSpPr>
+          <p:cNvPr id="2" name="Title 1">
+            <a:extLst>
+              <a:ext uri="{FF2B5EF4-FFF2-40B4-BE49-F238E27FC236}">
+                <a16:creationId xmlns:a16="http://schemas.microsoft.com/office/drawing/2014/main" id="{83A94F9B-810E-4E97-8C4B-B9803E58FA89}"/>
+              </a:ext>
+            </a:extLst>
+          </p:cNvPr>
+          <p:cNvSpPr>
+            <a:spLocks noGrp="1"/>
+          </p:cNvSpPr>
+          <p:nvPr>
+            <p:ph type="title"/>
+          </p:nvPr>
+        </p:nvSpPr>
+        <p:spPr/>
+        <p:txBody>
+          <a:bodyPr/>
+          <a:lstStyle/>
+          <a:p>
+            <a:r>
+              <a:rPr lang="en-US" dirty="0"/>
+              <a:t>How long does it take to make a routine a habit?</a:t>
+            </a:r>
+          </a:p>
+        </p:txBody>
+      </p:sp>
+      <p:sp>
+        <p:nvSpPr>
+          <p:cNvPr id="3" name="Content Placeholder 2">
+            <a:extLst>
+              <a:ext uri="{FF2B5EF4-FFF2-40B4-BE49-F238E27FC236}">
+                <a16:creationId xmlns:a16="http://schemas.microsoft.com/office/drawing/2014/main" id="{1A4834A0-A949-4BC5-B298-7B8AEF57B3AB}"/>
+              </a:ext>
+            </a:extLst>
+          </p:cNvPr>
+          <p:cNvSpPr>
+            <a:spLocks noGrp="1"/>
+          </p:cNvSpPr>
+          <p:nvPr>
+            <p:ph idx="1"/>
+          </p:nvPr>
+        </p:nvSpPr>
+        <p:spPr/>
+        <p:txBody>
+          <a:bodyPr/>
+          <a:lstStyle/>
+          <a:p>
+            <a:pPr marL="0" indent="0">
+              <a:buNone/>
+            </a:pPr>
+            <a:r>
+              <a:rPr lang="en-US" dirty="0"/>
+              <a:t>The exact answer is 21 days. </a:t>
+            </a:r>
+            <a:br>
+              <a:rPr lang="en-US" dirty="0"/>
+            </a:br>
+            <a:endParaRPr lang="en-US" dirty="0"/>
+          </a:p>
+          <a:p>
+            <a:pPr marL="0" indent="0">
+              <a:buNone/>
+            </a:pPr>
+            <a:r>
+              <a:rPr lang="en-US" dirty="0"/>
+              <a:t>If you do something for 21 days straight. It will become a habit. The important part is doing it everyday without fail. If you take even one day off, you’ll have to start all over again. </a:t>
+            </a:r>
+          </a:p>
+          <a:p>
+            <a:pPr marL="0" indent="0">
+              <a:buNone/>
+            </a:pPr>
+            <a:endParaRPr lang="en-US" dirty="0"/>
+          </a:p>
+          <a:p>
+            <a:pPr marL="0" indent="0">
+              <a:buNone/>
+            </a:pPr>
+            <a:r>
+              <a:rPr lang="en-US" dirty="0"/>
+              <a:t>PRO TIP: It also helps to do the task at the exact same time every day.</a:t>
+            </a:r>
+          </a:p>
+        </p:txBody>
+      </p:sp>
+    </p:spTree>
+    <p:extLst>
+      <p:ext uri="{BB962C8B-B14F-4D97-AF65-F5344CB8AC3E}">
+        <p14:creationId xmlns:p14="http://schemas.microsoft.com/office/powerpoint/2010/main" val="4062873853"/>
+      </p:ext>
+    </p:extLst>
+  </p:cSld>
+  <p:clrMapOvr>
+    <a:masterClrMapping/>
+  </p:clrMapOvr>
+  <p:transition spd="slow">
+    <p:push dir="u"/>
+  </p:transition>
+  <p:timing>
+    <p:tnLst>
+      <p:par>
+        <p:cTn id="1" dur="indefinite" restart="never" nodeType="tmRoot">
+          <p:childTnLst>
+            <p:seq concurrent="1" nextAc="seek">
+              <p:cTn id="2" dur="indefinite" nodeType="mainSeq">
+                <p:childTnLst>
+                  <p:par>
+                    <p:cTn id="3" fill="hold">
+                      <p:stCondLst>
+                        <p:cond delay="indefinite"/>
+                      </p:stCondLst>
+                      <p:childTnLst>
+                        <p:par>
+                          <p:cTn id="4" fill="hold">
+                            <p:stCondLst>
+                              <p:cond delay="0"/>
+                            </p:stCondLst>
+                            <p:childTnLst>
+                              <p:par>
+                                <p:cTn id="5" presetID="53" presetClass="entr" presetSubtype="16" fill="hold" grpId="0" nodeType="clickEffect">
+                                  <p:stCondLst>
+                                    <p:cond delay="0"/>
+                                  </p:stCondLst>
+                                  <p:childTnLst>
+                                    <p:set>
+                                      <p:cBhvr>
+                                        <p:cTn id="6" dur="1" fill="hold">
+                                          <p:stCondLst>
+                                            <p:cond delay="0"/>
+                                          </p:stCondLst>
+                                        </p:cTn>
+                                        <p:tgtEl>
+                                          <p:spTgt spid="2"/>
+                                        </p:tgtEl>
+                                        <p:attrNameLst>
+                                          <p:attrName>style.visibility</p:attrName>
+                                        </p:attrNameLst>
+                                      </p:cBhvr>
+                                      <p:to>
+                                        <p:strVal val="visible"/>
+                                      </p:to>
+                                    </p:set>
+                                    <p:anim calcmode="lin" valueType="num">
+                                      <p:cBhvr>
+                                        <p:cTn id="7" dur="1000" fill="hold"/>
+                                        <p:tgtEl>
+                                          <p:spTgt spid="2"/>
+                                        </p:tgtEl>
+                                        <p:attrNameLst>
+                                          <p:attrName>ppt_w</p:attrName>
+                                        </p:attrNameLst>
+                                      </p:cBhvr>
+                                      <p:tavLst>
+                                        <p:tav tm="0">
+                                          <p:val>
+                                            <p:fltVal val="0"/>
+                                          </p:val>
+                                        </p:tav>
+                                        <p:tav tm="100000">
+                                          <p:val>
+                                            <p:strVal val="#ppt_w"/>
+                                          </p:val>
+                                        </p:tav>
+                                      </p:tavLst>
+                                    </p:anim>
+                                    <p:anim calcmode="lin" valueType="num">
+                                      <p:cBhvr>
+                                        <p:cTn id="8" dur="1000" fill="hold"/>
+                                        <p:tgtEl>
+                                          <p:spTgt spid="2"/>
+                                        </p:tgtEl>
+                                        <p:attrNameLst>
+                                          <p:attrName>ppt_h</p:attrName>
+                                        </p:attrNameLst>
+                                      </p:cBhvr>
+                                      <p:tavLst>
+                                        <p:tav tm="0">
+                                          <p:val>
+                                            <p:fltVal val="0"/>
+                                          </p:val>
+                                        </p:tav>
+                                        <p:tav tm="100000">
+                                          <p:val>
+                                            <p:strVal val="#ppt_h"/>
+                                          </p:val>
+                                        </p:tav>
+                                      </p:tavLst>
+                                    </p:anim>
+                                    <p:animEffect transition="in" filter="fade">
+                                      <p:cBhvr>
+                                        <p:cTn id="9" dur="1000"/>
+                                        <p:tgtEl>
+                                          <p:spTgt spid="2"/>
+                                        </p:tgtEl>
+                                      </p:cBhvr>
+                                    </p:animEffect>
+                                  </p:childTnLst>
+                                </p:cTn>
+                              </p:par>
+                            </p:childTnLst>
+                          </p:cTn>
+                        </p:par>
+                      </p:childTnLst>
+                    </p:cTn>
+                  </p:par>
+                  <p:par>
+                    <p:cTn id="10" fill="hold">
+                      <p:stCondLst>
+                        <p:cond delay="indefinite"/>
+                      </p:stCondLst>
+                      <p:childTnLst>
+                        <p:par>
+                          <p:cTn id="11" fill="hold">
+                            <p:stCondLst>
+                              <p:cond delay="0"/>
+                            </p:stCondLst>
+                            <p:childTnLst>
+                              <p:par>
+                                <p:cTn id="12" presetID="53" presetClass="entr" presetSubtype="16" fill="hold" grpId="0" nodeType="clickEffect">
+                                  <p:stCondLst>
+                                    <p:cond delay="0"/>
+                                  </p:stCondLst>
+                                  <p:childTnLst>
+                                    <p:set>
+                                      <p:cBhvr>
+                                        <p:cTn id="13" dur="1" fill="hold">
+                                          <p:stCondLst>
+                                            <p:cond delay="0"/>
+                                          </p:stCondLst>
+                                        </p:cTn>
+                                        <p:tgtEl>
+                                          <p:spTgt spid="3">
+                                            <p:txEl>
+                                              <p:pRg st="0" end="0"/>
+                                            </p:txEl>
+                                          </p:spTgt>
+                                        </p:tgtEl>
+                                        <p:attrNameLst>
+                                          <p:attrName>style.visibility</p:attrName>
+                                        </p:attrNameLst>
+                                      </p:cBhvr>
+                                      <p:to>
+                                        <p:strVal val="visible"/>
+                                      </p:to>
+                                    </p:set>
+                                    <p:anim calcmode="lin" valueType="num">
+                                      <p:cBhvr>
+                                        <p:cTn id="14" dur="1500" fill="hold"/>
+                                        <p:tgtEl>
+                                          <p:spTgt spid="3">
+                                            <p:txEl>
+                                              <p:pRg st="0" end="0"/>
+                                            </p:txEl>
+                                          </p:spTgt>
+                                        </p:tgtEl>
+                                        <p:attrNameLst>
+                                          <p:attrName>ppt_w</p:attrName>
+                                        </p:attrNameLst>
+                                      </p:cBhvr>
+                                      <p:tavLst>
+                                        <p:tav tm="0">
+                                          <p:val>
+                                            <p:fltVal val="0"/>
+                                          </p:val>
+                                        </p:tav>
+                                        <p:tav tm="100000">
+                                          <p:val>
+                                            <p:strVal val="#ppt_w"/>
+                                          </p:val>
+                                        </p:tav>
+                                      </p:tavLst>
+                                    </p:anim>
+                                    <p:anim calcmode="lin" valueType="num">
+                                      <p:cBhvr>
+                                        <p:cTn id="15" dur="1500" fill="hold"/>
+                                        <p:tgtEl>
+                                          <p:spTgt spid="3">
+                                            <p:txEl>
+                                              <p:pRg st="0" end="0"/>
+                                            </p:txEl>
+                                          </p:spTgt>
+                                        </p:tgtEl>
+                                        <p:attrNameLst>
+                                          <p:attrName>ppt_h</p:attrName>
+                                        </p:attrNameLst>
+                                      </p:cBhvr>
+                                      <p:tavLst>
+                                        <p:tav tm="0">
+                                          <p:val>
+                                            <p:fltVal val="0"/>
+                                          </p:val>
+                                        </p:tav>
+                                        <p:tav tm="100000">
+                                          <p:val>
+                                            <p:strVal val="#ppt_h"/>
+                                          </p:val>
+                                        </p:tav>
+                                      </p:tavLst>
+                                    </p:anim>
+                                    <p:animEffect transition="in" filter="fade">
+                                      <p:cBhvr>
+                                        <p:cTn id="16" dur="1500"/>
+                                        <p:tgtEl>
+                                          <p:spTgt spid="3">
+                                            <p:txEl>
+                                              <p:pRg st="0" end="0"/>
+                                            </p:txEl>
+                                          </p:spTgt>
+                                        </p:tgtEl>
+                                      </p:cBhvr>
+                                    </p:animEffect>
+                                  </p:childTnLst>
+                                </p:cTn>
+                              </p:par>
+                            </p:childTnLst>
+                          </p:cTn>
+                        </p:par>
+                      </p:childTnLst>
+                    </p:cTn>
+                  </p:par>
+                  <p:par>
+                    <p:cTn id="17" fill="hold">
+                      <p:stCondLst>
+                        <p:cond delay="indefinite"/>
+                      </p:stCondLst>
+                      <p:childTnLst>
+                        <p:par>
+                          <p:cTn id="18" fill="hold">
+                            <p:stCondLst>
+                              <p:cond delay="0"/>
+                            </p:stCondLst>
+                            <p:childTnLst>
+                              <p:par>
+                                <p:cTn id="19" presetID="53" presetClass="entr" presetSubtype="16" fill="hold" grpId="0" nodeType="clickEffect">
+                                  <p:stCondLst>
+                                    <p:cond delay="0"/>
+                                  </p:stCondLst>
+                                  <p:childTnLst>
+                                    <p:set>
+                                      <p:cBhvr>
+                                        <p:cTn id="20" dur="1" fill="hold">
+                                          <p:stCondLst>
+                                            <p:cond delay="0"/>
+                                          </p:stCondLst>
+                                        </p:cTn>
+                                        <p:tgtEl>
+                                          <p:spTgt spid="3">
+                                            <p:txEl>
+                                              <p:pRg st="1" end="1"/>
+                                            </p:txEl>
+                                          </p:spTgt>
+                                        </p:tgtEl>
+                                        <p:attrNameLst>
+                                          <p:attrName>style.visibility</p:attrName>
+                                        </p:attrNameLst>
+                                      </p:cBhvr>
+                                      <p:to>
+                                        <p:strVal val="visible"/>
+                                      </p:to>
+                                    </p:set>
+                                    <p:anim calcmode="lin" valueType="num">
+                                      <p:cBhvr>
+                                        <p:cTn id="21" dur="1500" fill="hold"/>
+                                        <p:tgtEl>
+                                          <p:spTgt spid="3">
+                                            <p:txEl>
+                                              <p:pRg st="1" end="1"/>
+                                            </p:txEl>
+                                          </p:spTgt>
+                                        </p:tgtEl>
+                                        <p:attrNameLst>
+                                          <p:attrName>ppt_w</p:attrName>
+                                        </p:attrNameLst>
+                                      </p:cBhvr>
+                                      <p:tavLst>
+                                        <p:tav tm="0">
+                                          <p:val>
+                                            <p:fltVal val="0"/>
+                                          </p:val>
+                                        </p:tav>
+                                        <p:tav tm="100000">
+                                          <p:val>
+                                            <p:strVal val="#ppt_w"/>
+                                          </p:val>
+                                        </p:tav>
+                                      </p:tavLst>
+                                    </p:anim>
+                                    <p:anim calcmode="lin" valueType="num">
+                                      <p:cBhvr>
+                                        <p:cTn id="22" dur="1500" fill="hold"/>
+                                        <p:tgtEl>
+                                          <p:spTgt spid="3">
+                                            <p:txEl>
+                                              <p:pRg st="1" end="1"/>
+                                            </p:txEl>
+                                          </p:spTgt>
+                                        </p:tgtEl>
+                                        <p:attrNameLst>
+                                          <p:attrName>ppt_h</p:attrName>
+                                        </p:attrNameLst>
+                                      </p:cBhvr>
+                                      <p:tavLst>
+                                        <p:tav tm="0">
+                                          <p:val>
+                                            <p:fltVal val="0"/>
+                                          </p:val>
+                                        </p:tav>
+                                        <p:tav tm="100000">
+                                          <p:val>
+                                            <p:strVal val="#ppt_h"/>
+                                          </p:val>
+                                        </p:tav>
+                                      </p:tavLst>
+                                    </p:anim>
+                                    <p:animEffect transition="in" filter="fade">
+                                      <p:cBhvr>
+                                        <p:cTn id="23" dur="1500"/>
+                                        <p:tgtEl>
+                                          <p:spTgt spid="3">
+                                            <p:txEl>
+                                              <p:pRg st="1" end="1"/>
+                                            </p:txEl>
+                                          </p:spTgt>
+                                        </p:tgtEl>
+                                      </p:cBhvr>
+                                    </p:animEffect>
+                                  </p:childTnLst>
+                                </p:cTn>
+                              </p:par>
+                            </p:childTnLst>
+                          </p:cTn>
+                        </p:par>
+                      </p:childTnLst>
+                    </p:cTn>
+                  </p:par>
+                  <p:par>
+                    <p:cTn id="24" fill="hold">
+                      <p:stCondLst>
+                        <p:cond delay="indefinite"/>
+                      </p:stCondLst>
+                      <p:childTnLst>
+                        <p:par>
+                          <p:cTn id="25" fill="hold">
+                            <p:stCondLst>
+                              <p:cond delay="0"/>
+                            </p:stCondLst>
+                            <p:childTnLst>
+                              <p:par>
+                                <p:cTn id="26" presetID="53" presetClass="entr" presetSubtype="16" fill="hold" grpId="0" nodeType="clickEffect">
+                                  <p:stCondLst>
+                                    <p:cond delay="0"/>
+                                  </p:stCondLst>
+                                  <p:childTnLst>
+                                    <p:set>
+                                      <p:cBhvr>
+                                        <p:cTn id="27" dur="1" fill="hold">
+                                          <p:stCondLst>
+                                            <p:cond delay="0"/>
+                                          </p:stCondLst>
+                                        </p:cTn>
+                                        <p:tgtEl>
+                                          <p:spTgt spid="3">
+                                            <p:txEl>
+                                              <p:pRg st="3" end="3"/>
+                                            </p:txEl>
+                                          </p:spTgt>
+                                        </p:tgtEl>
+                                        <p:attrNameLst>
+                                          <p:attrName>style.visibility</p:attrName>
+                                        </p:attrNameLst>
+                                      </p:cBhvr>
+                                      <p:to>
+                                        <p:strVal val="visible"/>
+                                      </p:to>
+                                    </p:set>
+                                    <p:anim calcmode="lin" valueType="num">
+                                      <p:cBhvr>
+                                        <p:cTn id="28" dur="1500" fill="hold"/>
+                                        <p:tgtEl>
+                                          <p:spTgt spid="3">
+                                            <p:txEl>
+                                              <p:pRg st="3" end="3"/>
+                                            </p:txEl>
+                                          </p:spTgt>
+                                        </p:tgtEl>
+                                        <p:attrNameLst>
+                                          <p:attrName>ppt_w</p:attrName>
+                                        </p:attrNameLst>
+                                      </p:cBhvr>
+                                      <p:tavLst>
+                                        <p:tav tm="0">
+                                          <p:val>
+                                            <p:fltVal val="0"/>
+                                          </p:val>
+                                        </p:tav>
+                                        <p:tav tm="100000">
+                                          <p:val>
+                                            <p:strVal val="#ppt_w"/>
+                                          </p:val>
+                                        </p:tav>
+                                      </p:tavLst>
+                                    </p:anim>
+                                    <p:anim calcmode="lin" valueType="num">
+                                      <p:cBhvr>
+                                        <p:cTn id="29" dur="1500" fill="hold"/>
+                                        <p:tgtEl>
+                                          <p:spTgt spid="3">
+                                            <p:txEl>
+                                              <p:pRg st="3" end="3"/>
+                                            </p:txEl>
+                                          </p:spTgt>
+                                        </p:tgtEl>
+                                        <p:attrNameLst>
+                                          <p:attrName>ppt_h</p:attrName>
+                                        </p:attrNameLst>
+                                      </p:cBhvr>
+                                      <p:tavLst>
+                                        <p:tav tm="0">
+                                          <p:val>
+                                            <p:fltVal val="0"/>
+                                          </p:val>
+                                        </p:tav>
+                                        <p:tav tm="100000">
+                                          <p:val>
+                                            <p:strVal val="#ppt_h"/>
+                                          </p:val>
+                                        </p:tav>
+                                      </p:tavLst>
+                                    </p:anim>
+                                    <p:animEffect transition="in" filter="fade">
+                                      <p:cBhvr>
+                                        <p:cTn id="30" dur="1500"/>
+                                        <p:tgtEl>
+                                          <p:spTgt spid="3">
+                                            <p:txEl>
+                                              <p:pRg st="3" end="3"/>
+                                            </p:txEl>
+                                          </p:spTgt>
+                                        </p:tgtEl>
+                                      </p:cBhvr>
+                                    </p:animEffect>
+                                  </p:childTnLst>
+                                </p:cTn>
+                              </p:par>
+                            </p:childTnLst>
+                          </p:cTn>
+                        </p:par>
+                      </p:childTnLst>
+                    </p:cTn>
+                  </p:par>
+                </p:childTnLst>
+              </p:cTn>
+              <p:prevCondLst>
+                <p:cond evt="onPrev" delay="0">
+                  <p:tgtEl>
+                    <p:sldTgt/>
+                  </p:tgtEl>
+                </p:cond>
+              </p:prevCondLst>
+              <p:nextCondLst>
+                <p:cond evt="onNext" delay="0">
+                  <p:tgtEl>
+                    <p:sldTgt/>
+                  </p:tgtEl>
+                </p:cond>
+              </p:nextCondLst>
+            </p:seq>
+          </p:childTnLst>
+        </p:cTn>
+      </p:par>
+    </p:tnLst>
+    <p:bldLst>
+      <p:bldP spid="2" grpId="0"/>
+      <p:bldP spid="3" grpId="0" build="p"/>
+    </p:bldLst>
+  </p:timing>
+</p:sld>
+</file>
+
+<file path=ppt/slides/slide9.xml><?xml version="1.0" encoding="utf-8"?>
 <p:sld xmlns:a="http://schemas.openxmlformats.org/drawingml/2006/main" xmlns:r="http://schemas.openxmlformats.org/officeDocument/2006/relationships" xmlns:p="http://schemas.openxmlformats.org/presentationml/2006/main">
   <p:cSld>
     <p:spTree>
@@ -13076,12 +20797,55 @@
             <p:ph idx="1"/>
           </p:nvPr>
         </p:nvSpPr>
-        <p:spPr/>
+        <p:spPr>
+          <a:xfrm>
+            <a:off x="1141412" y="2249486"/>
+            <a:ext cx="10267616" cy="3731863"/>
+          </a:xfrm>
+        </p:spPr>
         <p:txBody>
-          <a:bodyPr/>
+          <a:bodyPr>
+            <a:normAutofit fontScale="92500" lnSpcReduction="10000"/>
+          </a:bodyPr>
           <a:lstStyle/>
           <a:p>
-            <a:endParaRPr lang="en-US"/>
+            <a:pPr marL="0" indent="0">
+              <a:buNone/>
+            </a:pPr>
+            <a:r>
+              <a:rPr lang="en-US" dirty="0"/>
+              <a:t>Small tasks can also be grouped together to make bigger tasks. </a:t>
+            </a:r>
+          </a:p>
+          <a:p>
+            <a:pPr marL="0" indent="0">
+              <a:buNone/>
+            </a:pPr>
+            <a:endParaRPr lang="en-US" dirty="0"/>
+          </a:p>
+          <a:p>
+            <a:pPr marL="0" indent="0">
+              <a:buNone/>
+            </a:pPr>
+            <a:r>
+              <a:rPr lang="en-US" dirty="0"/>
+              <a:t>Say you have Math, Chemistry, and English homework every night. Instead of listing each assignment separately. Just put DO HOMEWORK on your schedule for an allotted time period like 4:00 pm to 7:00 pm. </a:t>
+            </a:r>
+          </a:p>
+          <a:p>
+            <a:pPr marL="0" indent="0">
+              <a:buNone/>
+            </a:pPr>
+            <a:endParaRPr lang="en-US" dirty="0"/>
+          </a:p>
+          <a:p>
+            <a:pPr marL="0" indent="0">
+              <a:buNone/>
+            </a:pPr>
+            <a:r>
+              <a:rPr lang="en-US" dirty="0"/>
+              <a:t>It makes it look like you actually have a lot less to do, making the routine easier to process and complete</a:t>
+            </a:r>
           </a:p>
         </p:txBody>
       </p:sp>
@@ -13095,89 +20859,487 @@
   <p:clrMapOvr>
     <a:masterClrMapping/>
   </p:clrMapOvr>
-</p:sld>
-</file>
-
-<file path=ppt/slides/slide8.xml><?xml version="1.0" encoding="utf-8"?>
-<p:sld xmlns:a="http://schemas.openxmlformats.org/drawingml/2006/main" xmlns:r="http://schemas.openxmlformats.org/officeDocument/2006/relationships" xmlns:p="http://schemas.openxmlformats.org/presentationml/2006/main">
-  <p:cSld>
-    <p:spTree>
-      <p:nvGrpSpPr>
-        <p:cNvPr id="1" name=""/>
-        <p:cNvGrpSpPr/>
-        <p:nvPr/>
-      </p:nvGrpSpPr>
-      <p:grpSpPr>
-        <a:xfrm>
-          <a:off x="0" y="0"/>
-          <a:ext cx="0" cy="0"/>
-          <a:chOff x="0" y="0"/>
-          <a:chExt cx="0" cy="0"/>
-        </a:xfrm>
-      </p:grpSpPr>
-      <p:sp>
-        <p:nvSpPr>
-          <p:cNvPr id="2" name="Title 1">
-            <a:extLst>
-              <a:ext uri="{FF2B5EF4-FFF2-40B4-BE49-F238E27FC236}">
-                <a16:creationId xmlns:a16="http://schemas.microsoft.com/office/drawing/2014/main" id="{1EC37807-447A-4C33-9D2B-280C07F328ED}"/>
-              </a:ext>
-            </a:extLst>
-          </p:cNvPr>
-          <p:cNvSpPr>
-            <a:spLocks noGrp="1"/>
-          </p:cNvSpPr>
-          <p:nvPr>
-            <p:ph type="title"/>
-          </p:nvPr>
-        </p:nvSpPr>
-        <p:spPr/>
-        <p:txBody>
-          <a:bodyPr/>
-          <a:lstStyle/>
-          <a:p>
-            <a:r>
-              <a:rPr lang="en-US" dirty="0"/>
-              <a:t>Tasks outside the Routine</a:t>
-            </a:r>
-          </a:p>
-        </p:txBody>
-      </p:sp>
-      <p:sp>
-        <p:nvSpPr>
-          <p:cNvPr id="3" name="Content Placeholder 2">
-            <a:extLst>
-              <a:ext uri="{FF2B5EF4-FFF2-40B4-BE49-F238E27FC236}">
-                <a16:creationId xmlns:a16="http://schemas.microsoft.com/office/drawing/2014/main" id="{B24F7A37-5666-47F0-8628-50053BC74D2D}"/>
-              </a:ext>
-            </a:extLst>
-          </p:cNvPr>
-          <p:cNvSpPr>
-            <a:spLocks noGrp="1"/>
-          </p:cNvSpPr>
-          <p:nvPr>
-            <p:ph idx="1"/>
-          </p:nvPr>
-        </p:nvSpPr>
-        <p:spPr/>
-        <p:txBody>
-          <a:bodyPr/>
-          <a:lstStyle/>
-          <a:p>
-            <a:endParaRPr lang="en-US"/>
-          </a:p>
-        </p:txBody>
-      </p:sp>
-    </p:spTree>
-    <p:extLst>
-      <p:ext uri="{BB962C8B-B14F-4D97-AF65-F5344CB8AC3E}">
-        <p14:creationId xmlns:p14="http://schemas.microsoft.com/office/powerpoint/2010/main" val="427726979"/>
-      </p:ext>
-    </p:extLst>
-  </p:cSld>
-  <p:clrMapOvr>
-    <a:masterClrMapping/>
-  </p:clrMapOvr>
+  <p:transition spd="slow">
+    <p:push dir="u"/>
+  </p:transition>
+  <p:timing>
+    <p:tnLst>
+      <p:par>
+        <p:cTn id="1" dur="indefinite" restart="never" nodeType="tmRoot">
+          <p:childTnLst>
+            <p:seq concurrent="1" nextAc="seek">
+              <p:cTn id="2" dur="indefinite" nodeType="mainSeq">
+                <p:childTnLst>
+                  <p:par>
+                    <p:cTn id="3" fill="hold">
+                      <p:stCondLst>
+                        <p:cond delay="indefinite"/>
+                      </p:stCondLst>
+                      <p:childTnLst>
+                        <p:par>
+                          <p:cTn id="4" fill="hold">
+                            <p:stCondLst>
+                              <p:cond delay="0"/>
+                            </p:stCondLst>
+                            <p:childTnLst>
+                              <p:par>
+                                <p:cTn id="5" presetID="53" presetClass="entr" presetSubtype="16" fill="hold" grpId="0" nodeType="clickEffect">
+                                  <p:stCondLst>
+                                    <p:cond delay="0"/>
+                                  </p:stCondLst>
+                                  <p:childTnLst>
+                                    <p:set>
+                                      <p:cBhvr>
+                                        <p:cTn id="6" dur="1" fill="hold">
+                                          <p:stCondLst>
+                                            <p:cond delay="0"/>
+                                          </p:stCondLst>
+                                        </p:cTn>
+                                        <p:tgtEl>
+                                          <p:spTgt spid="2"/>
+                                        </p:tgtEl>
+                                        <p:attrNameLst>
+                                          <p:attrName>style.visibility</p:attrName>
+                                        </p:attrNameLst>
+                                      </p:cBhvr>
+                                      <p:to>
+                                        <p:strVal val="visible"/>
+                                      </p:to>
+                                    </p:set>
+                                    <p:anim calcmode="lin" valueType="num">
+                                      <p:cBhvr>
+                                        <p:cTn id="7" dur="1000" fill="hold"/>
+                                        <p:tgtEl>
+                                          <p:spTgt spid="2"/>
+                                        </p:tgtEl>
+                                        <p:attrNameLst>
+                                          <p:attrName>ppt_w</p:attrName>
+                                        </p:attrNameLst>
+                                      </p:cBhvr>
+                                      <p:tavLst>
+                                        <p:tav tm="0">
+                                          <p:val>
+                                            <p:fltVal val="0"/>
+                                          </p:val>
+                                        </p:tav>
+                                        <p:tav tm="100000">
+                                          <p:val>
+                                            <p:strVal val="#ppt_w"/>
+                                          </p:val>
+                                        </p:tav>
+                                      </p:tavLst>
+                                    </p:anim>
+                                    <p:anim calcmode="lin" valueType="num">
+                                      <p:cBhvr>
+                                        <p:cTn id="8" dur="1000" fill="hold"/>
+                                        <p:tgtEl>
+                                          <p:spTgt spid="2"/>
+                                        </p:tgtEl>
+                                        <p:attrNameLst>
+                                          <p:attrName>ppt_h</p:attrName>
+                                        </p:attrNameLst>
+                                      </p:cBhvr>
+                                      <p:tavLst>
+                                        <p:tav tm="0">
+                                          <p:val>
+                                            <p:fltVal val="0"/>
+                                          </p:val>
+                                        </p:tav>
+                                        <p:tav tm="100000">
+                                          <p:val>
+                                            <p:strVal val="#ppt_h"/>
+                                          </p:val>
+                                        </p:tav>
+                                      </p:tavLst>
+                                    </p:anim>
+                                    <p:animEffect transition="in" filter="fade">
+                                      <p:cBhvr>
+                                        <p:cTn id="9" dur="1000"/>
+                                        <p:tgtEl>
+                                          <p:spTgt spid="2"/>
+                                        </p:tgtEl>
+                                      </p:cBhvr>
+                                    </p:animEffect>
+                                  </p:childTnLst>
+                                </p:cTn>
+                              </p:par>
+                            </p:childTnLst>
+                          </p:cTn>
+                        </p:par>
+                      </p:childTnLst>
+                    </p:cTn>
+                  </p:par>
+                  <p:par>
+                    <p:cTn id="10" fill="hold">
+                      <p:stCondLst>
+                        <p:cond delay="indefinite"/>
+                      </p:stCondLst>
+                      <p:childTnLst>
+                        <p:par>
+                          <p:cTn id="11" fill="hold">
+                            <p:stCondLst>
+                              <p:cond delay="0"/>
+                            </p:stCondLst>
+                            <p:childTnLst>
+                              <p:par>
+                                <p:cTn id="12" presetID="53" presetClass="entr" presetSubtype="16" fill="hold" grpId="0" nodeType="clickEffect">
+                                  <p:stCondLst>
+                                    <p:cond delay="0"/>
+                                  </p:stCondLst>
+                                  <p:childTnLst>
+                                    <p:set>
+                                      <p:cBhvr>
+                                        <p:cTn id="13" dur="1" fill="hold">
+                                          <p:stCondLst>
+                                            <p:cond delay="0"/>
+                                          </p:stCondLst>
+                                        </p:cTn>
+                                        <p:tgtEl>
+                                          <p:spTgt spid="3">
+                                            <p:txEl>
+                                              <p:pRg st="0" end="0"/>
+                                            </p:txEl>
+                                          </p:spTgt>
+                                        </p:tgtEl>
+                                        <p:attrNameLst>
+                                          <p:attrName>style.visibility</p:attrName>
+                                        </p:attrNameLst>
+                                      </p:cBhvr>
+                                      <p:to>
+                                        <p:strVal val="visible"/>
+                                      </p:to>
+                                    </p:set>
+                                    <p:anim calcmode="lin" valueType="num">
+                                      <p:cBhvr>
+                                        <p:cTn id="14" dur="1500" fill="hold"/>
+                                        <p:tgtEl>
+                                          <p:spTgt spid="3">
+                                            <p:txEl>
+                                              <p:pRg st="0" end="0"/>
+                                            </p:txEl>
+                                          </p:spTgt>
+                                        </p:tgtEl>
+                                        <p:attrNameLst>
+                                          <p:attrName>ppt_w</p:attrName>
+                                        </p:attrNameLst>
+                                      </p:cBhvr>
+                                      <p:tavLst>
+                                        <p:tav tm="0">
+                                          <p:val>
+                                            <p:fltVal val="0"/>
+                                          </p:val>
+                                        </p:tav>
+                                        <p:tav tm="100000">
+                                          <p:val>
+                                            <p:strVal val="#ppt_w"/>
+                                          </p:val>
+                                        </p:tav>
+                                      </p:tavLst>
+                                    </p:anim>
+                                    <p:anim calcmode="lin" valueType="num">
+                                      <p:cBhvr>
+                                        <p:cTn id="15" dur="1500" fill="hold"/>
+                                        <p:tgtEl>
+                                          <p:spTgt spid="3">
+                                            <p:txEl>
+                                              <p:pRg st="0" end="0"/>
+                                            </p:txEl>
+                                          </p:spTgt>
+                                        </p:tgtEl>
+                                        <p:attrNameLst>
+                                          <p:attrName>ppt_h</p:attrName>
+                                        </p:attrNameLst>
+                                      </p:cBhvr>
+                                      <p:tavLst>
+                                        <p:tav tm="0">
+                                          <p:val>
+                                            <p:fltVal val="0"/>
+                                          </p:val>
+                                        </p:tav>
+                                        <p:tav tm="100000">
+                                          <p:val>
+                                            <p:strVal val="#ppt_h"/>
+                                          </p:val>
+                                        </p:tav>
+                                      </p:tavLst>
+                                    </p:anim>
+                                    <p:animEffect transition="in" filter="fade">
+                                      <p:cBhvr>
+                                        <p:cTn id="16" dur="1500"/>
+                                        <p:tgtEl>
+                                          <p:spTgt spid="3">
+                                            <p:txEl>
+                                              <p:pRg st="0" end="0"/>
+                                            </p:txEl>
+                                          </p:spTgt>
+                                        </p:tgtEl>
+                                      </p:cBhvr>
+                                    </p:animEffect>
+                                  </p:childTnLst>
+                                </p:cTn>
+                              </p:par>
+                            </p:childTnLst>
+                          </p:cTn>
+                        </p:par>
+                      </p:childTnLst>
+                    </p:cTn>
+                  </p:par>
+                  <p:par>
+                    <p:cTn id="17" fill="hold">
+                      <p:stCondLst>
+                        <p:cond delay="indefinite"/>
+                      </p:stCondLst>
+                      <p:childTnLst>
+                        <p:par>
+                          <p:cTn id="18" fill="hold">
+                            <p:stCondLst>
+                              <p:cond delay="0"/>
+                            </p:stCondLst>
+                            <p:childTnLst>
+                              <p:par>
+                                <p:cTn id="19" presetID="53" presetClass="entr" presetSubtype="16" fill="hold" grpId="0" nodeType="clickEffect">
+                                  <p:stCondLst>
+                                    <p:cond delay="0"/>
+                                  </p:stCondLst>
+                                  <p:childTnLst>
+                                    <p:set>
+                                      <p:cBhvr>
+                                        <p:cTn id="20" dur="1" fill="hold">
+                                          <p:stCondLst>
+                                            <p:cond delay="0"/>
+                                          </p:stCondLst>
+                                        </p:cTn>
+                                        <p:tgtEl>
+                                          <p:spTgt spid="3">
+                                            <p:txEl>
+                                              <p:pRg st="2" end="2"/>
+                                            </p:txEl>
+                                          </p:spTgt>
+                                        </p:tgtEl>
+                                        <p:attrNameLst>
+                                          <p:attrName>style.visibility</p:attrName>
+                                        </p:attrNameLst>
+                                      </p:cBhvr>
+                                      <p:to>
+                                        <p:strVal val="visible"/>
+                                      </p:to>
+                                    </p:set>
+                                    <p:anim calcmode="lin" valueType="num">
+                                      <p:cBhvr>
+                                        <p:cTn id="21" dur="1500" fill="hold"/>
+                                        <p:tgtEl>
+                                          <p:spTgt spid="3">
+                                            <p:txEl>
+                                              <p:pRg st="2" end="2"/>
+                                            </p:txEl>
+                                          </p:spTgt>
+                                        </p:tgtEl>
+                                        <p:attrNameLst>
+                                          <p:attrName>ppt_w</p:attrName>
+                                        </p:attrNameLst>
+                                      </p:cBhvr>
+                                      <p:tavLst>
+                                        <p:tav tm="0">
+                                          <p:val>
+                                            <p:fltVal val="0"/>
+                                          </p:val>
+                                        </p:tav>
+                                        <p:tav tm="100000">
+                                          <p:val>
+                                            <p:strVal val="#ppt_w"/>
+                                          </p:val>
+                                        </p:tav>
+                                      </p:tavLst>
+                                    </p:anim>
+                                    <p:anim calcmode="lin" valueType="num">
+                                      <p:cBhvr>
+                                        <p:cTn id="22" dur="1500" fill="hold"/>
+                                        <p:tgtEl>
+                                          <p:spTgt spid="3">
+                                            <p:txEl>
+                                              <p:pRg st="2" end="2"/>
+                                            </p:txEl>
+                                          </p:spTgt>
+                                        </p:tgtEl>
+                                        <p:attrNameLst>
+                                          <p:attrName>ppt_h</p:attrName>
+                                        </p:attrNameLst>
+                                      </p:cBhvr>
+                                      <p:tavLst>
+                                        <p:tav tm="0">
+                                          <p:val>
+                                            <p:fltVal val="0"/>
+                                          </p:val>
+                                        </p:tav>
+                                        <p:tav tm="100000">
+                                          <p:val>
+                                            <p:strVal val="#ppt_h"/>
+                                          </p:val>
+                                        </p:tav>
+                                      </p:tavLst>
+                                    </p:anim>
+                                    <p:animEffect transition="in" filter="fade">
+                                      <p:cBhvr>
+                                        <p:cTn id="23" dur="1500"/>
+                                        <p:tgtEl>
+                                          <p:spTgt spid="3">
+                                            <p:txEl>
+                                              <p:pRg st="2" end="2"/>
+                                            </p:txEl>
+                                          </p:spTgt>
+                                        </p:tgtEl>
+                                      </p:cBhvr>
+                                    </p:animEffect>
+                                  </p:childTnLst>
+                                </p:cTn>
+                              </p:par>
+                            </p:childTnLst>
+                          </p:cTn>
+                        </p:par>
+                      </p:childTnLst>
+                    </p:cTn>
+                  </p:par>
+                  <p:par>
+                    <p:cTn id="24" fill="hold">
+                      <p:stCondLst>
+                        <p:cond delay="indefinite"/>
+                      </p:stCondLst>
+                      <p:childTnLst>
+                        <p:par>
+                          <p:cTn id="25" fill="hold">
+                            <p:stCondLst>
+                              <p:cond delay="0"/>
+                            </p:stCondLst>
+                            <p:childTnLst>
+                              <p:par>
+                                <p:cTn id="26" presetID="53" presetClass="entr" presetSubtype="16" fill="hold" grpId="0" nodeType="clickEffect">
+                                  <p:stCondLst>
+                                    <p:cond delay="0"/>
+                                  </p:stCondLst>
+                                  <p:childTnLst>
+                                    <p:set>
+                                      <p:cBhvr>
+                                        <p:cTn id="27" dur="1" fill="hold">
+                                          <p:stCondLst>
+                                            <p:cond delay="0"/>
+                                          </p:stCondLst>
+                                        </p:cTn>
+                                        <p:tgtEl>
+                                          <p:spTgt spid="3">
+                                            <p:txEl>
+                                              <p:pRg st="4" end="4"/>
+                                            </p:txEl>
+                                          </p:spTgt>
+                                        </p:tgtEl>
+                                        <p:attrNameLst>
+                                          <p:attrName>style.visibility</p:attrName>
+                                        </p:attrNameLst>
+                                      </p:cBhvr>
+                                      <p:to>
+                                        <p:strVal val="visible"/>
+                                      </p:to>
+                                    </p:set>
+                                    <p:anim calcmode="lin" valueType="num">
+                                      <p:cBhvr>
+                                        <p:cTn id="28" dur="1500" fill="hold"/>
+                                        <p:tgtEl>
+                                          <p:spTgt spid="3">
+                                            <p:txEl>
+                                              <p:pRg st="4" end="4"/>
+                                            </p:txEl>
+                                          </p:spTgt>
+                                        </p:tgtEl>
+                                        <p:attrNameLst>
+                                          <p:attrName>ppt_w</p:attrName>
+                                        </p:attrNameLst>
+                                      </p:cBhvr>
+                                      <p:tavLst>
+                                        <p:tav tm="0">
+                                          <p:val>
+                                            <p:fltVal val="0"/>
+                                          </p:val>
+                                        </p:tav>
+                                        <p:tav tm="100000">
+                                          <p:val>
+                                            <p:strVal val="#ppt_w"/>
+                                          </p:val>
+                                        </p:tav>
+                                      </p:tavLst>
+                                    </p:anim>
+                                    <p:anim calcmode="lin" valueType="num">
+                                      <p:cBhvr>
+                                        <p:cTn id="29" dur="1500" fill="hold"/>
+                                        <p:tgtEl>
+                                          <p:spTgt spid="3">
+                                            <p:txEl>
+                                              <p:pRg st="4" end="4"/>
+                                            </p:txEl>
+                                          </p:spTgt>
+                                        </p:tgtEl>
+                                        <p:attrNameLst>
+                                          <p:attrName>ppt_h</p:attrName>
+                                        </p:attrNameLst>
+                                      </p:cBhvr>
+                                      <p:tavLst>
+                                        <p:tav tm="0">
+                                          <p:val>
+                                            <p:fltVal val="0"/>
+                                          </p:val>
+                                        </p:tav>
+                                        <p:tav tm="100000">
+                                          <p:val>
+                                            <p:strVal val="#ppt_h"/>
+                                          </p:val>
+                                        </p:tav>
+                                      </p:tavLst>
+                                    </p:anim>
+                                    <p:animEffect transition="in" filter="fade">
+                                      <p:cBhvr>
+                                        <p:cTn id="30" dur="1500"/>
+                                        <p:tgtEl>
+                                          <p:spTgt spid="3">
+                                            <p:txEl>
+                                              <p:pRg st="4" end="4"/>
+                                            </p:txEl>
+                                          </p:spTgt>
+                                        </p:tgtEl>
+                                      </p:cBhvr>
+                                    </p:animEffect>
+                                  </p:childTnLst>
+                                </p:cTn>
+                              </p:par>
+                            </p:childTnLst>
+                          </p:cTn>
+                        </p:par>
+                      </p:childTnLst>
+                    </p:cTn>
+                  </p:par>
+                </p:childTnLst>
+              </p:cTn>
+              <p:prevCondLst>
+                <p:cond evt="onPrev" delay="0">
+                  <p:tgtEl>
+                    <p:sldTgt/>
+                  </p:tgtEl>
+                </p:cond>
+              </p:prevCondLst>
+              <p:nextCondLst>
+                <p:cond evt="onNext" delay="0">
+                  <p:tgtEl>
+                    <p:sldTgt/>
+                  </p:tgtEl>
+                </p:cond>
+              </p:nextCondLst>
+            </p:seq>
+          </p:childTnLst>
+        </p:cTn>
+      </p:par>
+    </p:tnLst>
+    <p:bldLst>
+      <p:bldP spid="2" grpId="0"/>
+      <p:bldP spid="3" grpId="0" build="p"/>
+    </p:bldLst>
+  </p:timing>
 </p:sld>
 </file>
 
@@ -13433,21 +21595,6 @@
 </file>
 
 <file path=customXml/item1.xml><?xml version="1.0" encoding="utf-8"?>
-<p:properties xmlns:p="http://schemas.microsoft.com/office/2006/metadata/properties" xmlns:xsi="http://www.w3.org/2001/XMLSchema-instance" xmlns:pc="http://schemas.microsoft.com/office/infopath/2007/PartnerControls">
-  <documentManagement/>
-</p:properties>
-</file>
-
-<file path=customXml/item2.xml><?xml version="1.0" encoding="utf-8"?>
-<?mso-contentType ?>
-<FormTemplates xmlns="http://schemas.microsoft.com/sharepoint/v3/contenttype/forms">
-  <Display>DocumentLibraryForm</Display>
-  <Edit>DocumentLibraryForm</Edit>
-  <New>DocumentLibraryForm</New>
-</FormTemplates>
-</file>
-
-<file path=customXml/item3.xml><?xml version="1.0" encoding="utf-8"?>
 <ct:contentTypeSchema xmlns:ct="http://schemas.microsoft.com/office/2006/metadata/contentType" xmlns:ma="http://schemas.microsoft.com/office/2006/metadata/properties/metaAttributes" ct:_="" ma:_="" ma:contentTypeName="Document" ma:contentTypeID="0x010100651E00D2AC2DD14EB60A774F4411C2DE" ma:contentTypeVersion="10" ma:contentTypeDescription="Create a new document." ma:contentTypeScope="" ma:versionID="5fa4770c7f3533901a642ebc136dfacc">
   <xsd:schema xmlns:xsd="http://www.w3.org/2001/XMLSchema" xmlns:xs="http://www.w3.org/2001/XMLSchema" xmlns:p="http://schemas.microsoft.com/office/2006/metadata/properties" xmlns:ns3="a226a929-813b-4430-a398-5fab01598312" targetNamespace="http://schemas.microsoft.com/office/2006/metadata/properties" ma:root="true" ma:fieldsID="5ce44c3146c3c9503a47426e7c52d1ce" ns3:_="">
     <xsd:import namespace="a226a929-813b-4430-a398-5fab01598312"/>
@@ -13631,31 +21778,22 @@
 </ct:contentTypeSchema>
 </file>
 
-<file path=customXml/itemProps1.xml><?xml version="1.0" encoding="utf-8"?>
-<ds:datastoreItem xmlns:ds="http://schemas.openxmlformats.org/officeDocument/2006/customXml" ds:itemID="{1AFDBBFF-58A2-4743-86D0-3AECD4801884}">
-  <ds:schemaRefs>
-    <ds:schemaRef ds:uri="http://schemas.microsoft.com/office/2006/documentManagement/types"/>
-    <ds:schemaRef ds:uri="http://purl.org/dc/elements/1.1/"/>
-    <ds:schemaRef ds:uri="http://schemas.openxmlformats.org/package/2006/metadata/core-properties"/>
-    <ds:schemaRef ds:uri="http://schemas.microsoft.com/office/infopath/2007/PartnerControls"/>
-    <ds:schemaRef ds:uri="http://www.w3.org/XML/1998/namespace"/>
-    <ds:schemaRef ds:uri="http://schemas.microsoft.com/office/2006/metadata/properties"/>
-    <ds:schemaRef ds:uri="http://purl.org/dc/terms/"/>
-    <ds:schemaRef ds:uri="http://purl.org/dc/dcmitype/"/>
-    <ds:schemaRef ds:uri="a226a929-813b-4430-a398-5fab01598312"/>
-  </ds:schemaRefs>
-</ds:datastoreItem>
+<file path=customXml/item2.xml><?xml version="1.0" encoding="utf-8"?>
+<p:properties xmlns:p="http://schemas.microsoft.com/office/2006/metadata/properties" xmlns:xsi="http://www.w3.org/2001/XMLSchema-instance" xmlns:pc="http://schemas.microsoft.com/office/infopath/2007/PartnerControls">
+  <documentManagement/>
+</p:properties>
 </file>
 
-<file path=customXml/itemProps2.xml><?xml version="1.0" encoding="utf-8"?>
-<ds:datastoreItem xmlns:ds="http://schemas.openxmlformats.org/officeDocument/2006/customXml" ds:itemID="{E53F1209-AC2B-401A-92D1-D05224B91C7B}">
-  <ds:schemaRefs>
-    <ds:schemaRef ds:uri="http://schemas.microsoft.com/sharepoint/v3/contenttype/forms"/>
-  </ds:schemaRefs>
-</ds:datastoreItem>
+<file path=customXml/item3.xml><?xml version="1.0" encoding="utf-8"?>
+<?mso-contentType ?>
+<FormTemplates xmlns="http://schemas.microsoft.com/sharepoint/v3/contenttype/forms">
+  <Display>DocumentLibraryForm</Display>
+  <Edit>DocumentLibraryForm</Edit>
+  <New>DocumentLibraryForm</New>
+</FormTemplates>
 </file>
 
-<file path=customXml/itemProps3.xml><?xml version="1.0" encoding="utf-8"?>
+<file path=customXml/itemProps1.xml><?xml version="1.0" encoding="utf-8"?>
 <ds:datastoreItem xmlns:ds="http://schemas.openxmlformats.org/officeDocument/2006/customXml" ds:itemID="{F94871AE-48D9-4E11-9A57-3EA7A57FE342}">
   <ds:schemaRefs>
     <ds:schemaRef ds:uri="http://schemas.microsoft.com/office/2006/metadata/contentType"/>
@@ -13671,4 +21809,28 @@
     <ds:schemaRef ds:uri="http://schemas.microsoft.com/internal/obd"/>
   </ds:schemaRefs>
 </ds:datastoreItem>
+</file>
+
+<file path=customXml/itemProps2.xml><?xml version="1.0" encoding="utf-8"?>
+<ds:datastoreItem xmlns:ds="http://schemas.openxmlformats.org/officeDocument/2006/customXml" ds:itemID="{1AFDBBFF-58A2-4743-86D0-3AECD4801884}">
+  <ds:schemaRefs>
+    <ds:schemaRef ds:uri="http://schemas.microsoft.com/office/2006/documentManagement/types"/>
+    <ds:schemaRef ds:uri="http://purl.org/dc/elements/1.1/"/>
+    <ds:schemaRef ds:uri="http://schemas.microsoft.com/office/infopath/2007/PartnerControls"/>
+    <ds:schemaRef ds:uri="http://schemas.microsoft.com/office/2006/metadata/properties"/>
+    <ds:schemaRef ds:uri="http://purl.org/dc/dcmitype/"/>
+    <ds:schemaRef ds:uri="a226a929-813b-4430-a398-5fab01598312"/>
+    <ds:schemaRef ds:uri="http://schemas.openxmlformats.org/package/2006/metadata/core-properties"/>
+    <ds:schemaRef ds:uri="http://www.w3.org/XML/1998/namespace"/>
+    <ds:schemaRef ds:uri="http://purl.org/dc/terms/"/>
+  </ds:schemaRefs>
+</ds:datastoreItem>
+</file>
+
+<file path=customXml/itemProps3.xml><?xml version="1.0" encoding="utf-8"?>
+<ds:datastoreItem xmlns:ds="http://schemas.openxmlformats.org/officeDocument/2006/customXml" ds:itemID="{E53F1209-AC2B-401A-92D1-D05224B91C7B}">
+  <ds:schemaRefs>
+    <ds:schemaRef ds:uri="http://schemas.microsoft.com/sharepoint/v3/contenttype/forms"/>
+  </ds:schemaRefs>
+</ds:datastoreItem>
 </file>